--- a/Bookmarks.pptx
+++ b/Bookmarks.pptx
@@ -5,35 +5,39 @@
     <p:sldMasterId id="2147483648" r:id="rId5"/>
   </p:sldMasterIdLst>
   <p:notesMasterIdLst>
-    <p:notesMasterId r:id="rId29"/>
+    <p:notesMasterId r:id="rId33"/>
   </p:notesMasterIdLst>
   <p:handoutMasterIdLst>
-    <p:handoutMasterId r:id="rId30"/>
+    <p:handoutMasterId r:id="rId34"/>
   </p:handoutMasterIdLst>
   <p:sldIdLst>
     <p:sldId id="279" r:id="rId6"/>
-    <p:sldId id="278" r:id="rId7"/>
-    <p:sldId id="395" r:id="rId8"/>
-    <p:sldId id="394" r:id="rId9"/>
-    <p:sldId id="376" r:id="rId10"/>
-    <p:sldId id="396" r:id="rId11"/>
-    <p:sldId id="391" r:id="rId12"/>
-    <p:sldId id="392" r:id="rId13"/>
-    <p:sldId id="393" r:id="rId14"/>
-    <p:sldId id="385" r:id="rId15"/>
+    <p:sldId id="397" r:id="rId7"/>
+    <p:sldId id="401" r:id="rId8"/>
+    <p:sldId id="278" r:id="rId9"/>
+    <p:sldId id="395" r:id="rId10"/>
+    <p:sldId id="394" r:id="rId11"/>
+    <p:sldId id="376" r:id="rId12"/>
+    <p:sldId id="396" r:id="rId13"/>
+    <p:sldId id="391" r:id="rId14"/>
+    <p:sldId id="392" r:id="rId15"/>
     <p:sldId id="386" r:id="rId16"/>
-    <p:sldId id="361" r:id="rId17"/>
-    <p:sldId id="373" r:id="rId18"/>
-    <p:sldId id="374" r:id="rId19"/>
-    <p:sldId id="375" r:id="rId20"/>
-    <p:sldId id="387" r:id="rId21"/>
-    <p:sldId id="380" r:id="rId22"/>
-    <p:sldId id="381" r:id="rId23"/>
-    <p:sldId id="389" r:id="rId24"/>
-    <p:sldId id="388" r:id="rId25"/>
-    <p:sldId id="382" r:id="rId26"/>
-    <p:sldId id="383" r:id="rId27"/>
-    <p:sldId id="384" r:id="rId28"/>
+    <p:sldId id="393" r:id="rId17"/>
+    <p:sldId id="385" r:id="rId18"/>
+    <p:sldId id="387" r:id="rId19"/>
+    <p:sldId id="405" r:id="rId20"/>
+    <p:sldId id="361" r:id="rId21"/>
+    <p:sldId id="373" r:id="rId22"/>
+    <p:sldId id="374" r:id="rId23"/>
+    <p:sldId id="398" r:id="rId24"/>
+    <p:sldId id="380" r:id="rId25"/>
+    <p:sldId id="388" r:id="rId26"/>
+    <p:sldId id="399" r:id="rId27"/>
+    <p:sldId id="402" r:id="rId28"/>
+    <p:sldId id="403" r:id="rId29"/>
+    <p:sldId id="404" r:id="rId30"/>
+    <p:sldId id="384" r:id="rId31"/>
+    <p:sldId id="400" r:id="rId32"/>
   </p:sldIdLst>
   <p:sldSz cx="9144000" cy="6858000" type="screen4x3"/>
   <p:notesSz cx="7315200" cy="9601200"/>
@@ -163,6 +167,10 @@
     </p:ext>
   </p:extLst>
 </p:presentation>
+</file>
+
+<file path=ppt/revisionInfo.xml><?xml version="1.0" encoding="utf-8"?>
+<p1510:revInfo xmlns:a="http://schemas.openxmlformats.org/drawingml/2006/main" xmlns:r="http://schemas.openxmlformats.org/officeDocument/2006/relationships" xmlns:p1510="http://schemas.microsoft.com/office/powerpoint/2015/10/main"/>
 </file>
 
 <file path=ppt/handoutMasters/handoutMaster1.xml><?xml version="1.0" encoding="utf-8"?>
@@ -803,264 +811,6 @@
 </file>
 
 <file path=ppt/notesSlides/notesSlide4.xml><?xml version="1.0" encoding="utf-8"?>
-<p:notes xmlns:a="http://schemas.openxmlformats.org/drawingml/2006/main" xmlns:r="http://schemas.openxmlformats.org/officeDocument/2006/relationships" xmlns:p="http://schemas.openxmlformats.org/presentationml/2006/main">
-  <p:cSld>
-    <p:spTree>
-      <p:nvGrpSpPr>
-        <p:cNvPr id="1" name=""/>
-        <p:cNvGrpSpPr/>
-        <p:nvPr/>
-      </p:nvGrpSpPr>
-      <p:grpSpPr>
-        <a:xfrm>
-          <a:off x="0" y="0"/>
-          <a:ext cx="0" cy="0"/>
-          <a:chOff x="0" y="0"/>
-          <a:chExt cx="0" cy="0"/>
-        </a:xfrm>
-      </p:grpSpPr>
-      <p:sp>
-        <p:nvSpPr>
-          <p:cNvPr id="2" name="Slide Image Placeholder 1"/>
-          <p:cNvSpPr>
-            <a:spLocks noGrp="1" noRot="1" noChangeAspect="1"/>
-          </p:cNvSpPr>
-          <p:nvPr>
-            <p:ph type="sldImg"/>
-          </p:nvPr>
-        </p:nvSpPr>
-        <p:spPr/>
-      </p:sp>
-      <p:sp>
-        <p:nvSpPr>
-          <p:cNvPr id="3" name="Notes Placeholder 2"/>
-          <p:cNvSpPr>
-            <a:spLocks noGrp="1"/>
-          </p:cNvSpPr>
-          <p:nvPr>
-            <p:ph type="body" idx="1"/>
-          </p:nvPr>
-        </p:nvSpPr>
-        <p:spPr/>
-        <p:txBody>
-          <a:bodyPr/>
-          <a:lstStyle/>
-          <a:p>
-            <a:pPr marL="0" marR="0" indent="0" algn="l" defTabSz="914400" rtl="0" eaLnBrk="1" fontAlgn="auto" latinLnBrk="0" hangingPunct="1">
-              <a:lnSpc>
-                <a:spcPct val="100000"/>
-              </a:lnSpc>
-              <a:spcBef>
-                <a:spcPts val="0"/>
-              </a:spcBef>
-              <a:spcAft>
-                <a:spcPts val="0"/>
-              </a:spcAft>
-              <a:buClrTx/>
-              <a:buSzTx/>
-              <a:buFontTx/>
-              <a:buNone/>
-              <a:tabLst/>
-              <a:defRPr/>
-            </a:pPr>
-            <a:endParaRPr lang="en-US" sz="1200" kern="1200" baseline="0" dirty="0">
-              <a:solidFill>
-                <a:schemeClr val="tx1"/>
-              </a:solidFill>
-              <a:effectLst/>
-              <a:latin typeface="+mn-lt"/>
-              <a:ea typeface="+mn-ea"/>
-              <a:cs typeface="+mn-cs"/>
-            </a:endParaRPr>
-          </a:p>
-        </p:txBody>
-      </p:sp>
-    </p:spTree>
-    <p:extLst>
-      <p:ext uri="{BB962C8B-B14F-4D97-AF65-F5344CB8AC3E}">
-        <p14:creationId xmlns:p14="http://schemas.microsoft.com/office/powerpoint/2010/main" val="3999873552"/>
-      </p:ext>
-    </p:extLst>
-  </p:cSld>
-  <p:clrMapOvr>
-    <a:masterClrMapping/>
-  </p:clrMapOvr>
-</p:notes>
-</file>
-
-<file path=ppt/notesSlides/notesSlide5.xml><?xml version="1.0" encoding="utf-8"?>
-<p:notes xmlns:a="http://schemas.openxmlformats.org/drawingml/2006/main" xmlns:r="http://schemas.openxmlformats.org/officeDocument/2006/relationships" xmlns:p="http://schemas.openxmlformats.org/presentationml/2006/main">
-  <p:cSld>
-    <p:spTree>
-      <p:nvGrpSpPr>
-        <p:cNvPr id="1" name=""/>
-        <p:cNvGrpSpPr/>
-        <p:nvPr/>
-      </p:nvGrpSpPr>
-      <p:grpSpPr>
-        <a:xfrm>
-          <a:off x="0" y="0"/>
-          <a:ext cx="0" cy="0"/>
-          <a:chOff x="0" y="0"/>
-          <a:chExt cx="0" cy="0"/>
-        </a:xfrm>
-      </p:grpSpPr>
-      <p:sp>
-        <p:nvSpPr>
-          <p:cNvPr id="2" name="Slide Image Placeholder 1"/>
-          <p:cNvSpPr>
-            <a:spLocks noGrp="1" noRot="1" noChangeAspect="1"/>
-          </p:cNvSpPr>
-          <p:nvPr>
-            <p:ph type="sldImg"/>
-          </p:nvPr>
-        </p:nvSpPr>
-        <p:spPr/>
-      </p:sp>
-      <p:sp>
-        <p:nvSpPr>
-          <p:cNvPr id="3" name="Notes Placeholder 2"/>
-          <p:cNvSpPr>
-            <a:spLocks noGrp="1"/>
-          </p:cNvSpPr>
-          <p:nvPr>
-            <p:ph type="body" idx="1"/>
-          </p:nvPr>
-        </p:nvSpPr>
-        <p:spPr/>
-        <p:txBody>
-          <a:bodyPr/>
-          <a:lstStyle/>
-          <a:p>
-            <a:pPr marL="0" marR="0" indent="0" algn="l" defTabSz="914400" rtl="0" eaLnBrk="1" fontAlgn="auto" latinLnBrk="0" hangingPunct="1">
-              <a:lnSpc>
-                <a:spcPct val="100000"/>
-              </a:lnSpc>
-              <a:spcBef>
-                <a:spcPts val="0"/>
-              </a:spcBef>
-              <a:spcAft>
-                <a:spcPts val="0"/>
-              </a:spcAft>
-              <a:buClrTx/>
-              <a:buSzTx/>
-              <a:buFontTx/>
-              <a:buNone/>
-              <a:tabLst/>
-              <a:defRPr/>
-            </a:pPr>
-            <a:endParaRPr lang="en-US" sz="1200" kern="1200" baseline="0" dirty="0">
-              <a:solidFill>
-                <a:schemeClr val="tx1"/>
-              </a:solidFill>
-              <a:effectLst/>
-              <a:latin typeface="+mn-lt"/>
-              <a:ea typeface="+mn-ea"/>
-              <a:cs typeface="+mn-cs"/>
-            </a:endParaRPr>
-          </a:p>
-        </p:txBody>
-      </p:sp>
-    </p:spTree>
-    <p:extLst>
-      <p:ext uri="{BB962C8B-B14F-4D97-AF65-F5344CB8AC3E}">
-        <p14:creationId xmlns:p14="http://schemas.microsoft.com/office/powerpoint/2010/main" val="2862205567"/>
-      </p:ext>
-    </p:extLst>
-  </p:cSld>
-  <p:clrMapOvr>
-    <a:masterClrMapping/>
-  </p:clrMapOvr>
-</p:notes>
-</file>
-
-<file path=ppt/notesSlides/notesSlide6.xml><?xml version="1.0" encoding="utf-8"?>
-<p:notes xmlns:a="http://schemas.openxmlformats.org/drawingml/2006/main" xmlns:r="http://schemas.openxmlformats.org/officeDocument/2006/relationships" xmlns:p="http://schemas.openxmlformats.org/presentationml/2006/main">
-  <p:cSld>
-    <p:spTree>
-      <p:nvGrpSpPr>
-        <p:cNvPr id="1" name=""/>
-        <p:cNvGrpSpPr/>
-        <p:nvPr/>
-      </p:nvGrpSpPr>
-      <p:grpSpPr>
-        <a:xfrm>
-          <a:off x="0" y="0"/>
-          <a:ext cx="0" cy="0"/>
-          <a:chOff x="0" y="0"/>
-          <a:chExt cx="0" cy="0"/>
-        </a:xfrm>
-      </p:grpSpPr>
-      <p:sp>
-        <p:nvSpPr>
-          <p:cNvPr id="2" name="Slide Image Placeholder 1"/>
-          <p:cNvSpPr>
-            <a:spLocks noGrp="1" noRot="1" noChangeAspect="1"/>
-          </p:cNvSpPr>
-          <p:nvPr>
-            <p:ph type="sldImg"/>
-          </p:nvPr>
-        </p:nvSpPr>
-        <p:spPr/>
-      </p:sp>
-      <p:sp>
-        <p:nvSpPr>
-          <p:cNvPr id="3" name="Notes Placeholder 2"/>
-          <p:cNvSpPr>
-            <a:spLocks noGrp="1"/>
-          </p:cNvSpPr>
-          <p:nvPr>
-            <p:ph type="body" idx="1"/>
-          </p:nvPr>
-        </p:nvSpPr>
-        <p:spPr/>
-        <p:txBody>
-          <a:bodyPr/>
-          <a:lstStyle/>
-          <a:p>
-            <a:pPr marL="0" marR="0" indent="0" algn="l" defTabSz="914400" rtl="0" eaLnBrk="1" fontAlgn="auto" latinLnBrk="0" hangingPunct="1">
-              <a:lnSpc>
-                <a:spcPct val="100000"/>
-              </a:lnSpc>
-              <a:spcBef>
-                <a:spcPts val="0"/>
-              </a:spcBef>
-              <a:spcAft>
-                <a:spcPts val="0"/>
-              </a:spcAft>
-              <a:buClrTx/>
-              <a:buSzTx/>
-              <a:buFontTx/>
-              <a:buNone/>
-              <a:tabLst/>
-              <a:defRPr/>
-            </a:pPr>
-            <a:endParaRPr lang="en-US" sz="1200" kern="1200" baseline="0" dirty="0">
-              <a:solidFill>
-                <a:schemeClr val="tx1"/>
-              </a:solidFill>
-              <a:effectLst/>
-              <a:latin typeface="+mn-lt"/>
-              <a:ea typeface="+mn-ea"/>
-              <a:cs typeface="+mn-cs"/>
-            </a:endParaRPr>
-          </a:p>
-        </p:txBody>
-      </p:sp>
-    </p:spTree>
-    <p:extLst>
-      <p:ext uri="{BB962C8B-B14F-4D97-AF65-F5344CB8AC3E}">
-        <p14:creationId xmlns:p14="http://schemas.microsoft.com/office/powerpoint/2010/main" val="1908368325"/>
-      </p:ext>
-    </p:extLst>
-  </p:cSld>
-  <p:clrMapOvr>
-    <a:masterClrMapping/>
-  </p:clrMapOvr>
-</p:notes>
-</file>
-
-<file path=ppt/notesSlides/notesSlide7.xml><?xml version="1.0" encoding="utf-8"?>
 <p:notes xmlns:a="http://schemas.openxmlformats.org/drawingml/2006/main" xmlns:r="http://schemas.openxmlformats.org/officeDocument/2006/relationships" xmlns:p="http://schemas.openxmlformats.org/presentationml/2006/main">
   <p:cSld>
     <p:spTree>
@@ -3076,7 +2826,7 @@
           <p:cNvPr id="2" name="Title 1">
             <a:extLst>
               <a:ext uri="{FF2B5EF4-FFF2-40B4-BE49-F238E27FC236}">
-                <a16:creationId xmlns:a16="http://schemas.microsoft.com/office/drawing/2014/main" id="{51328D6E-5B12-48BD-9F8D-7AEB61F3BC0C}"/>
+                <a16:creationId xmlns:a16="http://schemas.microsoft.com/office/drawing/2014/main" id="{A9E70CFD-64F6-4162-AE61-7358F806E1B1}"/>
               </a:ext>
             </a:extLst>
           </p:cNvPr>
@@ -3094,7 +2844,7 @@
           <a:p>
             <a:r>
               <a:rPr lang="en-US" dirty="0"/>
-              <a:t>What are Bookmarks</a:t>
+              <a:t>Selection Pane</a:t>
             </a:r>
           </a:p>
         </p:txBody>
@@ -3104,7 +2854,7 @@
           <p:cNvPr id="3" name="Content Placeholder 2">
             <a:extLst>
               <a:ext uri="{FF2B5EF4-FFF2-40B4-BE49-F238E27FC236}">
-                <a16:creationId xmlns:a16="http://schemas.microsoft.com/office/drawing/2014/main" id="{84ABE790-72E9-45CF-952B-78924BD60A87}"/>
+                <a16:creationId xmlns:a16="http://schemas.microsoft.com/office/drawing/2014/main" id="{74DAD658-A5ED-41EE-84C2-0D2B8C012930}"/>
               </a:ext>
             </a:extLst>
           </p:cNvPr>
@@ -3117,99 +2867,193 @@
         </p:nvSpPr>
         <p:spPr/>
         <p:txBody>
-          <a:bodyPr/>
+          <a:bodyPr>
+            <a:normAutofit/>
+          </a:bodyPr>
           <a:lstStyle/>
           <a:p>
             <a:r>
-              <a:rPr lang="en-US" dirty="0"/>
-              <a:t>Snapshot of recorded settings</a:t>
+              <a:rPr lang="en-US" sz="2400" dirty="0"/>
+              <a:t>Provides control over object on a page</a:t>
             </a:r>
           </a:p>
           <a:p>
             <a:pPr lvl="1"/>
             <a:r>
-              <a:rPr lang="en-US" dirty="0"/>
-              <a:t>The current page</a:t>
+              <a:rPr lang="en-US" sz="1800" dirty="0"/>
+              <a:t>You can control whether visual is visible or hidden</a:t>
             </a:r>
           </a:p>
           <a:p>
             <a:pPr lvl="1"/>
             <a:r>
-              <a:rPr lang="en-US" dirty="0"/>
-              <a:t>Filters</a:t>
-            </a:r>
-          </a:p>
-          <a:p>
-            <a:pPr lvl="1"/>
-            <a:r>
-              <a:rPr lang="en-US" dirty="0"/>
-              <a:t>Slicers</a:t>
-            </a:r>
-          </a:p>
-          <a:p>
-            <a:pPr lvl="1"/>
-            <a:r>
-              <a:rPr lang="en-US" dirty="0"/>
-              <a:t>Sort order</a:t>
-            </a:r>
-          </a:p>
-          <a:p>
-            <a:pPr lvl="1"/>
-            <a:r>
-              <a:rPr lang="en-US" dirty="0"/>
-              <a:t>Drill location</a:t>
-            </a:r>
-          </a:p>
-          <a:p>
-            <a:pPr lvl="1"/>
-            <a:r>
-              <a:rPr lang="en-US" dirty="0"/>
-              <a:t>Visibility (of an object, using the Selection pane)</a:t>
-            </a:r>
-          </a:p>
-          <a:p>
-            <a:pPr lvl="1"/>
-            <a:r>
-              <a:rPr lang="en-US" dirty="0"/>
-              <a:t>The focus or Spotlight modes of any visible object</a:t>
-            </a:r>
-          </a:p>
-          <a:p>
-            <a:pPr lvl="1"/>
-            <a:endParaRPr lang="en-US" dirty="0"/>
-          </a:p>
-          <a:p>
-            <a:r>
-              <a:rPr lang="en-US" dirty="0"/>
-              <a:t>Foundation for Story telling</a:t>
-            </a:r>
-          </a:p>
-          <a:p>
-            <a:pPr lvl="1"/>
-            <a:r>
-              <a:rPr lang="en-US" dirty="0"/>
-              <a:t>Reports only – bookmarks not supported in dashboards</a:t>
-            </a:r>
-          </a:p>
-          <a:p>
-            <a:pPr lvl="1"/>
-            <a:endParaRPr lang="en-US" dirty="0"/>
-          </a:p>
-          <a:p>
-            <a:endParaRPr lang="en-US" dirty="0"/>
+              <a:rPr lang="en-US" sz="1800" dirty="0"/>
+              <a:t>You can change ordering to control what is on top</a:t>
+            </a:r>
           </a:p>
         </p:txBody>
       </p:sp>
+      <p:pic>
+        <p:nvPicPr>
+          <p:cNvPr id="6" name="Picture 5">
+            <a:extLst>
+              <a:ext uri="{FF2B5EF4-FFF2-40B4-BE49-F238E27FC236}">
+                <a16:creationId xmlns:a16="http://schemas.microsoft.com/office/drawing/2014/main" id="{82BC957C-CE41-40E8-81A0-06F8FFB423C9}"/>
+              </a:ext>
+            </a:extLst>
+          </p:cNvPr>
+          <p:cNvPicPr>
+            <a:picLocks noChangeAspect="1"/>
+          </p:cNvPicPr>
+          <p:nvPr/>
+        </p:nvPicPr>
+        <p:blipFill>
+          <a:blip r:embed="rId2"/>
+          <a:stretch>
+            <a:fillRect/>
+          </a:stretch>
+        </p:blipFill>
+        <p:spPr>
+          <a:xfrm>
+            <a:off x="1219200" y="2743200"/>
+            <a:ext cx="4419600" cy="2811674"/>
+          </a:xfrm>
+          <a:prstGeom prst="rect">
+            <a:avLst/>
+          </a:prstGeom>
+          <a:ln>
+            <a:solidFill>
+              <a:schemeClr val="tx1">
+                <a:lumMod val="50000"/>
+                <a:lumOff val="50000"/>
+              </a:schemeClr>
+            </a:solidFill>
+          </a:ln>
+        </p:spPr>
+      </p:pic>
+      <p:pic>
+        <p:nvPicPr>
+          <p:cNvPr id="7" name="Picture 6">
+            <a:extLst>
+              <a:ext uri="{FF2B5EF4-FFF2-40B4-BE49-F238E27FC236}">
+                <a16:creationId xmlns:a16="http://schemas.microsoft.com/office/drawing/2014/main" id="{D7CF569C-8ADB-4A7A-9DAA-6B2A338D37AC}"/>
+              </a:ext>
+            </a:extLst>
+          </p:cNvPr>
+          <p:cNvPicPr>
+            <a:picLocks noChangeAspect="1"/>
+          </p:cNvPicPr>
+          <p:nvPr/>
+        </p:nvPicPr>
+        <p:blipFill>
+          <a:blip r:embed="rId3"/>
+          <a:stretch>
+            <a:fillRect/>
+          </a:stretch>
+        </p:blipFill>
+        <p:spPr>
+          <a:xfrm>
+            <a:off x="6781800" y="1966775"/>
+            <a:ext cx="2138274" cy="4662625"/>
+          </a:xfrm>
+          <a:prstGeom prst="rect">
+            <a:avLst/>
+          </a:prstGeom>
+          <a:ln>
+            <a:solidFill>
+              <a:schemeClr val="tx1">
+                <a:lumMod val="50000"/>
+                <a:lumOff val="50000"/>
+              </a:schemeClr>
+            </a:solidFill>
+          </a:ln>
+        </p:spPr>
+      </p:pic>
     </p:spTree>
     <p:extLst>
       <p:ext uri="{BB962C8B-B14F-4D97-AF65-F5344CB8AC3E}">
-        <p14:creationId xmlns:p14="http://schemas.microsoft.com/office/powerpoint/2010/main" val="3583285372"/>
+        <p14:creationId xmlns:p14="http://schemas.microsoft.com/office/powerpoint/2010/main" val="1705469751"/>
       </p:ext>
     </p:extLst>
   </p:cSld>
   <p:clrMapOvr>
     <a:masterClrMapping/>
   </p:clrMapOvr>
+  <p:timing>
+    <p:tnLst>
+      <p:par>
+        <p:cTn id="1" dur="indefinite" restart="never" nodeType="tmRoot">
+          <p:childTnLst>
+            <p:seq concurrent="1" nextAc="seek">
+              <p:cTn id="2" dur="indefinite" nodeType="mainSeq">
+                <p:childTnLst>
+                  <p:par>
+                    <p:cTn id="3" fill="hold">
+                      <p:stCondLst>
+                        <p:cond delay="indefinite"/>
+                      </p:stCondLst>
+                      <p:childTnLst>
+                        <p:par>
+                          <p:cTn id="4" fill="hold">
+                            <p:stCondLst>
+                              <p:cond delay="0"/>
+                            </p:stCondLst>
+                            <p:childTnLst>
+                              <p:par>
+                                <p:cTn id="5" presetID="1" presetClass="entr" presetSubtype="0" fill="hold" nodeType="clickEffect">
+                                  <p:stCondLst>
+                                    <p:cond delay="0"/>
+                                  </p:stCondLst>
+                                  <p:childTnLst>
+                                    <p:set>
+                                      <p:cBhvr>
+                                        <p:cTn id="6" dur="1" fill="hold">
+                                          <p:stCondLst>
+                                            <p:cond delay="0"/>
+                                          </p:stCondLst>
+                                        </p:cTn>
+                                        <p:tgtEl>
+                                          <p:spTgt spid="7"/>
+                                        </p:tgtEl>
+                                        <p:attrNameLst>
+                                          <p:attrName>style.visibility</p:attrName>
+                                        </p:attrNameLst>
+                                      </p:cBhvr>
+                                      <p:to>
+                                        <p:strVal val="visible"/>
+                                      </p:to>
+                                    </p:set>
+                                  </p:childTnLst>
+                                </p:cTn>
+                              </p:par>
+                            </p:childTnLst>
+                          </p:cTn>
+                        </p:par>
+                      </p:childTnLst>
+                    </p:cTn>
+                  </p:par>
+                </p:childTnLst>
+              </p:cTn>
+              <p:prevCondLst>
+                <p:cond evt="onPrev" delay="0">
+                  <p:tgtEl>
+                    <p:sldTgt/>
+                  </p:tgtEl>
+                </p:cond>
+              </p:prevCondLst>
+              <p:nextCondLst>
+                <p:cond evt="onNext" delay="0">
+                  <p:tgtEl>
+                    <p:sldTgt/>
+                  </p:tgtEl>
+                </p:cond>
+              </p:nextCondLst>
+            </p:seq>
+          </p:childTnLst>
+        </p:cTn>
+      </p:par>
+    </p:tnLst>
+  </p:timing>
 </p:sld>
 </file>
 
@@ -3251,7 +3095,40 @@
           <a:bodyPr/>
           <a:lstStyle/>
           <a:p>
-            <a:endParaRPr lang="en-US"/>
+            <a:r>
+              <a:rPr lang="en-US" dirty="0"/>
+              <a:t>Bookmarks are still a Preview Feature</a:t>
+            </a:r>
+          </a:p>
+        </p:txBody>
+      </p:sp>
+      <p:sp>
+        <p:nvSpPr>
+          <p:cNvPr id="5" name="Content Placeholder 4">
+            <a:extLst>
+              <a:ext uri="{FF2B5EF4-FFF2-40B4-BE49-F238E27FC236}">
+                <a16:creationId xmlns:a16="http://schemas.microsoft.com/office/drawing/2014/main" id="{B8ABCF32-8530-47A4-8093-9A8471A2A80B}"/>
+              </a:ext>
+            </a:extLst>
+          </p:cNvPr>
+          <p:cNvSpPr>
+            <a:spLocks noGrp="1"/>
+          </p:cNvSpPr>
+          <p:nvPr>
+            <p:ph idx="1"/>
+          </p:nvPr>
+        </p:nvSpPr>
+        <p:spPr/>
+        <p:txBody>
+          <a:bodyPr>
+            <a:normAutofit/>
+          </a:bodyPr>
+          <a:lstStyle/>
+          <a:p>
+            <a:r>
+              <a:rPr lang="en-US" sz="2400" dirty="0"/>
+              <a:t>Preview features must be enabled in Power BI Desktop</a:t>
+            </a:r>
           </a:p>
         </p:txBody>
       </p:sp>
@@ -3277,8 +3154,8 @@
         </p:blipFill>
         <p:spPr>
           <a:xfrm>
-            <a:off x="1905000" y="1828800"/>
-            <a:ext cx="4535385" cy="4195762"/>
+            <a:off x="1752600" y="2017100"/>
+            <a:ext cx="5029200" cy="4652599"/>
           </a:xfrm>
           <a:prstGeom prst="rect">
             <a:avLst/>
@@ -3299,7 +3176,7 @@
         </p:nvSpPr>
         <p:spPr>
           <a:xfrm>
-            <a:off x="2286000" y="3810000"/>
+            <a:off x="2221282" y="4243192"/>
             <a:ext cx="685800" cy="381000"/>
           </a:xfrm>
           <a:prstGeom prst="rightArrow">
@@ -3341,10 +3218,1225 @@
   <p:clrMapOvr>
     <a:masterClrMapping/>
   </p:clrMapOvr>
+  <p:timing>
+    <p:tnLst>
+      <p:par>
+        <p:cTn id="1" dur="indefinite" restart="never" nodeType="tmRoot">
+          <p:childTnLst>
+            <p:seq concurrent="1" nextAc="seek">
+              <p:cTn id="2" dur="indefinite" nodeType="mainSeq">
+                <p:childTnLst>
+                  <p:par>
+                    <p:cTn id="3" fill="hold">
+                      <p:stCondLst>
+                        <p:cond delay="indefinite"/>
+                      </p:stCondLst>
+                      <p:childTnLst>
+                        <p:par>
+                          <p:cTn id="4" fill="hold">
+                            <p:stCondLst>
+                              <p:cond delay="0"/>
+                            </p:stCondLst>
+                            <p:childTnLst>
+                              <p:par>
+                                <p:cTn id="5" presetID="1" presetClass="entr" presetSubtype="0" fill="hold" nodeType="clickEffect">
+                                  <p:stCondLst>
+                                    <p:cond delay="0"/>
+                                  </p:stCondLst>
+                                  <p:childTnLst>
+                                    <p:set>
+                                      <p:cBhvr>
+                                        <p:cTn id="6" dur="1" fill="hold">
+                                          <p:stCondLst>
+                                            <p:cond delay="0"/>
+                                          </p:stCondLst>
+                                        </p:cTn>
+                                        <p:tgtEl>
+                                          <p:spTgt spid="3"/>
+                                        </p:tgtEl>
+                                        <p:attrNameLst>
+                                          <p:attrName>style.visibility</p:attrName>
+                                        </p:attrNameLst>
+                                      </p:cBhvr>
+                                      <p:to>
+                                        <p:strVal val="visible"/>
+                                      </p:to>
+                                    </p:set>
+                                  </p:childTnLst>
+                                </p:cTn>
+                              </p:par>
+                            </p:childTnLst>
+                          </p:cTn>
+                        </p:par>
+                      </p:childTnLst>
+                    </p:cTn>
+                  </p:par>
+                  <p:par>
+                    <p:cTn id="7" fill="hold">
+                      <p:stCondLst>
+                        <p:cond delay="indefinite"/>
+                      </p:stCondLst>
+                      <p:childTnLst>
+                        <p:par>
+                          <p:cTn id="8" fill="hold">
+                            <p:stCondLst>
+                              <p:cond delay="0"/>
+                            </p:stCondLst>
+                            <p:childTnLst>
+                              <p:par>
+                                <p:cTn id="9" presetID="1" presetClass="entr" presetSubtype="0" fill="hold" grpId="0" nodeType="clickEffect">
+                                  <p:stCondLst>
+                                    <p:cond delay="0"/>
+                                  </p:stCondLst>
+                                  <p:childTnLst>
+                                    <p:set>
+                                      <p:cBhvr>
+                                        <p:cTn id="10" dur="1" fill="hold">
+                                          <p:stCondLst>
+                                            <p:cond delay="0"/>
+                                          </p:stCondLst>
+                                        </p:cTn>
+                                        <p:tgtEl>
+                                          <p:spTgt spid="4"/>
+                                        </p:tgtEl>
+                                        <p:attrNameLst>
+                                          <p:attrName>style.visibility</p:attrName>
+                                        </p:attrNameLst>
+                                      </p:cBhvr>
+                                      <p:to>
+                                        <p:strVal val="visible"/>
+                                      </p:to>
+                                    </p:set>
+                                  </p:childTnLst>
+                                </p:cTn>
+                              </p:par>
+                            </p:childTnLst>
+                          </p:cTn>
+                        </p:par>
+                      </p:childTnLst>
+                    </p:cTn>
+                  </p:par>
+                </p:childTnLst>
+              </p:cTn>
+              <p:prevCondLst>
+                <p:cond evt="onPrev" delay="0">
+                  <p:tgtEl>
+                    <p:sldTgt/>
+                  </p:tgtEl>
+                </p:cond>
+              </p:prevCondLst>
+              <p:nextCondLst>
+                <p:cond evt="onNext" delay="0">
+                  <p:tgtEl>
+                    <p:sldTgt/>
+                  </p:tgtEl>
+                </p:cond>
+              </p:nextCondLst>
+            </p:seq>
+          </p:childTnLst>
+        </p:cTn>
+      </p:par>
+    </p:tnLst>
+    <p:bldLst>
+      <p:bldP spid="4" grpId="0" animBg="1"/>
+    </p:bldLst>
+  </p:timing>
 </p:sld>
 </file>
 
 <file path=ppt/slides/slide12.xml><?xml version="1.0" encoding="utf-8"?>
+<p:sld xmlns:a="http://schemas.openxmlformats.org/drawingml/2006/main" xmlns:r="http://schemas.openxmlformats.org/officeDocument/2006/relationships" xmlns:p="http://schemas.openxmlformats.org/presentationml/2006/main">
+  <p:cSld>
+    <p:spTree>
+      <p:nvGrpSpPr>
+        <p:cNvPr id="1" name=""/>
+        <p:cNvGrpSpPr/>
+        <p:nvPr/>
+      </p:nvGrpSpPr>
+      <p:grpSpPr>
+        <a:xfrm>
+          <a:off x="0" y="0"/>
+          <a:ext cx="0" cy="0"/>
+          <a:chOff x="0" y="0"/>
+          <a:chExt cx="0" cy="0"/>
+        </a:xfrm>
+      </p:grpSpPr>
+      <p:sp>
+        <p:nvSpPr>
+          <p:cNvPr id="2" name="Title 1">
+            <a:extLst>
+              <a:ext uri="{FF2B5EF4-FFF2-40B4-BE49-F238E27FC236}">
+                <a16:creationId xmlns:a16="http://schemas.microsoft.com/office/drawing/2014/main" id="{7C695293-0365-4B86-AEB9-8EB728D4AEA5}"/>
+              </a:ext>
+            </a:extLst>
+          </p:cNvPr>
+          <p:cNvSpPr>
+            <a:spLocks noGrp="1"/>
+          </p:cNvSpPr>
+          <p:nvPr>
+            <p:ph type="title"/>
+          </p:nvPr>
+        </p:nvSpPr>
+        <p:spPr/>
+        <p:txBody>
+          <a:bodyPr/>
+          <a:lstStyle/>
+          <a:p>
+            <a:r>
+              <a:rPr lang="en-US" dirty="0"/>
+              <a:t>Bookmarks Pane</a:t>
+            </a:r>
+          </a:p>
+        </p:txBody>
+      </p:sp>
+      <p:sp>
+        <p:nvSpPr>
+          <p:cNvPr id="3" name="Content Placeholder 2">
+            <a:extLst>
+              <a:ext uri="{FF2B5EF4-FFF2-40B4-BE49-F238E27FC236}">
+                <a16:creationId xmlns:a16="http://schemas.microsoft.com/office/drawing/2014/main" id="{D01AEA7E-7F80-4450-B0A3-FB386709FE38}"/>
+              </a:ext>
+            </a:extLst>
+          </p:cNvPr>
+          <p:cNvSpPr>
+            <a:spLocks noGrp="1"/>
+          </p:cNvSpPr>
+          <p:nvPr>
+            <p:ph idx="1"/>
+          </p:nvPr>
+        </p:nvSpPr>
+        <p:spPr/>
+        <p:txBody>
+          <a:bodyPr/>
+          <a:lstStyle/>
+          <a:p>
+            <a:r>
+              <a:rPr lang="en-US" dirty="0"/>
+              <a:t>Provide ability to create and manage bookmarks</a:t>
+            </a:r>
+          </a:p>
+        </p:txBody>
+      </p:sp>
+      <p:pic>
+        <p:nvPicPr>
+          <p:cNvPr id="4" name="Picture 3">
+            <a:extLst>
+              <a:ext uri="{FF2B5EF4-FFF2-40B4-BE49-F238E27FC236}">
+                <a16:creationId xmlns:a16="http://schemas.microsoft.com/office/drawing/2014/main" id="{06D875EE-3A59-4D33-B3A7-9B29A05AA999}"/>
+              </a:ext>
+            </a:extLst>
+          </p:cNvPr>
+          <p:cNvPicPr>
+            <a:picLocks noChangeAspect="1"/>
+          </p:cNvPicPr>
+          <p:nvPr/>
+        </p:nvPicPr>
+        <p:blipFill>
+          <a:blip r:embed="rId2"/>
+          <a:stretch>
+            <a:fillRect/>
+          </a:stretch>
+        </p:blipFill>
+        <p:spPr>
+          <a:xfrm>
+            <a:off x="838200" y="2423786"/>
+            <a:ext cx="3310467" cy="1295400"/>
+          </a:xfrm>
+          <a:prstGeom prst="rect">
+            <a:avLst/>
+          </a:prstGeom>
+          <a:ln>
+            <a:solidFill>
+              <a:schemeClr val="tx1">
+                <a:lumMod val="50000"/>
+                <a:lumOff val="50000"/>
+              </a:schemeClr>
+            </a:solidFill>
+          </a:ln>
+        </p:spPr>
+      </p:pic>
+      <p:pic>
+        <p:nvPicPr>
+          <p:cNvPr id="5" name="Picture 4">
+            <a:extLst>
+              <a:ext uri="{FF2B5EF4-FFF2-40B4-BE49-F238E27FC236}">
+                <a16:creationId xmlns:a16="http://schemas.microsoft.com/office/drawing/2014/main" id="{E9CD2EBB-A9B1-4F44-9845-F9D5FC87D88C}"/>
+              </a:ext>
+            </a:extLst>
+          </p:cNvPr>
+          <p:cNvPicPr>
+            <a:picLocks noChangeAspect="1"/>
+          </p:cNvPicPr>
+          <p:nvPr/>
+        </p:nvPicPr>
+        <p:blipFill>
+          <a:blip r:embed="rId3"/>
+          <a:stretch>
+            <a:fillRect/>
+          </a:stretch>
+        </p:blipFill>
+        <p:spPr>
+          <a:xfrm>
+            <a:off x="4605867" y="2437356"/>
+            <a:ext cx="2752489" cy="4035361"/>
+          </a:xfrm>
+          <a:prstGeom prst="rect">
+            <a:avLst/>
+          </a:prstGeom>
+        </p:spPr>
+      </p:pic>
+    </p:spTree>
+    <p:extLst>
+      <p:ext uri="{BB962C8B-B14F-4D97-AF65-F5344CB8AC3E}">
+        <p14:creationId xmlns:p14="http://schemas.microsoft.com/office/powerpoint/2010/main" val="566907171"/>
+      </p:ext>
+    </p:extLst>
+  </p:cSld>
+  <p:clrMapOvr>
+    <a:masterClrMapping/>
+  </p:clrMapOvr>
+  <p:timing>
+    <p:tnLst>
+      <p:par>
+        <p:cTn id="1" dur="indefinite" restart="never" nodeType="tmRoot">
+          <p:childTnLst>
+            <p:seq concurrent="1" nextAc="seek">
+              <p:cTn id="2" dur="indefinite" nodeType="mainSeq">
+                <p:childTnLst>
+                  <p:par>
+                    <p:cTn id="3" fill="hold">
+                      <p:stCondLst>
+                        <p:cond delay="indefinite"/>
+                      </p:stCondLst>
+                      <p:childTnLst>
+                        <p:par>
+                          <p:cTn id="4" fill="hold">
+                            <p:stCondLst>
+                              <p:cond delay="0"/>
+                            </p:stCondLst>
+                            <p:childTnLst>
+                              <p:par>
+                                <p:cTn id="5" presetID="1" presetClass="entr" presetSubtype="0" fill="hold" nodeType="clickEffect">
+                                  <p:stCondLst>
+                                    <p:cond delay="0"/>
+                                  </p:stCondLst>
+                                  <p:childTnLst>
+                                    <p:set>
+                                      <p:cBhvr>
+                                        <p:cTn id="6" dur="1" fill="hold">
+                                          <p:stCondLst>
+                                            <p:cond delay="0"/>
+                                          </p:stCondLst>
+                                        </p:cTn>
+                                        <p:tgtEl>
+                                          <p:spTgt spid="5"/>
+                                        </p:tgtEl>
+                                        <p:attrNameLst>
+                                          <p:attrName>style.visibility</p:attrName>
+                                        </p:attrNameLst>
+                                      </p:cBhvr>
+                                      <p:to>
+                                        <p:strVal val="visible"/>
+                                      </p:to>
+                                    </p:set>
+                                  </p:childTnLst>
+                                </p:cTn>
+                              </p:par>
+                            </p:childTnLst>
+                          </p:cTn>
+                        </p:par>
+                      </p:childTnLst>
+                    </p:cTn>
+                  </p:par>
+                </p:childTnLst>
+              </p:cTn>
+              <p:prevCondLst>
+                <p:cond evt="onPrev" delay="0">
+                  <p:tgtEl>
+                    <p:sldTgt/>
+                  </p:tgtEl>
+                </p:cond>
+              </p:prevCondLst>
+              <p:nextCondLst>
+                <p:cond evt="onNext" delay="0">
+                  <p:tgtEl>
+                    <p:sldTgt/>
+                  </p:tgtEl>
+                </p:cond>
+              </p:nextCondLst>
+            </p:seq>
+          </p:childTnLst>
+        </p:cTn>
+      </p:par>
+    </p:tnLst>
+  </p:timing>
+</p:sld>
+</file>
+
+<file path=ppt/slides/slide13.xml><?xml version="1.0" encoding="utf-8"?>
+<p:sld xmlns:a="http://schemas.openxmlformats.org/drawingml/2006/main" xmlns:r="http://schemas.openxmlformats.org/officeDocument/2006/relationships" xmlns:p="http://schemas.openxmlformats.org/presentationml/2006/main">
+  <p:cSld>
+    <p:spTree>
+      <p:nvGrpSpPr>
+        <p:cNvPr id="1" name=""/>
+        <p:cNvGrpSpPr/>
+        <p:nvPr/>
+      </p:nvGrpSpPr>
+      <p:grpSpPr>
+        <a:xfrm>
+          <a:off x="0" y="0"/>
+          <a:ext cx="0" cy="0"/>
+          <a:chOff x="0" y="0"/>
+          <a:chExt cx="0" cy="0"/>
+        </a:xfrm>
+      </p:grpSpPr>
+      <p:sp>
+        <p:nvSpPr>
+          <p:cNvPr id="2" name="Title 1">
+            <a:extLst>
+              <a:ext uri="{FF2B5EF4-FFF2-40B4-BE49-F238E27FC236}">
+                <a16:creationId xmlns:a16="http://schemas.microsoft.com/office/drawing/2014/main" id="{51328D6E-5B12-48BD-9F8D-7AEB61F3BC0C}"/>
+              </a:ext>
+            </a:extLst>
+          </p:cNvPr>
+          <p:cNvSpPr>
+            <a:spLocks noGrp="1"/>
+          </p:cNvSpPr>
+          <p:nvPr>
+            <p:ph type="title"/>
+          </p:nvPr>
+        </p:nvSpPr>
+        <p:spPr/>
+        <p:txBody>
+          <a:bodyPr/>
+          <a:lstStyle/>
+          <a:p>
+            <a:r>
+              <a:rPr lang="en-US" dirty="0"/>
+              <a:t>What are Bookmarks</a:t>
+            </a:r>
+          </a:p>
+        </p:txBody>
+      </p:sp>
+      <p:sp>
+        <p:nvSpPr>
+          <p:cNvPr id="3" name="Content Placeholder 2">
+            <a:extLst>
+              <a:ext uri="{FF2B5EF4-FFF2-40B4-BE49-F238E27FC236}">
+                <a16:creationId xmlns:a16="http://schemas.microsoft.com/office/drawing/2014/main" id="{84ABE790-72E9-45CF-952B-78924BD60A87}"/>
+              </a:ext>
+            </a:extLst>
+          </p:cNvPr>
+          <p:cNvSpPr>
+            <a:spLocks noGrp="1"/>
+          </p:cNvSpPr>
+          <p:nvPr>
+            <p:ph idx="1"/>
+          </p:nvPr>
+        </p:nvSpPr>
+        <p:spPr/>
+        <p:txBody>
+          <a:bodyPr>
+            <a:noAutofit/>
+          </a:bodyPr>
+          <a:lstStyle/>
+          <a:p>
+            <a:r>
+              <a:rPr lang="en-US" sz="2400" dirty="0"/>
+              <a:t>Snapshot of recorded settings which can include…</a:t>
+            </a:r>
+          </a:p>
+          <a:p>
+            <a:pPr lvl="1"/>
+            <a:r>
+              <a:rPr lang="en-US" sz="2000" dirty="0"/>
+              <a:t>Current page</a:t>
+            </a:r>
+          </a:p>
+          <a:p>
+            <a:pPr lvl="1"/>
+            <a:r>
+              <a:rPr lang="en-US" sz="2000" dirty="0"/>
+              <a:t>Filters</a:t>
+            </a:r>
+          </a:p>
+          <a:p>
+            <a:pPr lvl="1"/>
+            <a:r>
+              <a:rPr lang="en-US" sz="2000" dirty="0"/>
+              <a:t>Slicers</a:t>
+            </a:r>
+          </a:p>
+          <a:p>
+            <a:pPr lvl="1"/>
+            <a:r>
+              <a:rPr lang="en-US" sz="2000" dirty="0"/>
+              <a:t>Visual sort order</a:t>
+            </a:r>
+          </a:p>
+          <a:p>
+            <a:pPr lvl="1"/>
+            <a:r>
+              <a:rPr lang="en-US" sz="2000" dirty="0"/>
+              <a:t>Drill location</a:t>
+            </a:r>
+          </a:p>
+          <a:p>
+            <a:pPr lvl="1"/>
+            <a:r>
+              <a:rPr lang="en-US" sz="2000" dirty="0"/>
+              <a:t>Visibility</a:t>
+            </a:r>
+          </a:p>
+          <a:p>
+            <a:pPr lvl="1"/>
+            <a:r>
+              <a:rPr lang="en-US" sz="2000" dirty="0"/>
+              <a:t>Spotlighting</a:t>
+            </a:r>
+          </a:p>
+          <a:p>
+            <a:endParaRPr lang="en-US" sz="2400" dirty="0"/>
+          </a:p>
+          <a:p>
+            <a:r>
+              <a:rPr lang="en-US" sz="2400" dirty="0"/>
+              <a:t>Foundation for Story telling</a:t>
+            </a:r>
+          </a:p>
+          <a:p>
+            <a:pPr lvl="1"/>
+            <a:r>
+              <a:rPr lang="en-US" sz="2000" dirty="0"/>
+              <a:t>For reports only – </a:t>
+            </a:r>
+            <a:r>
+              <a:rPr lang="en-US" sz="1800" i="1" dirty="0">
+                <a:solidFill>
+                  <a:srgbClr val="9F1B30"/>
+                </a:solidFill>
+              </a:rPr>
+              <a:t>bookmarks not supported in dashboards</a:t>
+            </a:r>
+            <a:endParaRPr lang="en-US" sz="2000" i="1" dirty="0">
+              <a:solidFill>
+                <a:srgbClr val="9F1B30"/>
+              </a:solidFill>
+            </a:endParaRPr>
+          </a:p>
+          <a:p>
+            <a:pPr lvl="1"/>
+            <a:endParaRPr lang="en-US" sz="2000" dirty="0"/>
+          </a:p>
+          <a:p>
+            <a:endParaRPr lang="en-US" sz="2400" dirty="0"/>
+          </a:p>
+        </p:txBody>
+      </p:sp>
+    </p:spTree>
+    <p:extLst>
+      <p:ext uri="{BB962C8B-B14F-4D97-AF65-F5344CB8AC3E}">
+        <p14:creationId xmlns:p14="http://schemas.microsoft.com/office/powerpoint/2010/main" val="3583285372"/>
+      </p:ext>
+    </p:extLst>
+  </p:cSld>
+  <p:clrMapOvr>
+    <a:masterClrMapping/>
+  </p:clrMapOvr>
+  <p:timing>
+    <p:tnLst>
+      <p:par>
+        <p:cTn id="1" dur="indefinite" restart="never" nodeType="tmRoot">
+          <p:childTnLst>
+            <p:seq concurrent="1" nextAc="seek">
+              <p:cTn id="2" dur="indefinite" nodeType="mainSeq">
+                <p:childTnLst>
+                  <p:par>
+                    <p:cTn id="3" fill="hold">
+                      <p:stCondLst>
+                        <p:cond delay="indefinite"/>
+                      </p:stCondLst>
+                      <p:childTnLst>
+                        <p:par>
+                          <p:cTn id="4" fill="hold">
+                            <p:stCondLst>
+                              <p:cond delay="0"/>
+                            </p:stCondLst>
+                            <p:childTnLst>
+                              <p:par>
+                                <p:cTn id="5" presetID="1" presetClass="entr" presetSubtype="0" fill="hold" nodeType="clickEffect">
+                                  <p:stCondLst>
+                                    <p:cond delay="0"/>
+                                  </p:stCondLst>
+                                  <p:childTnLst>
+                                    <p:set>
+                                      <p:cBhvr>
+                                        <p:cTn id="6" dur="1" fill="hold">
+                                          <p:stCondLst>
+                                            <p:cond delay="0"/>
+                                          </p:stCondLst>
+                                        </p:cTn>
+                                        <p:tgtEl>
+                                          <p:spTgt spid="3">
+                                            <p:txEl>
+                                              <p:pRg st="1" end="1"/>
+                                            </p:txEl>
+                                          </p:spTgt>
+                                        </p:tgtEl>
+                                        <p:attrNameLst>
+                                          <p:attrName>style.visibility</p:attrName>
+                                        </p:attrNameLst>
+                                      </p:cBhvr>
+                                      <p:to>
+                                        <p:strVal val="visible"/>
+                                      </p:to>
+                                    </p:set>
+                                  </p:childTnLst>
+                                </p:cTn>
+                              </p:par>
+                            </p:childTnLst>
+                          </p:cTn>
+                        </p:par>
+                      </p:childTnLst>
+                    </p:cTn>
+                  </p:par>
+                  <p:par>
+                    <p:cTn id="7" fill="hold">
+                      <p:stCondLst>
+                        <p:cond delay="indefinite"/>
+                      </p:stCondLst>
+                      <p:childTnLst>
+                        <p:par>
+                          <p:cTn id="8" fill="hold">
+                            <p:stCondLst>
+                              <p:cond delay="0"/>
+                            </p:stCondLst>
+                            <p:childTnLst>
+                              <p:par>
+                                <p:cTn id="9" presetID="1" presetClass="entr" presetSubtype="0" fill="hold" nodeType="clickEffect">
+                                  <p:stCondLst>
+                                    <p:cond delay="0"/>
+                                  </p:stCondLst>
+                                  <p:childTnLst>
+                                    <p:set>
+                                      <p:cBhvr>
+                                        <p:cTn id="10" dur="1" fill="hold">
+                                          <p:stCondLst>
+                                            <p:cond delay="0"/>
+                                          </p:stCondLst>
+                                        </p:cTn>
+                                        <p:tgtEl>
+                                          <p:spTgt spid="3">
+                                            <p:txEl>
+                                              <p:pRg st="2" end="2"/>
+                                            </p:txEl>
+                                          </p:spTgt>
+                                        </p:tgtEl>
+                                        <p:attrNameLst>
+                                          <p:attrName>style.visibility</p:attrName>
+                                        </p:attrNameLst>
+                                      </p:cBhvr>
+                                      <p:to>
+                                        <p:strVal val="visible"/>
+                                      </p:to>
+                                    </p:set>
+                                  </p:childTnLst>
+                                </p:cTn>
+                              </p:par>
+                            </p:childTnLst>
+                          </p:cTn>
+                        </p:par>
+                      </p:childTnLst>
+                    </p:cTn>
+                  </p:par>
+                  <p:par>
+                    <p:cTn id="11" fill="hold">
+                      <p:stCondLst>
+                        <p:cond delay="indefinite"/>
+                      </p:stCondLst>
+                      <p:childTnLst>
+                        <p:par>
+                          <p:cTn id="12" fill="hold">
+                            <p:stCondLst>
+                              <p:cond delay="0"/>
+                            </p:stCondLst>
+                            <p:childTnLst>
+                              <p:par>
+                                <p:cTn id="13" presetID="1" presetClass="entr" presetSubtype="0" fill="hold" nodeType="clickEffect">
+                                  <p:stCondLst>
+                                    <p:cond delay="0"/>
+                                  </p:stCondLst>
+                                  <p:childTnLst>
+                                    <p:set>
+                                      <p:cBhvr>
+                                        <p:cTn id="14" dur="1" fill="hold">
+                                          <p:stCondLst>
+                                            <p:cond delay="0"/>
+                                          </p:stCondLst>
+                                        </p:cTn>
+                                        <p:tgtEl>
+                                          <p:spTgt spid="3">
+                                            <p:txEl>
+                                              <p:pRg st="3" end="3"/>
+                                            </p:txEl>
+                                          </p:spTgt>
+                                        </p:tgtEl>
+                                        <p:attrNameLst>
+                                          <p:attrName>style.visibility</p:attrName>
+                                        </p:attrNameLst>
+                                      </p:cBhvr>
+                                      <p:to>
+                                        <p:strVal val="visible"/>
+                                      </p:to>
+                                    </p:set>
+                                  </p:childTnLst>
+                                </p:cTn>
+                              </p:par>
+                            </p:childTnLst>
+                          </p:cTn>
+                        </p:par>
+                      </p:childTnLst>
+                    </p:cTn>
+                  </p:par>
+                  <p:par>
+                    <p:cTn id="15" fill="hold">
+                      <p:stCondLst>
+                        <p:cond delay="indefinite"/>
+                      </p:stCondLst>
+                      <p:childTnLst>
+                        <p:par>
+                          <p:cTn id="16" fill="hold">
+                            <p:stCondLst>
+                              <p:cond delay="0"/>
+                            </p:stCondLst>
+                            <p:childTnLst>
+                              <p:par>
+                                <p:cTn id="17" presetID="1" presetClass="entr" presetSubtype="0" fill="hold" nodeType="clickEffect">
+                                  <p:stCondLst>
+                                    <p:cond delay="0"/>
+                                  </p:stCondLst>
+                                  <p:childTnLst>
+                                    <p:set>
+                                      <p:cBhvr>
+                                        <p:cTn id="18" dur="1" fill="hold">
+                                          <p:stCondLst>
+                                            <p:cond delay="0"/>
+                                          </p:stCondLst>
+                                        </p:cTn>
+                                        <p:tgtEl>
+                                          <p:spTgt spid="3">
+                                            <p:txEl>
+                                              <p:pRg st="4" end="4"/>
+                                            </p:txEl>
+                                          </p:spTgt>
+                                        </p:tgtEl>
+                                        <p:attrNameLst>
+                                          <p:attrName>style.visibility</p:attrName>
+                                        </p:attrNameLst>
+                                      </p:cBhvr>
+                                      <p:to>
+                                        <p:strVal val="visible"/>
+                                      </p:to>
+                                    </p:set>
+                                  </p:childTnLst>
+                                </p:cTn>
+                              </p:par>
+                            </p:childTnLst>
+                          </p:cTn>
+                        </p:par>
+                      </p:childTnLst>
+                    </p:cTn>
+                  </p:par>
+                  <p:par>
+                    <p:cTn id="19" fill="hold">
+                      <p:stCondLst>
+                        <p:cond delay="indefinite"/>
+                      </p:stCondLst>
+                      <p:childTnLst>
+                        <p:par>
+                          <p:cTn id="20" fill="hold">
+                            <p:stCondLst>
+                              <p:cond delay="0"/>
+                            </p:stCondLst>
+                            <p:childTnLst>
+                              <p:par>
+                                <p:cTn id="21" presetID="1" presetClass="entr" presetSubtype="0" fill="hold" nodeType="clickEffect">
+                                  <p:stCondLst>
+                                    <p:cond delay="0"/>
+                                  </p:stCondLst>
+                                  <p:childTnLst>
+                                    <p:set>
+                                      <p:cBhvr>
+                                        <p:cTn id="22" dur="1" fill="hold">
+                                          <p:stCondLst>
+                                            <p:cond delay="0"/>
+                                          </p:stCondLst>
+                                        </p:cTn>
+                                        <p:tgtEl>
+                                          <p:spTgt spid="3">
+                                            <p:txEl>
+                                              <p:pRg st="5" end="5"/>
+                                            </p:txEl>
+                                          </p:spTgt>
+                                        </p:tgtEl>
+                                        <p:attrNameLst>
+                                          <p:attrName>style.visibility</p:attrName>
+                                        </p:attrNameLst>
+                                      </p:cBhvr>
+                                      <p:to>
+                                        <p:strVal val="visible"/>
+                                      </p:to>
+                                    </p:set>
+                                  </p:childTnLst>
+                                </p:cTn>
+                              </p:par>
+                            </p:childTnLst>
+                          </p:cTn>
+                        </p:par>
+                      </p:childTnLst>
+                    </p:cTn>
+                  </p:par>
+                  <p:par>
+                    <p:cTn id="23" fill="hold">
+                      <p:stCondLst>
+                        <p:cond delay="indefinite"/>
+                      </p:stCondLst>
+                      <p:childTnLst>
+                        <p:par>
+                          <p:cTn id="24" fill="hold">
+                            <p:stCondLst>
+                              <p:cond delay="0"/>
+                            </p:stCondLst>
+                            <p:childTnLst>
+                              <p:par>
+                                <p:cTn id="25" presetID="1" presetClass="entr" presetSubtype="0" fill="hold" nodeType="clickEffect">
+                                  <p:stCondLst>
+                                    <p:cond delay="0"/>
+                                  </p:stCondLst>
+                                  <p:childTnLst>
+                                    <p:set>
+                                      <p:cBhvr>
+                                        <p:cTn id="26" dur="1" fill="hold">
+                                          <p:stCondLst>
+                                            <p:cond delay="0"/>
+                                          </p:stCondLst>
+                                        </p:cTn>
+                                        <p:tgtEl>
+                                          <p:spTgt spid="3">
+                                            <p:txEl>
+                                              <p:pRg st="6" end="6"/>
+                                            </p:txEl>
+                                          </p:spTgt>
+                                        </p:tgtEl>
+                                        <p:attrNameLst>
+                                          <p:attrName>style.visibility</p:attrName>
+                                        </p:attrNameLst>
+                                      </p:cBhvr>
+                                      <p:to>
+                                        <p:strVal val="visible"/>
+                                      </p:to>
+                                    </p:set>
+                                  </p:childTnLst>
+                                </p:cTn>
+                              </p:par>
+                            </p:childTnLst>
+                          </p:cTn>
+                        </p:par>
+                      </p:childTnLst>
+                    </p:cTn>
+                  </p:par>
+                  <p:par>
+                    <p:cTn id="27" fill="hold">
+                      <p:stCondLst>
+                        <p:cond delay="indefinite"/>
+                      </p:stCondLst>
+                      <p:childTnLst>
+                        <p:par>
+                          <p:cTn id="28" fill="hold">
+                            <p:stCondLst>
+                              <p:cond delay="0"/>
+                            </p:stCondLst>
+                            <p:childTnLst>
+                              <p:par>
+                                <p:cTn id="29" presetID="1" presetClass="entr" presetSubtype="0" fill="hold" nodeType="clickEffect">
+                                  <p:stCondLst>
+                                    <p:cond delay="0"/>
+                                  </p:stCondLst>
+                                  <p:childTnLst>
+                                    <p:set>
+                                      <p:cBhvr>
+                                        <p:cTn id="30" dur="1" fill="hold">
+                                          <p:stCondLst>
+                                            <p:cond delay="0"/>
+                                          </p:stCondLst>
+                                        </p:cTn>
+                                        <p:tgtEl>
+                                          <p:spTgt spid="3">
+                                            <p:txEl>
+                                              <p:pRg st="7" end="7"/>
+                                            </p:txEl>
+                                          </p:spTgt>
+                                        </p:tgtEl>
+                                        <p:attrNameLst>
+                                          <p:attrName>style.visibility</p:attrName>
+                                        </p:attrNameLst>
+                                      </p:cBhvr>
+                                      <p:to>
+                                        <p:strVal val="visible"/>
+                                      </p:to>
+                                    </p:set>
+                                  </p:childTnLst>
+                                </p:cTn>
+                              </p:par>
+                            </p:childTnLst>
+                          </p:cTn>
+                        </p:par>
+                      </p:childTnLst>
+                    </p:cTn>
+                  </p:par>
+                  <p:par>
+                    <p:cTn id="31" fill="hold">
+                      <p:stCondLst>
+                        <p:cond delay="indefinite"/>
+                      </p:stCondLst>
+                      <p:childTnLst>
+                        <p:par>
+                          <p:cTn id="32" fill="hold">
+                            <p:stCondLst>
+                              <p:cond delay="0"/>
+                            </p:stCondLst>
+                            <p:childTnLst>
+                              <p:par>
+                                <p:cTn id="33" presetID="1" presetClass="entr" presetSubtype="0" fill="hold" nodeType="clickEffect">
+                                  <p:stCondLst>
+                                    <p:cond delay="0"/>
+                                  </p:stCondLst>
+                                  <p:childTnLst>
+                                    <p:set>
+                                      <p:cBhvr>
+                                        <p:cTn id="34" dur="1" fill="hold">
+                                          <p:stCondLst>
+                                            <p:cond delay="0"/>
+                                          </p:stCondLst>
+                                        </p:cTn>
+                                        <p:tgtEl>
+                                          <p:spTgt spid="3">
+                                            <p:txEl>
+                                              <p:pRg st="9" end="9"/>
+                                            </p:txEl>
+                                          </p:spTgt>
+                                        </p:tgtEl>
+                                        <p:attrNameLst>
+                                          <p:attrName>style.visibility</p:attrName>
+                                        </p:attrNameLst>
+                                      </p:cBhvr>
+                                      <p:to>
+                                        <p:strVal val="visible"/>
+                                      </p:to>
+                                    </p:set>
+                                  </p:childTnLst>
+                                </p:cTn>
+                              </p:par>
+                            </p:childTnLst>
+                          </p:cTn>
+                        </p:par>
+                      </p:childTnLst>
+                    </p:cTn>
+                  </p:par>
+                  <p:par>
+                    <p:cTn id="35" fill="hold">
+                      <p:stCondLst>
+                        <p:cond delay="indefinite"/>
+                      </p:stCondLst>
+                      <p:childTnLst>
+                        <p:par>
+                          <p:cTn id="36" fill="hold">
+                            <p:stCondLst>
+                              <p:cond delay="0"/>
+                            </p:stCondLst>
+                            <p:childTnLst>
+                              <p:par>
+                                <p:cTn id="37" presetID="1" presetClass="entr" presetSubtype="0" fill="hold" nodeType="clickEffect">
+                                  <p:stCondLst>
+                                    <p:cond delay="0"/>
+                                  </p:stCondLst>
+                                  <p:childTnLst>
+                                    <p:set>
+                                      <p:cBhvr>
+                                        <p:cTn id="38" dur="1" fill="hold">
+                                          <p:stCondLst>
+                                            <p:cond delay="0"/>
+                                          </p:stCondLst>
+                                        </p:cTn>
+                                        <p:tgtEl>
+                                          <p:spTgt spid="3">
+                                            <p:txEl>
+                                              <p:pRg st="10" end="10"/>
+                                            </p:txEl>
+                                          </p:spTgt>
+                                        </p:tgtEl>
+                                        <p:attrNameLst>
+                                          <p:attrName>style.visibility</p:attrName>
+                                        </p:attrNameLst>
+                                      </p:cBhvr>
+                                      <p:to>
+                                        <p:strVal val="visible"/>
+                                      </p:to>
+                                    </p:set>
+                                  </p:childTnLst>
+                                </p:cTn>
+                              </p:par>
+                            </p:childTnLst>
+                          </p:cTn>
+                        </p:par>
+                      </p:childTnLst>
+                    </p:cTn>
+                  </p:par>
+                </p:childTnLst>
+              </p:cTn>
+              <p:prevCondLst>
+                <p:cond evt="onPrev" delay="0">
+                  <p:tgtEl>
+                    <p:sldTgt/>
+                  </p:tgtEl>
+                </p:cond>
+              </p:prevCondLst>
+              <p:nextCondLst>
+                <p:cond evt="onNext" delay="0">
+                  <p:tgtEl>
+                    <p:sldTgt/>
+                  </p:tgtEl>
+                </p:cond>
+              </p:nextCondLst>
+            </p:seq>
+          </p:childTnLst>
+        </p:cTn>
+      </p:par>
+    </p:tnLst>
+  </p:timing>
+</p:sld>
+</file>
+
+<file path=ppt/slides/slide14.xml><?xml version="1.0" encoding="utf-8"?>
+<p:sld xmlns:a="http://schemas.openxmlformats.org/drawingml/2006/main" xmlns:r="http://schemas.openxmlformats.org/officeDocument/2006/relationships" xmlns:p="http://schemas.openxmlformats.org/presentationml/2006/main">
+  <p:cSld>
+    <p:spTree>
+      <p:nvGrpSpPr>
+        <p:cNvPr id="1" name=""/>
+        <p:cNvGrpSpPr/>
+        <p:nvPr/>
+      </p:nvGrpSpPr>
+      <p:grpSpPr>
+        <a:xfrm>
+          <a:off x="0" y="0"/>
+          <a:ext cx="0" cy="0"/>
+          <a:chOff x="0" y="0"/>
+          <a:chExt cx="0" cy="0"/>
+        </a:xfrm>
+      </p:grpSpPr>
+      <p:sp>
+        <p:nvSpPr>
+          <p:cNvPr id="2" name="Title 1">
+            <a:extLst>
+              <a:ext uri="{FF2B5EF4-FFF2-40B4-BE49-F238E27FC236}">
+                <a16:creationId xmlns:a16="http://schemas.microsoft.com/office/drawing/2014/main" id="{60E599D1-2606-446D-8FB9-B478F321F97C}"/>
+              </a:ext>
+            </a:extLst>
+          </p:cNvPr>
+          <p:cNvSpPr>
+            <a:spLocks noGrp="1"/>
+          </p:cNvSpPr>
+          <p:nvPr>
+            <p:ph type="title"/>
+          </p:nvPr>
+        </p:nvSpPr>
+        <p:spPr/>
+        <p:txBody>
+          <a:bodyPr/>
+          <a:lstStyle/>
+          <a:p>
+            <a:r>
+              <a:rPr lang="en-US" dirty="0"/>
+              <a:t>Bookmarks as a Slide Show</a:t>
+            </a:r>
+          </a:p>
+        </p:txBody>
+      </p:sp>
+      <p:sp>
+        <p:nvSpPr>
+          <p:cNvPr id="3" name="Content Placeholder 2">
+            <a:extLst>
+              <a:ext uri="{FF2B5EF4-FFF2-40B4-BE49-F238E27FC236}">
+                <a16:creationId xmlns:a16="http://schemas.microsoft.com/office/drawing/2014/main" id="{3B03DF07-B5AB-45E1-89A9-01CDE9B38D67}"/>
+              </a:ext>
+            </a:extLst>
+          </p:cNvPr>
+          <p:cNvSpPr>
+            <a:spLocks noGrp="1"/>
+          </p:cNvSpPr>
+          <p:nvPr>
+            <p:ph idx="1"/>
+          </p:nvPr>
+        </p:nvSpPr>
+        <p:spPr/>
+        <p:txBody>
+          <a:bodyPr>
+            <a:normAutofit/>
+          </a:bodyPr>
+          <a:lstStyle/>
+          <a:p>
+            <a:r>
+              <a:rPr lang="en-US" sz="2400" dirty="0"/>
+              <a:t>Bookmarks can be viewed as slide show</a:t>
+            </a:r>
+          </a:p>
+          <a:p>
+            <a:pPr lvl="1"/>
+            <a:r>
+              <a:rPr lang="en-US" sz="2000" dirty="0"/>
+              <a:t>Start slide show by clicking View button</a:t>
+            </a:r>
+          </a:p>
+          <a:p>
+            <a:pPr lvl="1"/>
+            <a:r>
+              <a:rPr lang="en-US" sz="2000" dirty="0"/>
+              <a:t>Consumer can step through one bookmark at a time</a:t>
+            </a:r>
+          </a:p>
+        </p:txBody>
+      </p:sp>
+      <p:pic>
+        <p:nvPicPr>
+          <p:cNvPr id="5" name="Picture 4">
+            <a:extLst>
+              <a:ext uri="{FF2B5EF4-FFF2-40B4-BE49-F238E27FC236}">
+                <a16:creationId xmlns:a16="http://schemas.microsoft.com/office/drawing/2014/main" id="{4ECB7EB0-5C87-49F1-9D8A-A77406FCB776}"/>
+              </a:ext>
+            </a:extLst>
+          </p:cNvPr>
+          <p:cNvPicPr>
+            <a:picLocks noChangeAspect="1"/>
+          </p:cNvPicPr>
+          <p:nvPr/>
+        </p:nvPicPr>
+        <p:blipFill rotWithShape="1">
+          <a:blip r:embed="rId2"/>
+          <a:srcRect b="69881"/>
+          <a:stretch/>
+        </p:blipFill>
+        <p:spPr>
+          <a:xfrm>
+            <a:off x="6579296" y="1143000"/>
+            <a:ext cx="2209800" cy="994283"/>
+          </a:xfrm>
+          <a:prstGeom prst="rect">
+            <a:avLst/>
+          </a:prstGeom>
+        </p:spPr>
+      </p:pic>
+      <p:pic>
+        <p:nvPicPr>
+          <p:cNvPr id="6" name="Picture 5">
+            <a:extLst>
+              <a:ext uri="{FF2B5EF4-FFF2-40B4-BE49-F238E27FC236}">
+                <a16:creationId xmlns:a16="http://schemas.microsoft.com/office/drawing/2014/main" id="{32388CB8-C7B3-49EA-92BF-9CF04316065F}"/>
+              </a:ext>
+            </a:extLst>
+          </p:cNvPr>
+          <p:cNvPicPr>
+            <a:picLocks noChangeAspect="1"/>
+          </p:cNvPicPr>
+          <p:nvPr/>
+        </p:nvPicPr>
+        <p:blipFill>
+          <a:blip r:embed="rId3"/>
+          <a:stretch>
+            <a:fillRect/>
+          </a:stretch>
+        </p:blipFill>
+        <p:spPr>
+          <a:xfrm>
+            <a:off x="641554" y="2895600"/>
+            <a:ext cx="7860891" cy="3429000"/>
+          </a:xfrm>
+          <a:prstGeom prst="rect">
+            <a:avLst/>
+          </a:prstGeom>
+        </p:spPr>
+      </p:pic>
+    </p:spTree>
+    <p:extLst>
+      <p:ext uri="{BB962C8B-B14F-4D97-AF65-F5344CB8AC3E}">
+        <p14:creationId xmlns:p14="http://schemas.microsoft.com/office/powerpoint/2010/main" val="4138888178"/>
+      </p:ext>
+    </p:extLst>
+  </p:cSld>
+  <p:clrMapOvr>
+    <a:masterClrMapping/>
+  </p:clrMapOvr>
+</p:sld>
+</file>
+
+<file path=ppt/slides/slide15.xml><?xml version="1.0" encoding="utf-8"?>
+<p:sld xmlns:a="http://schemas.openxmlformats.org/drawingml/2006/main" xmlns:r="http://schemas.openxmlformats.org/officeDocument/2006/relationships" xmlns:p="http://schemas.openxmlformats.org/presentationml/2006/main">
+  <p:cSld>
+    <p:spTree>
+      <p:nvGrpSpPr>
+        <p:cNvPr id="1" name=""/>
+        <p:cNvGrpSpPr/>
+        <p:nvPr/>
+      </p:nvGrpSpPr>
+      <p:grpSpPr>
+        <a:xfrm>
+          <a:off x="0" y="0"/>
+          <a:ext cx="0" cy="0"/>
+          <a:chOff x="0" y="0"/>
+          <a:chExt cx="0" cy="0"/>
+        </a:xfrm>
+      </p:grpSpPr>
+      <p:sp>
+        <p:nvSpPr>
+          <p:cNvPr id="2" name="Title 1">
+            <a:extLst>
+              <a:ext uri="{FF2B5EF4-FFF2-40B4-BE49-F238E27FC236}">
+                <a16:creationId xmlns:a16="http://schemas.microsoft.com/office/drawing/2014/main" id="{52BFFCDB-9837-4362-85F0-B263596A8EF9}"/>
+              </a:ext>
+            </a:extLst>
+          </p:cNvPr>
+          <p:cNvSpPr>
+            <a:spLocks noGrp="1"/>
+          </p:cNvSpPr>
+          <p:nvPr>
+            <p:ph type="title"/>
+          </p:nvPr>
+        </p:nvSpPr>
+        <p:spPr/>
+        <p:txBody>
+          <a:bodyPr/>
+          <a:lstStyle/>
+          <a:p>
+            <a:r>
+              <a:rPr lang="en-US" sz="2600" dirty="0"/>
+              <a:t>Viewing Bookmarks as a Slide Show</a:t>
+            </a:r>
+          </a:p>
+        </p:txBody>
+      </p:sp>
+    </p:spTree>
+    <p:extLst>
+      <p:ext uri="{BB962C8B-B14F-4D97-AF65-F5344CB8AC3E}">
+        <p14:creationId xmlns:p14="http://schemas.microsoft.com/office/powerpoint/2010/main" val="38298515"/>
+      </p:ext>
+    </p:extLst>
+  </p:cSld>
+  <p:clrMapOvr>
+    <a:masterClrMapping/>
+  </p:clrMapOvr>
+</p:sld>
+</file>
+
+<file path=ppt/slides/slide16.xml><?xml version="1.0" encoding="utf-8"?>
 <p:sld xmlns:a="http://schemas.openxmlformats.org/drawingml/2006/main" xmlns:r="http://schemas.openxmlformats.org/officeDocument/2006/relationships" xmlns:p="http://schemas.openxmlformats.org/presentationml/2006/main">
   <p:cSld>
     <p:spTree>
@@ -3606,7 +4698,11 @@
           <a:p>
             <a:pPr lvl="1"/>
             <a:r>
-              <a:rPr lang="en-US" dirty="0"/>
+              <a:rPr lang="en-US" sz="3600" dirty="0">
+                <a:solidFill>
+                  <a:srgbClr val="9F1B30"/>
+                </a:solidFill>
+              </a:rPr>
               <a:t>HTML viewer</a:t>
             </a:r>
           </a:p>
@@ -3622,10 +4718,432 @@
   <p:clrMapOvr>
     <a:masterClrMapping/>
   </p:clrMapOvr>
+  <p:timing>
+    <p:tnLst>
+      <p:par>
+        <p:cTn id="1" dur="indefinite" restart="never" nodeType="tmRoot">
+          <p:childTnLst>
+            <p:seq concurrent="1" nextAc="seek">
+              <p:cTn id="2" dur="indefinite" nodeType="mainSeq">
+                <p:childTnLst>
+                  <p:par>
+                    <p:cTn id="3" fill="hold">
+                      <p:stCondLst>
+                        <p:cond delay="indefinite"/>
+                      </p:stCondLst>
+                      <p:childTnLst>
+                        <p:par>
+                          <p:cTn id="4" fill="hold">
+                            <p:stCondLst>
+                              <p:cond delay="0"/>
+                            </p:stCondLst>
+                            <p:childTnLst>
+                              <p:par>
+                                <p:cTn id="5" presetID="1" presetClass="entr" presetSubtype="0" fill="hold" nodeType="clickEffect">
+                                  <p:stCondLst>
+                                    <p:cond delay="0"/>
+                                  </p:stCondLst>
+                                  <p:childTnLst>
+                                    <p:set>
+                                      <p:cBhvr>
+                                        <p:cTn id="6" dur="1" fill="hold">
+                                          <p:stCondLst>
+                                            <p:cond delay="0"/>
+                                          </p:stCondLst>
+                                        </p:cTn>
+                                        <p:tgtEl>
+                                          <p:spTgt spid="4">
+                                            <p:txEl>
+                                              <p:pRg st="1" end="1"/>
+                                            </p:txEl>
+                                          </p:spTgt>
+                                        </p:tgtEl>
+                                        <p:attrNameLst>
+                                          <p:attrName>style.visibility</p:attrName>
+                                        </p:attrNameLst>
+                                      </p:cBhvr>
+                                      <p:to>
+                                        <p:strVal val="visible"/>
+                                      </p:to>
+                                    </p:set>
+                                  </p:childTnLst>
+                                </p:cTn>
+                              </p:par>
+                            </p:childTnLst>
+                          </p:cTn>
+                        </p:par>
+                      </p:childTnLst>
+                    </p:cTn>
+                  </p:par>
+                  <p:par>
+                    <p:cTn id="7" fill="hold">
+                      <p:stCondLst>
+                        <p:cond delay="indefinite"/>
+                      </p:stCondLst>
+                      <p:childTnLst>
+                        <p:par>
+                          <p:cTn id="8" fill="hold">
+                            <p:stCondLst>
+                              <p:cond delay="0"/>
+                            </p:stCondLst>
+                            <p:childTnLst>
+                              <p:par>
+                                <p:cTn id="9" presetID="1" presetClass="entr" presetSubtype="0" fill="hold" nodeType="clickEffect">
+                                  <p:stCondLst>
+                                    <p:cond delay="0"/>
+                                  </p:stCondLst>
+                                  <p:childTnLst>
+                                    <p:set>
+                                      <p:cBhvr>
+                                        <p:cTn id="10" dur="1" fill="hold">
+                                          <p:stCondLst>
+                                            <p:cond delay="0"/>
+                                          </p:stCondLst>
+                                        </p:cTn>
+                                        <p:tgtEl>
+                                          <p:spTgt spid="4">
+                                            <p:txEl>
+                                              <p:pRg st="2" end="2"/>
+                                            </p:txEl>
+                                          </p:spTgt>
+                                        </p:tgtEl>
+                                        <p:attrNameLst>
+                                          <p:attrName>style.visibility</p:attrName>
+                                        </p:attrNameLst>
+                                      </p:cBhvr>
+                                      <p:to>
+                                        <p:strVal val="visible"/>
+                                      </p:to>
+                                    </p:set>
+                                  </p:childTnLst>
+                                </p:cTn>
+                              </p:par>
+                            </p:childTnLst>
+                          </p:cTn>
+                        </p:par>
+                      </p:childTnLst>
+                    </p:cTn>
+                  </p:par>
+                  <p:par>
+                    <p:cTn id="11" fill="hold">
+                      <p:stCondLst>
+                        <p:cond delay="indefinite"/>
+                      </p:stCondLst>
+                      <p:childTnLst>
+                        <p:par>
+                          <p:cTn id="12" fill="hold">
+                            <p:stCondLst>
+                              <p:cond delay="0"/>
+                            </p:stCondLst>
+                            <p:childTnLst>
+                              <p:par>
+                                <p:cTn id="13" presetID="1" presetClass="entr" presetSubtype="0" fill="hold" nodeType="clickEffect">
+                                  <p:stCondLst>
+                                    <p:cond delay="0"/>
+                                  </p:stCondLst>
+                                  <p:childTnLst>
+                                    <p:set>
+                                      <p:cBhvr>
+                                        <p:cTn id="14" dur="1" fill="hold">
+                                          <p:stCondLst>
+                                            <p:cond delay="0"/>
+                                          </p:stCondLst>
+                                        </p:cTn>
+                                        <p:tgtEl>
+                                          <p:spTgt spid="4">
+                                            <p:txEl>
+                                              <p:pRg st="3" end="3"/>
+                                            </p:txEl>
+                                          </p:spTgt>
+                                        </p:tgtEl>
+                                        <p:attrNameLst>
+                                          <p:attrName>style.visibility</p:attrName>
+                                        </p:attrNameLst>
+                                      </p:cBhvr>
+                                      <p:to>
+                                        <p:strVal val="visible"/>
+                                      </p:to>
+                                    </p:set>
+                                  </p:childTnLst>
+                                </p:cTn>
+                              </p:par>
+                            </p:childTnLst>
+                          </p:cTn>
+                        </p:par>
+                      </p:childTnLst>
+                    </p:cTn>
+                  </p:par>
+                  <p:par>
+                    <p:cTn id="15" fill="hold">
+                      <p:stCondLst>
+                        <p:cond delay="indefinite"/>
+                      </p:stCondLst>
+                      <p:childTnLst>
+                        <p:par>
+                          <p:cTn id="16" fill="hold">
+                            <p:stCondLst>
+                              <p:cond delay="0"/>
+                            </p:stCondLst>
+                            <p:childTnLst>
+                              <p:par>
+                                <p:cTn id="17" presetID="1" presetClass="entr" presetSubtype="0" fill="hold" nodeType="clickEffect">
+                                  <p:stCondLst>
+                                    <p:cond delay="0"/>
+                                  </p:stCondLst>
+                                  <p:childTnLst>
+                                    <p:set>
+                                      <p:cBhvr>
+                                        <p:cTn id="18" dur="1" fill="hold">
+                                          <p:stCondLst>
+                                            <p:cond delay="0"/>
+                                          </p:stCondLst>
+                                        </p:cTn>
+                                        <p:tgtEl>
+                                          <p:spTgt spid="4">
+                                            <p:txEl>
+                                              <p:pRg st="4" end="4"/>
+                                            </p:txEl>
+                                          </p:spTgt>
+                                        </p:tgtEl>
+                                        <p:attrNameLst>
+                                          <p:attrName>style.visibility</p:attrName>
+                                        </p:attrNameLst>
+                                      </p:cBhvr>
+                                      <p:to>
+                                        <p:strVal val="visible"/>
+                                      </p:to>
+                                    </p:set>
+                                  </p:childTnLst>
+                                </p:cTn>
+                              </p:par>
+                            </p:childTnLst>
+                          </p:cTn>
+                        </p:par>
+                      </p:childTnLst>
+                    </p:cTn>
+                  </p:par>
+                  <p:par>
+                    <p:cTn id="19" fill="hold">
+                      <p:stCondLst>
+                        <p:cond delay="indefinite"/>
+                      </p:stCondLst>
+                      <p:childTnLst>
+                        <p:par>
+                          <p:cTn id="20" fill="hold">
+                            <p:stCondLst>
+                              <p:cond delay="0"/>
+                            </p:stCondLst>
+                            <p:childTnLst>
+                              <p:par>
+                                <p:cTn id="21" presetID="1" presetClass="entr" presetSubtype="0" fill="hold" nodeType="clickEffect">
+                                  <p:stCondLst>
+                                    <p:cond delay="0"/>
+                                  </p:stCondLst>
+                                  <p:childTnLst>
+                                    <p:set>
+                                      <p:cBhvr>
+                                        <p:cTn id="22" dur="1" fill="hold">
+                                          <p:stCondLst>
+                                            <p:cond delay="0"/>
+                                          </p:stCondLst>
+                                        </p:cTn>
+                                        <p:tgtEl>
+                                          <p:spTgt spid="4">
+                                            <p:txEl>
+                                              <p:pRg st="5" end="5"/>
+                                            </p:txEl>
+                                          </p:spTgt>
+                                        </p:tgtEl>
+                                        <p:attrNameLst>
+                                          <p:attrName>style.visibility</p:attrName>
+                                        </p:attrNameLst>
+                                      </p:cBhvr>
+                                      <p:to>
+                                        <p:strVal val="visible"/>
+                                      </p:to>
+                                    </p:set>
+                                  </p:childTnLst>
+                                </p:cTn>
+                              </p:par>
+                            </p:childTnLst>
+                          </p:cTn>
+                        </p:par>
+                      </p:childTnLst>
+                    </p:cTn>
+                  </p:par>
+                  <p:par>
+                    <p:cTn id="23" fill="hold">
+                      <p:stCondLst>
+                        <p:cond delay="indefinite"/>
+                      </p:stCondLst>
+                      <p:childTnLst>
+                        <p:par>
+                          <p:cTn id="24" fill="hold">
+                            <p:stCondLst>
+                              <p:cond delay="0"/>
+                            </p:stCondLst>
+                            <p:childTnLst>
+                              <p:par>
+                                <p:cTn id="25" presetID="1" presetClass="entr" presetSubtype="0" fill="hold" nodeType="clickEffect">
+                                  <p:stCondLst>
+                                    <p:cond delay="0"/>
+                                  </p:stCondLst>
+                                  <p:childTnLst>
+                                    <p:set>
+                                      <p:cBhvr>
+                                        <p:cTn id="26" dur="1" fill="hold">
+                                          <p:stCondLst>
+                                            <p:cond delay="0"/>
+                                          </p:stCondLst>
+                                        </p:cTn>
+                                        <p:tgtEl>
+                                          <p:spTgt spid="4">
+                                            <p:txEl>
+                                              <p:pRg st="6" end="6"/>
+                                            </p:txEl>
+                                          </p:spTgt>
+                                        </p:tgtEl>
+                                        <p:attrNameLst>
+                                          <p:attrName>style.visibility</p:attrName>
+                                        </p:attrNameLst>
+                                      </p:cBhvr>
+                                      <p:to>
+                                        <p:strVal val="visible"/>
+                                      </p:to>
+                                    </p:set>
+                                  </p:childTnLst>
+                                </p:cTn>
+                              </p:par>
+                            </p:childTnLst>
+                          </p:cTn>
+                        </p:par>
+                      </p:childTnLst>
+                    </p:cTn>
+                  </p:par>
+                  <p:par>
+                    <p:cTn id="27" fill="hold">
+                      <p:stCondLst>
+                        <p:cond delay="indefinite"/>
+                      </p:stCondLst>
+                      <p:childTnLst>
+                        <p:par>
+                          <p:cTn id="28" fill="hold">
+                            <p:stCondLst>
+                              <p:cond delay="0"/>
+                            </p:stCondLst>
+                            <p:childTnLst>
+                              <p:par>
+                                <p:cTn id="29" presetID="1" presetClass="entr" presetSubtype="0" fill="hold" nodeType="clickEffect">
+                                  <p:stCondLst>
+                                    <p:cond delay="0"/>
+                                  </p:stCondLst>
+                                  <p:childTnLst>
+                                    <p:set>
+                                      <p:cBhvr>
+                                        <p:cTn id="30" dur="1" fill="hold">
+                                          <p:stCondLst>
+                                            <p:cond delay="0"/>
+                                          </p:stCondLst>
+                                        </p:cTn>
+                                        <p:tgtEl>
+                                          <p:spTgt spid="4">
+                                            <p:txEl>
+                                              <p:pRg st="7" end="7"/>
+                                            </p:txEl>
+                                          </p:spTgt>
+                                        </p:tgtEl>
+                                        <p:attrNameLst>
+                                          <p:attrName>style.visibility</p:attrName>
+                                        </p:attrNameLst>
+                                      </p:cBhvr>
+                                      <p:to>
+                                        <p:strVal val="visible"/>
+                                      </p:to>
+                                    </p:set>
+                                  </p:childTnLst>
+                                </p:cTn>
+                              </p:par>
+                            </p:childTnLst>
+                          </p:cTn>
+                        </p:par>
+                      </p:childTnLst>
+                    </p:cTn>
+                  </p:par>
+                  <p:par>
+                    <p:cTn id="31" fill="hold">
+                      <p:stCondLst>
+                        <p:cond delay="indefinite"/>
+                      </p:stCondLst>
+                      <p:childTnLst>
+                        <p:par>
+                          <p:cTn id="32" fill="hold">
+                            <p:stCondLst>
+                              <p:cond delay="0"/>
+                            </p:stCondLst>
+                            <p:childTnLst>
+                              <p:par>
+                                <p:cTn id="33" presetID="1" presetClass="entr" presetSubtype="0" fill="hold" nodeType="clickEffect">
+                                  <p:stCondLst>
+                                    <p:cond delay="0"/>
+                                  </p:stCondLst>
+                                  <p:childTnLst>
+                                    <p:set>
+                                      <p:cBhvr>
+                                        <p:cTn id="34" dur="1" fill="hold">
+                                          <p:stCondLst>
+                                            <p:cond delay="0"/>
+                                          </p:stCondLst>
+                                        </p:cTn>
+                                        <p:tgtEl>
+                                          <p:spTgt spid="4">
+                                            <p:txEl>
+                                              <p:pRg st="8" end="8"/>
+                                            </p:txEl>
+                                          </p:spTgt>
+                                        </p:tgtEl>
+                                        <p:attrNameLst>
+                                          <p:attrName>style.visibility</p:attrName>
+                                        </p:attrNameLst>
+                                      </p:cBhvr>
+                                      <p:to>
+                                        <p:strVal val="visible"/>
+                                      </p:to>
+                                    </p:set>
+                                  </p:childTnLst>
+                                </p:cTn>
+                              </p:par>
+                            </p:childTnLst>
+                          </p:cTn>
+                        </p:par>
+                      </p:childTnLst>
+                    </p:cTn>
+                  </p:par>
+                </p:childTnLst>
+              </p:cTn>
+              <p:prevCondLst>
+                <p:cond evt="onPrev" delay="0">
+                  <p:tgtEl>
+                    <p:sldTgt/>
+                  </p:tgtEl>
+                </p:cond>
+              </p:prevCondLst>
+              <p:nextCondLst>
+                <p:cond evt="onNext" delay="0">
+                  <p:tgtEl>
+                    <p:sldTgt/>
+                  </p:tgtEl>
+                </p:cond>
+              </p:nextCondLst>
+            </p:seq>
+          </p:childTnLst>
+        </p:cTn>
+      </p:par>
+    </p:tnLst>
+  </p:timing>
 </p:sld>
 </file>
 
-<file path=ppt/slides/slide13.xml><?xml version="1.0" encoding="utf-8"?>
+<file path=ppt/slides/slide17.xml><?xml version="1.0" encoding="utf-8"?>
 <p:sld xmlns:a="http://schemas.openxmlformats.org/drawingml/2006/main" xmlns:r="http://schemas.openxmlformats.org/officeDocument/2006/relationships" xmlns:p="http://schemas.openxmlformats.org/presentationml/2006/main">
   <p:cSld>
     <p:spTree>
@@ -3707,17 +5225,17 @@
             <a:pPr lvl="1"/>
             <a:r>
               <a:rPr lang="en-US" sz="2000" dirty="0"/>
-              <a:t>HTML template created with calculated column &amp; DAX</a:t>
+              <a:t>HTML template created with calculated column using DAX</a:t>
             </a:r>
           </a:p>
         </p:txBody>
       </p:sp>
       <p:pic>
         <p:nvPicPr>
-          <p:cNvPr id="4" name="Picture 3">
+          <p:cNvPr id="5" name="Picture 4">
             <a:extLst>
               <a:ext uri="{FF2B5EF4-FFF2-40B4-BE49-F238E27FC236}">
-                <a16:creationId xmlns:a16="http://schemas.microsoft.com/office/drawing/2014/main" id="{F1F1495F-5EDF-4C29-B5DF-7A5F7B957EAC}"/>
+                <a16:creationId xmlns:a16="http://schemas.microsoft.com/office/drawing/2014/main" id="{9AC775D6-DDD6-4442-99BC-89B19CFB4941}"/>
               </a:ext>
             </a:extLst>
           </p:cNvPr>
@@ -3726,15 +5244,16 @@
           </p:cNvPicPr>
           <p:nvPr/>
         </p:nvPicPr>
-        <p:blipFill rotWithShape="1">
+        <p:blipFill>
           <a:blip r:embed="rId2"/>
-          <a:srcRect r="30833" b="6334"/>
-          <a:stretch/>
+          <a:stretch>
+            <a:fillRect/>
+          </a:stretch>
         </p:blipFill>
         <p:spPr>
           <a:xfrm>
-            <a:off x="838200" y="2282316"/>
-            <a:ext cx="8116147" cy="4400320"/>
+            <a:off x="386219" y="2362200"/>
+            <a:ext cx="8280206" cy="2971800"/>
           </a:xfrm>
           <a:prstGeom prst="rect">
             <a:avLst/>
@@ -3762,7 +5281,7 @@
 </p:sld>
 </file>
 
-<file path=ppt/slides/slide14.xml><?xml version="1.0" encoding="utf-8"?>
+<file path=ppt/slides/slide18.xml><?xml version="1.0" encoding="utf-8"?>
 <p:sld xmlns:a="http://schemas.openxmlformats.org/drawingml/2006/main" xmlns:r="http://schemas.openxmlformats.org/officeDocument/2006/relationships" xmlns:p="http://schemas.openxmlformats.org/presentationml/2006/main">
   <p:cSld>
     <p:spTree>
@@ -3800,16 +5319,82 @@
           <a:bodyPr/>
           <a:lstStyle/>
           <a:p>
-            <a:endParaRPr lang="en-US"/>
+            <a:r>
+              <a:rPr lang="en-US" dirty="0"/>
+              <a:t>Oh my….</a:t>
+            </a:r>
+          </a:p>
+        </p:txBody>
+      </p:sp>
+      <p:sp>
+        <p:nvSpPr>
+          <p:cNvPr id="4" name="Content Placeholder 3">
+            <a:extLst>
+              <a:ext uri="{FF2B5EF4-FFF2-40B4-BE49-F238E27FC236}">
+                <a16:creationId xmlns:a16="http://schemas.microsoft.com/office/drawing/2014/main" id="{AEA32E82-A7E9-47A3-A3E3-7C14AD749488}"/>
+              </a:ext>
+            </a:extLst>
+          </p:cNvPr>
+          <p:cNvSpPr>
+            <a:spLocks noGrp="1"/>
+          </p:cNvSpPr>
+          <p:nvPr>
+            <p:ph idx="1"/>
+          </p:nvPr>
+        </p:nvSpPr>
+        <p:spPr/>
+        <p:txBody>
+          <a:bodyPr/>
+          <a:lstStyle/>
+          <a:p>
+            <a:r>
+              <a:rPr lang="en-US" dirty="0"/>
+              <a:t>Nothing like parsing together HTML using DAX</a:t>
+            </a:r>
+          </a:p>
+          <a:p>
+            <a:endParaRPr lang="en-US" dirty="0"/>
+          </a:p>
+          <a:p>
+            <a:endParaRPr lang="en-US" dirty="0"/>
+          </a:p>
+          <a:p>
+            <a:endParaRPr lang="en-US" dirty="0"/>
+          </a:p>
+          <a:p>
+            <a:endParaRPr lang="en-US" dirty="0"/>
+          </a:p>
+          <a:p>
+            <a:endParaRPr lang="en-US" dirty="0"/>
+          </a:p>
+          <a:p>
+            <a:r>
+              <a:rPr lang="en-US" dirty="0"/>
+              <a:t>It might be a good time to check out DAX Studio</a:t>
+            </a:r>
+          </a:p>
+          <a:p>
+            <a:pPr lvl="1"/>
+            <a:r>
+              <a:rPr lang="en-US" dirty="0">
+                <a:hlinkClick r:id="rId2"/>
+              </a:rPr>
+              <a:t>http://daxstudio.org/</a:t>
+            </a:r>
+            <a:endParaRPr lang="en-US" dirty="0"/>
+          </a:p>
+          <a:p>
+            <a:pPr lvl="1"/>
+            <a:endParaRPr lang="en-US" dirty="0"/>
           </a:p>
         </p:txBody>
       </p:sp>
       <p:pic>
         <p:nvPicPr>
-          <p:cNvPr id="3" name="Picture 2">
+          <p:cNvPr id="5" name="Picture 4">
             <a:extLst>
               <a:ext uri="{FF2B5EF4-FFF2-40B4-BE49-F238E27FC236}">
-                <a16:creationId xmlns:a16="http://schemas.microsoft.com/office/drawing/2014/main" id="{C2B2960A-83BC-44D9-BFDC-B742571A64BE}"/>
+                <a16:creationId xmlns:a16="http://schemas.microsoft.com/office/drawing/2014/main" id="{FB0251E5-0470-43B2-ABE7-5D189B4DB9FB}"/>
               </a:ext>
             </a:extLst>
           </p:cNvPr>
@@ -3818,15 +5403,16 @@
           </p:cNvPicPr>
           <p:nvPr/>
         </p:nvPicPr>
-        <p:blipFill rotWithShape="1">
-          <a:blip r:embed="rId2"/>
-          <a:srcRect r="30833" b="6334"/>
-          <a:stretch/>
+        <p:blipFill>
+          <a:blip r:embed="rId3"/>
+          <a:stretch>
+            <a:fillRect/>
+          </a:stretch>
         </p:blipFill>
         <p:spPr>
           <a:xfrm>
-            <a:off x="214535" y="1295400"/>
-            <a:ext cx="8573347" cy="4648200"/>
+            <a:off x="838200" y="2057400"/>
+            <a:ext cx="7785815" cy="2286000"/>
           </a:xfrm>
           <a:prstGeom prst="rect">
             <a:avLst/>
@@ -3851,10 +5437,183 @@
   <p:clrMapOvr>
     <a:masterClrMapping/>
   </p:clrMapOvr>
+  <p:timing>
+    <p:tnLst>
+      <p:par>
+        <p:cTn id="1" dur="indefinite" restart="never" nodeType="tmRoot">
+          <p:childTnLst>
+            <p:seq concurrent="1" nextAc="seek">
+              <p:cTn id="2" dur="indefinite" nodeType="mainSeq">
+                <p:childTnLst>
+                  <p:par>
+                    <p:cTn id="3" fill="hold">
+                      <p:stCondLst>
+                        <p:cond delay="indefinite"/>
+                      </p:stCondLst>
+                      <p:childTnLst>
+                        <p:par>
+                          <p:cTn id="4" fill="hold">
+                            <p:stCondLst>
+                              <p:cond delay="0"/>
+                            </p:stCondLst>
+                            <p:childTnLst>
+                              <p:par>
+                                <p:cTn id="5" presetID="1" presetClass="entr" presetSubtype="0" fill="hold" nodeType="clickEffect">
+                                  <p:stCondLst>
+                                    <p:cond delay="0"/>
+                                  </p:stCondLst>
+                                  <p:childTnLst>
+                                    <p:set>
+                                      <p:cBhvr>
+                                        <p:cTn id="6" dur="1" fill="hold">
+                                          <p:stCondLst>
+                                            <p:cond delay="0"/>
+                                          </p:stCondLst>
+                                        </p:cTn>
+                                        <p:tgtEl>
+                                          <p:spTgt spid="5"/>
+                                        </p:tgtEl>
+                                        <p:attrNameLst>
+                                          <p:attrName>style.visibility</p:attrName>
+                                        </p:attrNameLst>
+                                      </p:cBhvr>
+                                      <p:to>
+                                        <p:strVal val="visible"/>
+                                      </p:to>
+                                    </p:set>
+                                  </p:childTnLst>
+                                </p:cTn>
+                              </p:par>
+                            </p:childTnLst>
+                          </p:cTn>
+                        </p:par>
+                      </p:childTnLst>
+                    </p:cTn>
+                  </p:par>
+                  <p:par>
+                    <p:cTn id="7" fill="hold">
+                      <p:stCondLst>
+                        <p:cond delay="indefinite"/>
+                      </p:stCondLst>
+                      <p:childTnLst>
+                        <p:par>
+                          <p:cTn id="8" fill="hold">
+                            <p:stCondLst>
+                              <p:cond delay="0"/>
+                            </p:stCondLst>
+                            <p:childTnLst>
+                              <p:par>
+                                <p:cTn id="9" presetID="1" presetClass="entr" presetSubtype="0" fill="hold" nodeType="clickEffect">
+                                  <p:stCondLst>
+                                    <p:cond delay="0"/>
+                                  </p:stCondLst>
+                                  <p:childTnLst>
+                                    <p:set>
+                                      <p:cBhvr>
+                                        <p:cTn id="10" dur="1" fill="hold">
+                                          <p:stCondLst>
+                                            <p:cond delay="0"/>
+                                          </p:stCondLst>
+                                        </p:cTn>
+                                        <p:tgtEl>
+                                          <p:spTgt spid="4">
+                                            <p:txEl>
+                                              <p:pRg st="6" end="6"/>
+                                            </p:txEl>
+                                          </p:spTgt>
+                                        </p:tgtEl>
+                                        <p:attrNameLst>
+                                          <p:attrName>style.visibility</p:attrName>
+                                        </p:attrNameLst>
+                                      </p:cBhvr>
+                                      <p:to>
+                                        <p:strVal val="visible"/>
+                                      </p:to>
+                                    </p:set>
+                                  </p:childTnLst>
+                                </p:cTn>
+                              </p:par>
+                            </p:childTnLst>
+                          </p:cTn>
+                        </p:par>
+                      </p:childTnLst>
+                    </p:cTn>
+                  </p:par>
+                  <p:par>
+                    <p:cTn id="11" fill="hold">
+                      <p:stCondLst>
+                        <p:cond delay="indefinite"/>
+                      </p:stCondLst>
+                      <p:childTnLst>
+                        <p:par>
+                          <p:cTn id="12" fill="hold">
+                            <p:stCondLst>
+                              <p:cond delay="0"/>
+                            </p:stCondLst>
+                            <p:childTnLst>
+                              <p:par>
+                                <p:cTn id="13" presetID="1" presetClass="entr" presetSubtype="0" fill="hold" nodeType="clickEffect">
+                                  <p:stCondLst>
+                                    <p:cond delay="0"/>
+                                  </p:stCondLst>
+                                  <p:childTnLst>
+                                    <p:set>
+                                      <p:cBhvr>
+                                        <p:cTn id="14" dur="1" fill="hold">
+                                          <p:stCondLst>
+                                            <p:cond delay="0"/>
+                                          </p:stCondLst>
+                                        </p:cTn>
+                                        <p:tgtEl>
+                                          <p:spTgt spid="4">
+                                            <p:txEl>
+                                              <p:pRg st="7" end="7"/>
+                                            </p:txEl>
+                                          </p:spTgt>
+                                        </p:tgtEl>
+                                        <p:attrNameLst>
+                                          <p:attrName>style.visibility</p:attrName>
+                                        </p:attrNameLst>
+                                      </p:cBhvr>
+                                      <p:to>
+                                        <p:strVal val="visible"/>
+                                      </p:to>
+                                    </p:set>
+                                  </p:childTnLst>
+                                </p:cTn>
+                              </p:par>
+                            </p:childTnLst>
+                          </p:cTn>
+                        </p:par>
+                      </p:childTnLst>
+                    </p:cTn>
+                  </p:par>
+                </p:childTnLst>
+              </p:cTn>
+              <p:prevCondLst>
+                <p:cond evt="onPrev" delay="0">
+                  <p:tgtEl>
+                    <p:sldTgt/>
+                  </p:tgtEl>
+                </p:cond>
+              </p:prevCondLst>
+              <p:nextCondLst>
+                <p:cond evt="onNext" delay="0">
+                  <p:tgtEl>
+                    <p:sldTgt/>
+                  </p:tgtEl>
+                </p:cond>
+              </p:nextCondLst>
+            </p:seq>
+          </p:childTnLst>
+        </p:cTn>
+      </p:par>
+    </p:tnLst>
+  </p:timing>
 </p:sld>
 </file>
 
-<file path=ppt/slides/slide15.xml><?xml version="1.0" encoding="utf-8"?>
+<file path=ppt/slides/slide19.xml><?xml version="1.0" encoding="utf-8"?>
 <p:sld xmlns:a="http://schemas.openxmlformats.org/drawingml/2006/main" xmlns:r="http://schemas.openxmlformats.org/officeDocument/2006/relationships" xmlns:p="http://schemas.openxmlformats.org/presentationml/2006/main">
   <p:cSld>
     <p:spTree>
@@ -3876,7 +5635,7 @@
           <p:cNvPr id="2" name="Title 1">
             <a:extLst>
               <a:ext uri="{FF2B5EF4-FFF2-40B4-BE49-F238E27FC236}">
-                <a16:creationId xmlns:a16="http://schemas.microsoft.com/office/drawing/2014/main" id="{9C847279-6608-4DF2-A8DC-1B2255C8E86B}"/>
+                <a16:creationId xmlns:a16="http://schemas.microsoft.com/office/drawing/2014/main" id="{034CF08A-157C-4DB5-98D7-EA78739202D1}"/>
               </a:ext>
             </a:extLst>
           </p:cNvPr>
@@ -3892,16 +5651,19 @@
           <a:bodyPr/>
           <a:lstStyle/>
           <a:p>
-            <a:endParaRPr lang="en-US"/>
+            <a:r>
+              <a:rPr lang="en-US" dirty="0"/>
+              <a:t>Into the weeds….</a:t>
+            </a:r>
           </a:p>
         </p:txBody>
       </p:sp>
       <p:sp>
         <p:nvSpPr>
-          <p:cNvPr id="3" name="Content Placeholder 2">
+          <p:cNvPr id="14" name="Content Placeholder 13">
             <a:extLst>
               <a:ext uri="{FF2B5EF4-FFF2-40B4-BE49-F238E27FC236}">
-                <a16:creationId xmlns:a16="http://schemas.microsoft.com/office/drawing/2014/main" id="{2B35F782-918D-497A-AB9E-9CB221C2F0D9}"/>
+                <a16:creationId xmlns:a16="http://schemas.microsoft.com/office/drawing/2014/main" id="{6F131F14-5A61-40D2-8D08-F2C5924B3C34}"/>
               </a:ext>
             </a:extLst>
           </p:cNvPr>
@@ -3914,22 +5676,58 @@
         </p:nvSpPr>
         <p:spPr/>
         <p:txBody>
-          <a:bodyPr/>
+          <a:bodyPr>
+            <a:normAutofit/>
+          </a:bodyPr>
           <a:lstStyle/>
           <a:p>
             <a:r>
-              <a:rPr lang="en-US" dirty="0"/>
-              <a:t>demo</a:t>
+              <a:rPr lang="en-US" sz="2000" dirty="0"/>
+              <a:t>CSS Styles maintained in DAX variables</a:t>
+            </a:r>
+          </a:p>
+          <a:p>
+            <a:endParaRPr lang="en-US" sz="2000" dirty="0"/>
+          </a:p>
+          <a:p>
+            <a:endParaRPr lang="en-US" sz="2000" dirty="0"/>
+          </a:p>
+          <a:p>
+            <a:r>
+              <a:rPr lang="en-US" sz="2000" dirty="0"/>
+              <a:t>Measure returns a complete HTML element</a:t>
+            </a:r>
+          </a:p>
+          <a:p>
+            <a:endParaRPr lang="en-US" sz="2000" dirty="0"/>
+          </a:p>
+          <a:p>
+            <a:endParaRPr lang="en-US" sz="2000" dirty="0"/>
+          </a:p>
+          <a:p>
+            <a:endParaRPr lang="en-US" sz="2000" dirty="0"/>
+          </a:p>
+          <a:p>
+            <a:endParaRPr lang="en-US" sz="2000" dirty="0"/>
+          </a:p>
+          <a:p>
+            <a:pPr lvl="1"/>
+            <a:endParaRPr lang="en-US" sz="1600" dirty="0"/>
+          </a:p>
+          <a:p>
+            <a:r>
+              <a:rPr lang="en-US" sz="2000" dirty="0"/>
+              <a:t>Number, Currency &amp; Date formatting accomplished using DAX</a:t>
             </a:r>
           </a:p>
         </p:txBody>
       </p:sp>
       <p:pic>
         <p:nvPicPr>
-          <p:cNvPr id="4" name="Picture 3">
+          <p:cNvPr id="10" name="Picture 9">
             <a:extLst>
               <a:ext uri="{FF2B5EF4-FFF2-40B4-BE49-F238E27FC236}">
-                <a16:creationId xmlns:a16="http://schemas.microsoft.com/office/drawing/2014/main" id="{1D67405C-E81B-4081-A6BB-FD3FA378A946}"/>
+                <a16:creationId xmlns:a16="http://schemas.microsoft.com/office/drawing/2014/main" id="{948BA380-564B-4566-AC74-FDCB27E1DB50}"/>
               </a:ext>
             </a:extLst>
           </p:cNvPr>
@@ -3946,28 +5744,363 @@
         </p:blipFill>
         <p:spPr>
           <a:xfrm>
-            <a:off x="533400" y="2286000"/>
-            <a:ext cx="7696200" cy="4023449"/>
+            <a:off x="787832" y="1880946"/>
+            <a:ext cx="7660709" cy="685910"/>
           </a:xfrm>
           <a:prstGeom prst="rect">
             <a:avLst/>
           </a:prstGeom>
+          <a:ln>
+            <a:solidFill>
+              <a:schemeClr val="tx1">
+                <a:lumMod val="50000"/>
+                <a:lumOff val="50000"/>
+              </a:schemeClr>
+            </a:solidFill>
+          </a:ln>
+        </p:spPr>
+      </p:pic>
+      <p:pic>
+        <p:nvPicPr>
+          <p:cNvPr id="12" name="Picture 11">
+            <a:extLst>
+              <a:ext uri="{FF2B5EF4-FFF2-40B4-BE49-F238E27FC236}">
+                <a16:creationId xmlns:a16="http://schemas.microsoft.com/office/drawing/2014/main" id="{D2ECC6A3-6376-4E94-B922-FCC60616CA05}"/>
+              </a:ext>
+            </a:extLst>
+          </p:cNvPr>
+          <p:cNvPicPr>
+            <a:picLocks noChangeAspect="1"/>
+          </p:cNvPicPr>
+          <p:nvPr/>
+        </p:nvPicPr>
+        <p:blipFill>
+          <a:blip r:embed="rId3"/>
+          <a:stretch>
+            <a:fillRect/>
+          </a:stretch>
+        </p:blipFill>
+        <p:spPr>
+          <a:xfrm>
+            <a:off x="803490" y="3100256"/>
+            <a:ext cx="7976212" cy="1828800"/>
+          </a:xfrm>
+          <a:prstGeom prst="rect">
+            <a:avLst/>
+          </a:prstGeom>
+          <a:ln>
+            <a:solidFill>
+              <a:schemeClr val="tx1"/>
+            </a:solidFill>
+          </a:ln>
+        </p:spPr>
+      </p:pic>
+      <p:pic>
+        <p:nvPicPr>
+          <p:cNvPr id="13" name="Picture 12">
+            <a:extLst>
+              <a:ext uri="{FF2B5EF4-FFF2-40B4-BE49-F238E27FC236}">
+                <a16:creationId xmlns:a16="http://schemas.microsoft.com/office/drawing/2014/main" id="{EA52229A-1334-45C5-A062-4E5BC4403F8F}"/>
+              </a:ext>
+            </a:extLst>
+          </p:cNvPr>
+          <p:cNvPicPr>
+            <a:picLocks noChangeAspect="1"/>
+          </p:cNvPicPr>
+          <p:nvPr/>
+        </p:nvPicPr>
+        <p:blipFill rotWithShape="1">
+          <a:blip r:embed="rId4"/>
+          <a:srcRect l="17743" r="5023"/>
+          <a:stretch/>
+        </p:blipFill>
+        <p:spPr>
+          <a:xfrm>
+            <a:off x="837937" y="5562600"/>
+            <a:ext cx="6979348" cy="565893"/>
+          </a:xfrm>
+          <a:prstGeom prst="rect">
+            <a:avLst/>
+          </a:prstGeom>
+          <a:ln>
+            <a:solidFill>
+              <a:schemeClr val="tx1"/>
+            </a:solidFill>
+          </a:ln>
         </p:spPr>
       </p:pic>
     </p:spTree>
     <p:extLst>
       <p:ext uri="{BB962C8B-B14F-4D97-AF65-F5344CB8AC3E}">
-        <p14:creationId xmlns:p14="http://schemas.microsoft.com/office/powerpoint/2010/main" val="743258954"/>
+        <p14:creationId xmlns:p14="http://schemas.microsoft.com/office/powerpoint/2010/main" val="875254295"/>
       </p:ext>
     </p:extLst>
   </p:cSld>
   <p:clrMapOvr>
     <a:masterClrMapping/>
   </p:clrMapOvr>
+  <p:timing>
+    <p:tnLst>
+      <p:par>
+        <p:cTn id="1" dur="indefinite" restart="never" nodeType="tmRoot">
+          <p:childTnLst>
+            <p:seq concurrent="1" nextAc="seek">
+              <p:cTn id="2" dur="indefinite" nodeType="mainSeq">
+                <p:childTnLst>
+                  <p:par>
+                    <p:cTn id="3" fill="hold">
+                      <p:stCondLst>
+                        <p:cond delay="indefinite"/>
+                      </p:stCondLst>
+                      <p:childTnLst>
+                        <p:par>
+                          <p:cTn id="4" fill="hold">
+                            <p:stCondLst>
+                              <p:cond delay="0"/>
+                            </p:stCondLst>
+                            <p:childTnLst>
+                              <p:par>
+                                <p:cTn id="5" presetID="1" presetClass="entr" presetSubtype="0" fill="hold" nodeType="clickEffect">
+                                  <p:stCondLst>
+                                    <p:cond delay="0"/>
+                                  </p:stCondLst>
+                                  <p:childTnLst>
+                                    <p:set>
+                                      <p:cBhvr>
+                                        <p:cTn id="6" dur="1" fill="hold">
+                                          <p:stCondLst>
+                                            <p:cond delay="0"/>
+                                          </p:stCondLst>
+                                        </p:cTn>
+                                        <p:tgtEl>
+                                          <p:spTgt spid="14">
+                                            <p:txEl>
+                                              <p:pRg st="0" end="0"/>
+                                            </p:txEl>
+                                          </p:spTgt>
+                                        </p:tgtEl>
+                                        <p:attrNameLst>
+                                          <p:attrName>style.visibility</p:attrName>
+                                        </p:attrNameLst>
+                                      </p:cBhvr>
+                                      <p:to>
+                                        <p:strVal val="visible"/>
+                                      </p:to>
+                                    </p:set>
+                                  </p:childTnLst>
+                                </p:cTn>
+                              </p:par>
+                              <p:par>
+                                <p:cTn id="7" presetID="1" presetClass="entr" presetSubtype="0" fill="hold" nodeType="withEffect">
+                                  <p:stCondLst>
+                                    <p:cond delay="0"/>
+                                  </p:stCondLst>
+                                  <p:childTnLst>
+                                    <p:set>
+                                      <p:cBhvr>
+                                        <p:cTn id="8" dur="1" fill="hold">
+                                          <p:stCondLst>
+                                            <p:cond delay="0"/>
+                                          </p:stCondLst>
+                                        </p:cTn>
+                                        <p:tgtEl>
+                                          <p:spTgt spid="10"/>
+                                        </p:tgtEl>
+                                        <p:attrNameLst>
+                                          <p:attrName>style.visibility</p:attrName>
+                                        </p:attrNameLst>
+                                      </p:cBhvr>
+                                      <p:to>
+                                        <p:strVal val="visible"/>
+                                      </p:to>
+                                    </p:set>
+                                  </p:childTnLst>
+                                </p:cTn>
+                              </p:par>
+                            </p:childTnLst>
+                          </p:cTn>
+                        </p:par>
+                      </p:childTnLst>
+                    </p:cTn>
+                  </p:par>
+                  <p:par>
+                    <p:cTn id="9" fill="hold">
+                      <p:stCondLst>
+                        <p:cond delay="indefinite"/>
+                      </p:stCondLst>
+                      <p:childTnLst>
+                        <p:par>
+                          <p:cTn id="10" fill="hold">
+                            <p:stCondLst>
+                              <p:cond delay="0"/>
+                            </p:stCondLst>
+                            <p:childTnLst>
+                              <p:par>
+                                <p:cTn id="11" presetID="1" presetClass="entr" presetSubtype="0" fill="hold" nodeType="clickEffect">
+                                  <p:stCondLst>
+                                    <p:cond delay="0"/>
+                                  </p:stCondLst>
+                                  <p:childTnLst>
+                                    <p:set>
+                                      <p:cBhvr>
+                                        <p:cTn id="12" dur="1" fill="hold">
+                                          <p:stCondLst>
+                                            <p:cond delay="0"/>
+                                          </p:stCondLst>
+                                        </p:cTn>
+                                        <p:tgtEl>
+                                          <p:spTgt spid="14">
+                                            <p:txEl>
+                                              <p:pRg st="3" end="3"/>
+                                            </p:txEl>
+                                          </p:spTgt>
+                                        </p:tgtEl>
+                                        <p:attrNameLst>
+                                          <p:attrName>style.visibility</p:attrName>
+                                        </p:attrNameLst>
+                                      </p:cBhvr>
+                                      <p:to>
+                                        <p:strVal val="visible"/>
+                                      </p:to>
+                                    </p:set>
+                                  </p:childTnLst>
+                                </p:cTn>
+                              </p:par>
+                              <p:par>
+                                <p:cTn id="13" presetID="1" presetClass="entr" presetSubtype="0" fill="hold" nodeType="withEffect">
+                                  <p:stCondLst>
+                                    <p:cond delay="0"/>
+                                  </p:stCondLst>
+                                  <p:childTnLst>
+                                    <p:set>
+                                      <p:cBhvr>
+                                        <p:cTn id="14" dur="1" fill="hold">
+                                          <p:stCondLst>
+                                            <p:cond delay="0"/>
+                                          </p:stCondLst>
+                                        </p:cTn>
+                                        <p:tgtEl>
+                                          <p:spTgt spid="12"/>
+                                        </p:tgtEl>
+                                        <p:attrNameLst>
+                                          <p:attrName>style.visibility</p:attrName>
+                                        </p:attrNameLst>
+                                      </p:cBhvr>
+                                      <p:to>
+                                        <p:strVal val="visible"/>
+                                      </p:to>
+                                    </p:set>
+                                  </p:childTnLst>
+                                </p:cTn>
+                              </p:par>
+                            </p:childTnLst>
+                          </p:cTn>
+                        </p:par>
+                      </p:childTnLst>
+                    </p:cTn>
+                  </p:par>
+                  <p:par>
+                    <p:cTn id="15" fill="hold">
+                      <p:stCondLst>
+                        <p:cond delay="indefinite"/>
+                      </p:stCondLst>
+                      <p:childTnLst>
+                        <p:par>
+                          <p:cTn id="16" fill="hold">
+                            <p:stCondLst>
+                              <p:cond delay="0"/>
+                            </p:stCondLst>
+                            <p:childTnLst>
+                              <p:par>
+                                <p:cTn id="17" presetID="1" presetClass="entr" presetSubtype="0" fill="hold" nodeType="clickEffect">
+                                  <p:stCondLst>
+                                    <p:cond delay="0"/>
+                                  </p:stCondLst>
+                                  <p:childTnLst>
+                                    <p:set>
+                                      <p:cBhvr>
+                                        <p:cTn id="18" dur="1" fill="hold">
+                                          <p:stCondLst>
+                                            <p:cond delay="0"/>
+                                          </p:stCondLst>
+                                        </p:cTn>
+                                        <p:tgtEl>
+                                          <p:spTgt spid="14">
+                                            <p:txEl>
+                                              <p:pRg st="9" end="9"/>
+                                            </p:txEl>
+                                          </p:spTgt>
+                                        </p:tgtEl>
+                                        <p:attrNameLst>
+                                          <p:attrName>style.visibility</p:attrName>
+                                        </p:attrNameLst>
+                                      </p:cBhvr>
+                                      <p:to>
+                                        <p:strVal val="visible"/>
+                                      </p:to>
+                                    </p:set>
+                                  </p:childTnLst>
+                                </p:cTn>
+                              </p:par>
+                              <p:par>
+                                <p:cTn id="19" presetID="1" presetClass="entr" presetSubtype="0" fill="hold" nodeType="withEffect">
+                                  <p:stCondLst>
+                                    <p:cond delay="0"/>
+                                  </p:stCondLst>
+                                  <p:childTnLst>
+                                    <p:set>
+                                      <p:cBhvr>
+                                        <p:cTn id="20" dur="1" fill="hold">
+                                          <p:stCondLst>
+                                            <p:cond delay="0"/>
+                                          </p:stCondLst>
+                                        </p:cTn>
+                                        <p:tgtEl>
+                                          <p:spTgt spid="13"/>
+                                        </p:tgtEl>
+                                        <p:attrNameLst>
+                                          <p:attrName>style.visibility</p:attrName>
+                                        </p:attrNameLst>
+                                      </p:cBhvr>
+                                      <p:to>
+                                        <p:strVal val="visible"/>
+                                      </p:to>
+                                    </p:set>
+                                  </p:childTnLst>
+                                </p:cTn>
+                              </p:par>
+                            </p:childTnLst>
+                          </p:cTn>
+                        </p:par>
+                      </p:childTnLst>
+                    </p:cTn>
+                  </p:par>
+                </p:childTnLst>
+              </p:cTn>
+              <p:prevCondLst>
+                <p:cond evt="onPrev" delay="0">
+                  <p:tgtEl>
+                    <p:sldTgt/>
+                  </p:tgtEl>
+                </p:cond>
+              </p:prevCondLst>
+              <p:nextCondLst>
+                <p:cond evt="onNext" delay="0">
+                  <p:tgtEl>
+                    <p:sldTgt/>
+                  </p:tgtEl>
+                </p:cond>
+              </p:nextCondLst>
+            </p:seq>
+          </p:childTnLst>
+        </p:cTn>
+      </p:par>
+    </p:tnLst>
+  </p:timing>
 </p:sld>
 </file>
 
-<file path=ppt/slides/slide16.xml><?xml version="1.0" encoding="utf-8"?>
+<file path=ppt/slides/slide2.xml><?xml version="1.0" encoding="utf-8"?>
 <p:sld xmlns:a="http://schemas.openxmlformats.org/drawingml/2006/main" xmlns:r="http://schemas.openxmlformats.org/officeDocument/2006/relationships" xmlns:p="http://schemas.openxmlformats.org/presentationml/2006/main">
   <p:cSld>
     <p:spTree>
@@ -3989,7 +6122,7 @@
           <p:cNvPr id="2" name="Title 1">
             <a:extLst>
               <a:ext uri="{FF2B5EF4-FFF2-40B4-BE49-F238E27FC236}">
-                <a16:creationId xmlns:a16="http://schemas.microsoft.com/office/drawing/2014/main" id="{60E599D1-2606-446D-8FB9-B478F321F97C}"/>
+                <a16:creationId xmlns:a16="http://schemas.microsoft.com/office/drawing/2014/main" id="{16DF8629-B9FC-4247-B08D-70E2094EF4CF}"/>
               </a:ext>
             </a:extLst>
           </p:cNvPr>
@@ -4007,7 +6140,7 @@
           <a:p>
             <a:r>
               <a:rPr lang="en-US" dirty="0"/>
-              <a:t>Bookmarks as a Slide Show</a:t>
+              <a:t>Download Slides &amp; PBIX Files from GitHub</a:t>
             </a:r>
           </a:p>
         </p:txBody>
@@ -4017,7 +6150,7 @@
           <p:cNvPr id="3" name="Content Placeholder 2">
             <a:extLst>
               <a:ext uri="{FF2B5EF4-FFF2-40B4-BE49-F238E27FC236}">
-                <a16:creationId xmlns:a16="http://schemas.microsoft.com/office/drawing/2014/main" id="{3B03DF07-B5AB-45E1-89A9-01CDE9B38D67}"/>
+                <a16:creationId xmlns:a16="http://schemas.microsoft.com/office/drawing/2014/main" id="{2B577D8F-B623-4A2A-8E3B-C931A909B571}"/>
               </a:ext>
             </a:extLst>
           </p:cNvPr>
@@ -4028,19 +6161,73 @@
             <p:ph idx="1"/>
           </p:nvPr>
         </p:nvSpPr>
-        <p:spPr/>
+        <p:spPr>
+          <a:xfrm>
+            <a:off x="152400" y="1143000"/>
+            <a:ext cx="8839200" cy="5257800"/>
+          </a:xfrm>
+        </p:spPr>
         <p:txBody>
-          <a:bodyPr/>
+          <a:bodyPr>
+            <a:normAutofit/>
+          </a:bodyPr>
           <a:lstStyle/>
           <a:p>
-            <a:endParaRPr lang="en-US"/>
+            <a:r>
+              <a:rPr lang="en-US" dirty="0">
+                <a:hlinkClick r:id="rId2"/>
+              </a:rPr>
+              <a:t>https://github.com/CriticalPathTraining/Bookmarks</a:t>
+            </a:r>
+            <a:r>
+              <a:rPr lang="en-US" dirty="0"/>
+              <a:t> </a:t>
+            </a:r>
           </a:p>
         </p:txBody>
       </p:sp>
+      <p:pic>
+        <p:nvPicPr>
+          <p:cNvPr id="4" name="Picture 3">
+            <a:extLst>
+              <a:ext uri="{FF2B5EF4-FFF2-40B4-BE49-F238E27FC236}">
+                <a16:creationId xmlns:a16="http://schemas.microsoft.com/office/drawing/2014/main" id="{B403AE9A-4F81-4F91-A369-036FE7532E07}"/>
+              </a:ext>
+            </a:extLst>
+          </p:cNvPr>
+          <p:cNvPicPr>
+            <a:picLocks noChangeAspect="1"/>
+          </p:cNvPicPr>
+          <p:nvPr/>
+        </p:nvPicPr>
+        <p:blipFill>
+          <a:blip r:embed="rId3"/>
+          <a:stretch>
+            <a:fillRect/>
+          </a:stretch>
+        </p:blipFill>
+        <p:spPr>
+          <a:xfrm>
+            <a:off x="457200" y="1905000"/>
+            <a:ext cx="8153400" cy="4601729"/>
+          </a:xfrm>
+          <a:prstGeom prst="rect">
+            <a:avLst/>
+          </a:prstGeom>
+          <a:ln>
+            <a:solidFill>
+              <a:schemeClr val="tx1">
+                <a:lumMod val="50000"/>
+                <a:lumOff val="50000"/>
+              </a:schemeClr>
+            </a:solidFill>
+          </a:ln>
+        </p:spPr>
+      </p:pic>
     </p:spTree>
     <p:extLst>
       <p:ext uri="{BB962C8B-B14F-4D97-AF65-F5344CB8AC3E}">
-        <p14:creationId xmlns:p14="http://schemas.microsoft.com/office/powerpoint/2010/main" val="4138888178"/>
+        <p14:creationId xmlns:p14="http://schemas.microsoft.com/office/powerpoint/2010/main" val="2346053071"/>
       </p:ext>
     </p:extLst>
   </p:cSld>
@@ -4050,7 +6237,7 @@
 </p:sld>
 </file>
 
-<file path=ppt/slides/slide17.xml><?xml version="1.0" encoding="utf-8"?>
+<file path=ppt/slides/slide20.xml><?xml version="1.0" encoding="utf-8"?>
 <p:sld xmlns:a="http://schemas.openxmlformats.org/drawingml/2006/main" xmlns:r="http://schemas.openxmlformats.org/officeDocument/2006/relationships" xmlns:p="http://schemas.openxmlformats.org/presentationml/2006/main">
   <p:cSld>
     <p:spTree>
@@ -4158,325 +6345,7 @@
 </p:sld>
 </file>
 
-<file path=ppt/slides/slide18.xml><?xml version="1.0" encoding="utf-8"?>
-<p:sld xmlns:a="http://schemas.openxmlformats.org/drawingml/2006/main" xmlns:r="http://schemas.openxmlformats.org/officeDocument/2006/relationships" xmlns:p="http://schemas.openxmlformats.org/presentationml/2006/main">
-  <p:cSld>
-    <p:spTree>
-      <p:nvGrpSpPr>
-        <p:cNvPr id="1" name=""/>
-        <p:cNvGrpSpPr/>
-        <p:nvPr/>
-      </p:nvGrpSpPr>
-      <p:grpSpPr>
-        <a:xfrm>
-          <a:off x="0" y="0"/>
-          <a:ext cx="0" cy="0"/>
-          <a:chOff x="0" y="0"/>
-          <a:chExt cx="0" cy="0"/>
-        </a:xfrm>
-      </p:grpSpPr>
-      <p:sp>
-        <p:nvSpPr>
-          <p:cNvPr id="2" name="Title 1"/>
-          <p:cNvSpPr>
-            <a:spLocks noGrp="1"/>
-          </p:cNvSpPr>
-          <p:nvPr>
-            <p:ph type="title"/>
-          </p:nvPr>
-        </p:nvSpPr>
-        <p:spPr/>
-        <p:txBody>
-          <a:bodyPr/>
-          <a:lstStyle/>
-          <a:p>
-            <a:r>
-              <a:rPr lang="en-US" dirty="0"/>
-              <a:t>Agenda</a:t>
-            </a:r>
-          </a:p>
-        </p:txBody>
-      </p:sp>
-      <p:sp>
-        <p:nvSpPr>
-          <p:cNvPr id="3" name="Content Placeholder 2"/>
-          <p:cNvSpPr>
-            <a:spLocks noGrp="1"/>
-          </p:cNvSpPr>
-          <p:nvPr>
-            <p:ph idx="1"/>
-          </p:nvPr>
-        </p:nvSpPr>
-        <p:spPr/>
-        <p:txBody>
-          <a:bodyPr>
-            <a:normAutofit/>
-          </a:bodyPr>
-          <a:lstStyle/>
-          <a:p>
-            <a:pPr>
-              <a:buFont typeface="Wingdings" panose="05000000000000000000" pitchFamily="2" charset="2"/>
-              <a:buChar char="ü"/>
-            </a:pPr>
-            <a:r>
-              <a:rPr lang="en-US" dirty="0"/>
-              <a:t>New Features for Report Design</a:t>
-            </a:r>
-          </a:p>
-          <a:p>
-            <a:pPr>
-              <a:buFont typeface="Wingdings" panose="05000000000000000000" pitchFamily="2" charset="2"/>
-              <a:buChar char="ü"/>
-            </a:pPr>
-            <a:r>
-              <a:rPr lang="en-US" dirty="0"/>
-              <a:t>Creating Page Navigation Bookmarks</a:t>
-            </a:r>
-          </a:p>
-          <a:p>
-            <a:pPr>
-              <a:buFont typeface="Wingdings" panose="05000000000000000000" pitchFamily="2" charset="2"/>
-              <a:buChar char="Ø"/>
-            </a:pPr>
-            <a:r>
-              <a:rPr lang="en-US" dirty="0"/>
-              <a:t>Using Bookmarks to Capture Data Settings</a:t>
-            </a:r>
-          </a:p>
-          <a:p>
-            <a:r>
-              <a:rPr lang="en-US" dirty="0"/>
-              <a:t>Using Bookmarks to Hide and Show Visuals</a:t>
-            </a:r>
-          </a:p>
-          <a:p>
-            <a:r>
-              <a:rPr lang="en-US" dirty="0"/>
-              <a:t>Implementing Drillthrough</a:t>
-            </a:r>
-          </a:p>
-        </p:txBody>
-      </p:sp>
-    </p:spTree>
-    <p:extLst>
-      <p:ext uri="{BB962C8B-B14F-4D97-AF65-F5344CB8AC3E}">
-        <p14:creationId xmlns:p14="http://schemas.microsoft.com/office/powerpoint/2010/main" val="3097007176"/>
-      </p:ext>
-    </p:extLst>
-  </p:cSld>
-  <p:clrMapOvr>
-    <a:masterClrMapping/>
-  </p:clrMapOvr>
-</p:sld>
-</file>
-
-<file path=ppt/slides/slide19.xml><?xml version="1.0" encoding="utf-8"?>
-<p:sld xmlns:a="http://schemas.openxmlformats.org/drawingml/2006/main" xmlns:r="http://schemas.openxmlformats.org/officeDocument/2006/relationships" xmlns:p="http://schemas.openxmlformats.org/presentationml/2006/main">
-  <p:cSld>
-    <p:spTree>
-      <p:nvGrpSpPr>
-        <p:cNvPr id="1" name=""/>
-        <p:cNvGrpSpPr/>
-        <p:nvPr/>
-      </p:nvGrpSpPr>
-      <p:grpSpPr>
-        <a:xfrm>
-          <a:off x="0" y="0"/>
-          <a:ext cx="0" cy="0"/>
-          <a:chOff x="0" y="0"/>
-          <a:chExt cx="0" cy="0"/>
-        </a:xfrm>
-      </p:grpSpPr>
-      <p:sp>
-        <p:nvSpPr>
-          <p:cNvPr id="2" name="Title 1">
-            <a:extLst>
-              <a:ext uri="{FF2B5EF4-FFF2-40B4-BE49-F238E27FC236}">
-                <a16:creationId xmlns:a16="http://schemas.microsoft.com/office/drawing/2014/main" id="{3A3DE057-06D4-4CAD-94CB-1B7C23FD0CF0}"/>
-              </a:ext>
-            </a:extLst>
-          </p:cNvPr>
-          <p:cNvSpPr>
-            <a:spLocks noGrp="1"/>
-          </p:cNvSpPr>
-          <p:nvPr>
-            <p:ph type="title"/>
-          </p:nvPr>
-        </p:nvSpPr>
-        <p:spPr/>
-        <p:txBody>
-          <a:bodyPr/>
-          <a:lstStyle/>
-          <a:p>
-            <a:r>
-              <a:rPr lang="en-US" dirty="0"/>
-              <a:t>Bookmark Types</a:t>
-            </a:r>
-          </a:p>
-        </p:txBody>
-      </p:sp>
-      <p:sp>
-        <p:nvSpPr>
-          <p:cNvPr id="3" name="Content Placeholder 2">
-            <a:extLst>
-              <a:ext uri="{FF2B5EF4-FFF2-40B4-BE49-F238E27FC236}">
-                <a16:creationId xmlns:a16="http://schemas.microsoft.com/office/drawing/2014/main" id="{25B78B57-40CB-45E6-9684-CBEE2444A6BF}"/>
-              </a:ext>
-            </a:extLst>
-          </p:cNvPr>
-          <p:cNvSpPr>
-            <a:spLocks noGrp="1"/>
-          </p:cNvSpPr>
-          <p:nvPr>
-            <p:ph idx="1"/>
-          </p:nvPr>
-        </p:nvSpPr>
-        <p:spPr/>
-        <p:txBody>
-          <a:bodyPr/>
-          <a:lstStyle/>
-          <a:p>
-            <a:r>
-              <a:rPr lang="en-US" dirty="0"/>
-              <a:t>Data</a:t>
-            </a:r>
-          </a:p>
-          <a:p>
-            <a:pPr lvl="1"/>
-            <a:r>
-              <a:rPr lang="en-US" dirty="0"/>
-              <a:t>Filtering, slicers</a:t>
-            </a:r>
-          </a:p>
-          <a:p>
-            <a:r>
-              <a:rPr lang="en-US" dirty="0"/>
-              <a:t>Visual</a:t>
-            </a:r>
-          </a:p>
-          <a:p>
-            <a:pPr lvl="1"/>
-            <a:r>
-              <a:rPr lang="en-US" dirty="0"/>
-              <a:t>Hide/show and spotlighting</a:t>
-            </a:r>
-          </a:p>
-        </p:txBody>
-      </p:sp>
-    </p:spTree>
-    <p:extLst>
-      <p:ext uri="{BB962C8B-B14F-4D97-AF65-F5344CB8AC3E}">
-        <p14:creationId xmlns:p14="http://schemas.microsoft.com/office/powerpoint/2010/main" val="102705012"/>
-      </p:ext>
-    </p:extLst>
-  </p:cSld>
-  <p:clrMapOvr>
-    <a:masterClrMapping/>
-  </p:clrMapOvr>
-</p:sld>
-</file>
-
-<file path=ppt/slides/slide2.xml><?xml version="1.0" encoding="utf-8"?>
-<p:sld xmlns:a="http://schemas.openxmlformats.org/drawingml/2006/main" xmlns:r="http://schemas.openxmlformats.org/officeDocument/2006/relationships" xmlns:p="http://schemas.openxmlformats.org/presentationml/2006/main">
-  <p:cSld>
-    <p:spTree>
-      <p:nvGrpSpPr>
-        <p:cNvPr id="1" name=""/>
-        <p:cNvGrpSpPr/>
-        <p:nvPr/>
-      </p:nvGrpSpPr>
-      <p:grpSpPr>
-        <a:xfrm>
-          <a:off x="0" y="0"/>
-          <a:ext cx="0" cy="0"/>
-          <a:chOff x="0" y="0"/>
-          <a:chExt cx="0" cy="0"/>
-        </a:xfrm>
-      </p:grpSpPr>
-      <p:sp>
-        <p:nvSpPr>
-          <p:cNvPr id="2" name="Title 1"/>
-          <p:cNvSpPr>
-            <a:spLocks noGrp="1"/>
-          </p:cNvSpPr>
-          <p:nvPr>
-            <p:ph type="title"/>
-          </p:nvPr>
-        </p:nvSpPr>
-        <p:spPr/>
-        <p:txBody>
-          <a:bodyPr/>
-          <a:lstStyle/>
-          <a:p>
-            <a:r>
-              <a:rPr lang="en-US" dirty="0"/>
-              <a:t>Agenda</a:t>
-            </a:r>
-          </a:p>
-        </p:txBody>
-      </p:sp>
-      <p:sp>
-        <p:nvSpPr>
-          <p:cNvPr id="3" name="Content Placeholder 2"/>
-          <p:cNvSpPr>
-            <a:spLocks noGrp="1"/>
-          </p:cNvSpPr>
-          <p:nvPr>
-            <p:ph idx="1"/>
-          </p:nvPr>
-        </p:nvSpPr>
-        <p:spPr/>
-        <p:txBody>
-          <a:bodyPr>
-            <a:normAutofit/>
-          </a:bodyPr>
-          <a:lstStyle/>
-          <a:p>
-            <a:r>
-              <a:rPr lang="en-US" dirty="0"/>
-              <a:t>New Features for Report Design</a:t>
-            </a:r>
-          </a:p>
-          <a:p>
-            <a:r>
-              <a:rPr lang="en-US" dirty="0"/>
-              <a:t>Creating Page Navigation Bookmarks</a:t>
-            </a:r>
-          </a:p>
-          <a:p>
-            <a:r>
-              <a:rPr lang="en-US" dirty="0"/>
-              <a:t>Using Bookmarks to Capture Data Settings</a:t>
-            </a:r>
-          </a:p>
-          <a:p>
-            <a:r>
-              <a:rPr lang="en-US" dirty="0"/>
-              <a:t>Using Bookmarks to Hide and Show Visuals</a:t>
-            </a:r>
-          </a:p>
-          <a:p>
-            <a:r>
-              <a:rPr lang="en-US" dirty="0"/>
-              <a:t>Implementing Drillthrough</a:t>
-            </a:r>
-          </a:p>
-        </p:txBody>
-      </p:sp>
-    </p:spTree>
-    <p:extLst>
-      <p:ext uri="{BB962C8B-B14F-4D97-AF65-F5344CB8AC3E}">
-        <p14:creationId xmlns:p14="http://schemas.microsoft.com/office/powerpoint/2010/main" val="1577676335"/>
-      </p:ext>
-    </p:extLst>
-  </p:cSld>
-  <p:clrMapOvr>
-    <a:masterClrMapping/>
-  </p:clrMapOvr>
-</p:sld>
-</file>
-
-<file path=ppt/slides/slide20.xml><?xml version="1.0" encoding="utf-8"?>
+<file path=ppt/slides/slide21.xml><?xml version="1.0" encoding="utf-8"?>
 <p:sld xmlns:a="http://schemas.openxmlformats.org/drawingml/2006/main" xmlns:r="http://schemas.openxmlformats.org/officeDocument/2006/relationships" xmlns:p="http://schemas.openxmlformats.org/presentationml/2006/main">
   <p:cSld>
     <p:spTree>
@@ -4544,11 +6413,101 @@
           <a:p>
             <a:r>
               <a:rPr lang="en-US" dirty="0"/>
-              <a:t>Bookmarks for shapes and images</a:t>
+              <a:t>Shares and images can link to bookmarks</a:t>
+            </a:r>
+          </a:p>
+          <a:p>
+            <a:pPr lvl="1"/>
+            <a:r>
+              <a:rPr lang="en-US" dirty="0"/>
+              <a:t>Acts as a button to navigate to bookmark</a:t>
+            </a:r>
+          </a:p>
+          <a:p>
+            <a:pPr lvl="1"/>
+            <a:r>
+              <a:rPr lang="en-US" dirty="0"/>
+              <a:t>Button responds to click when in read view</a:t>
+            </a:r>
+          </a:p>
+          <a:p>
+            <a:pPr lvl="1"/>
+            <a:r>
+              <a:rPr lang="en-US" dirty="0"/>
+              <a:t>Button requires CONTROL + click when in edit view</a:t>
             </a:r>
           </a:p>
         </p:txBody>
       </p:sp>
+      <p:pic>
+        <p:nvPicPr>
+          <p:cNvPr id="4" name="Picture 3">
+            <a:extLst>
+              <a:ext uri="{FF2B5EF4-FFF2-40B4-BE49-F238E27FC236}">
+                <a16:creationId xmlns:a16="http://schemas.microsoft.com/office/drawing/2014/main" id="{A82798A7-763C-48D3-9880-373086E213FA}"/>
+              </a:ext>
+            </a:extLst>
+          </p:cNvPr>
+          <p:cNvPicPr>
+            <a:picLocks noChangeAspect="1"/>
+          </p:cNvPicPr>
+          <p:nvPr/>
+        </p:nvPicPr>
+        <p:blipFill rotWithShape="1">
+          <a:blip r:embed="rId2"/>
+          <a:srcRect b="17975"/>
+          <a:stretch/>
+        </p:blipFill>
+        <p:spPr>
+          <a:xfrm>
+            <a:off x="5486400" y="3429000"/>
+            <a:ext cx="2514600" cy="3051809"/>
+          </a:xfrm>
+          <a:prstGeom prst="rect">
+            <a:avLst/>
+          </a:prstGeom>
+          <a:ln>
+            <a:solidFill>
+              <a:schemeClr val="tx1"/>
+            </a:solidFill>
+          </a:ln>
+        </p:spPr>
+      </p:pic>
+      <p:pic>
+        <p:nvPicPr>
+          <p:cNvPr id="5" name="Picture 4">
+            <a:extLst>
+              <a:ext uri="{FF2B5EF4-FFF2-40B4-BE49-F238E27FC236}">
+                <a16:creationId xmlns:a16="http://schemas.microsoft.com/office/drawing/2014/main" id="{393F9339-CF2A-4AB2-9D10-4A6D7BF52D99}"/>
+              </a:ext>
+            </a:extLst>
+          </p:cNvPr>
+          <p:cNvPicPr>
+            <a:picLocks noChangeAspect="1"/>
+          </p:cNvPicPr>
+          <p:nvPr/>
+        </p:nvPicPr>
+        <p:blipFill>
+          <a:blip r:embed="rId3"/>
+          <a:stretch>
+            <a:fillRect/>
+          </a:stretch>
+        </p:blipFill>
+        <p:spPr>
+          <a:xfrm>
+            <a:off x="613796" y="3429000"/>
+            <a:ext cx="4639809" cy="734358"/>
+          </a:xfrm>
+          <a:prstGeom prst="rect">
+            <a:avLst/>
+          </a:prstGeom>
+          <a:ln>
+            <a:solidFill>
+              <a:schemeClr val="tx1"/>
+            </a:solidFill>
+          </a:ln>
+        </p:spPr>
+      </p:pic>
     </p:spTree>
     <p:extLst>
       <p:ext uri="{BB962C8B-B14F-4D97-AF65-F5344CB8AC3E}">
@@ -4562,7 +6521,500 @@
 </p:sld>
 </file>
 
-<file path=ppt/slides/slide21.xml><?xml version="1.0" encoding="utf-8"?>
+<file path=ppt/slides/slide22.xml><?xml version="1.0" encoding="utf-8"?>
+<p:sld xmlns:a="http://schemas.openxmlformats.org/drawingml/2006/main" xmlns:r="http://schemas.openxmlformats.org/officeDocument/2006/relationships" xmlns:p="http://schemas.openxmlformats.org/presentationml/2006/main">
+  <p:cSld>
+    <p:spTree>
+      <p:nvGrpSpPr>
+        <p:cNvPr id="1" name=""/>
+        <p:cNvGrpSpPr/>
+        <p:nvPr/>
+      </p:nvGrpSpPr>
+      <p:grpSpPr>
+        <a:xfrm>
+          <a:off x="0" y="0"/>
+          <a:ext cx="0" cy="0"/>
+          <a:chOff x="0" y="0"/>
+          <a:chExt cx="0" cy="0"/>
+        </a:xfrm>
+      </p:grpSpPr>
+      <p:pic>
+        <p:nvPicPr>
+          <p:cNvPr id="5" name="Picture 4">
+            <a:extLst>
+              <a:ext uri="{FF2B5EF4-FFF2-40B4-BE49-F238E27FC236}">
+                <a16:creationId xmlns:a16="http://schemas.microsoft.com/office/drawing/2014/main" id="{61DA09CE-823C-41F3-BBD8-0A552E60D8D3}"/>
+              </a:ext>
+            </a:extLst>
+          </p:cNvPr>
+          <p:cNvPicPr>
+            <a:picLocks noChangeAspect="1"/>
+          </p:cNvPicPr>
+          <p:nvPr/>
+        </p:nvPicPr>
+        <p:blipFill>
+          <a:blip r:embed="rId2"/>
+          <a:stretch>
+            <a:fillRect/>
+          </a:stretch>
+        </p:blipFill>
+        <p:spPr>
+          <a:xfrm>
+            <a:off x="1143000" y="3200400"/>
+            <a:ext cx="3019425" cy="2809875"/>
+          </a:xfrm>
+          <a:prstGeom prst="rect">
+            <a:avLst/>
+          </a:prstGeom>
+        </p:spPr>
+      </p:pic>
+      <p:sp>
+        <p:nvSpPr>
+          <p:cNvPr id="2" name="Title 1">
+            <a:extLst>
+              <a:ext uri="{FF2B5EF4-FFF2-40B4-BE49-F238E27FC236}">
+                <a16:creationId xmlns:a16="http://schemas.microsoft.com/office/drawing/2014/main" id="{2BBF6A48-0867-4A1F-85AE-3203176F75FF}"/>
+              </a:ext>
+            </a:extLst>
+          </p:cNvPr>
+          <p:cNvSpPr>
+            <a:spLocks noGrp="1"/>
+          </p:cNvSpPr>
+          <p:nvPr>
+            <p:ph type="title"/>
+          </p:nvPr>
+        </p:nvSpPr>
+        <p:spPr/>
+        <p:txBody>
+          <a:bodyPr/>
+          <a:lstStyle/>
+          <a:p>
+            <a:r>
+              <a:rPr lang="en-US" dirty="0"/>
+              <a:t>Bookmarks Types</a:t>
+            </a:r>
+          </a:p>
+        </p:txBody>
+      </p:sp>
+      <p:sp>
+        <p:nvSpPr>
+          <p:cNvPr id="3" name="Content Placeholder 2">
+            <a:extLst>
+              <a:ext uri="{FF2B5EF4-FFF2-40B4-BE49-F238E27FC236}">
+                <a16:creationId xmlns:a16="http://schemas.microsoft.com/office/drawing/2014/main" id="{6B0DB25D-3E69-4107-A724-E01495A08033}"/>
+              </a:ext>
+            </a:extLst>
+          </p:cNvPr>
+          <p:cNvSpPr>
+            <a:spLocks noGrp="1"/>
+          </p:cNvSpPr>
+          <p:nvPr>
+            <p:ph idx="1"/>
+          </p:nvPr>
+        </p:nvSpPr>
+        <p:spPr/>
+        <p:txBody>
+          <a:bodyPr>
+            <a:normAutofit/>
+          </a:bodyPr>
+          <a:lstStyle/>
+          <a:p>
+            <a:r>
+              <a:rPr lang="en-US" sz="2400" dirty="0"/>
+              <a:t>Bookmarks can capture or ignore certain types of data</a:t>
+            </a:r>
+          </a:p>
+          <a:p>
+            <a:pPr lvl="1"/>
+            <a:r>
+              <a:rPr lang="en-US" sz="2000" dirty="0"/>
+              <a:t>Data (filtering and slicers)</a:t>
+            </a:r>
+          </a:p>
+          <a:p>
+            <a:pPr lvl="1"/>
+            <a:r>
+              <a:rPr lang="en-US" sz="2000" dirty="0"/>
+              <a:t>Display (visible or hidden)</a:t>
+            </a:r>
+          </a:p>
+          <a:p>
+            <a:pPr lvl="1"/>
+            <a:r>
+              <a:rPr lang="en-US" sz="2000" dirty="0"/>
+              <a:t>Current Page (page navigation)</a:t>
+            </a:r>
+          </a:p>
+        </p:txBody>
+      </p:sp>
+      <p:pic>
+        <p:nvPicPr>
+          <p:cNvPr id="4" name="Picture 3">
+            <a:extLst>
+              <a:ext uri="{FF2B5EF4-FFF2-40B4-BE49-F238E27FC236}">
+                <a16:creationId xmlns:a16="http://schemas.microsoft.com/office/drawing/2014/main" id="{3E52E29C-0A5D-4E63-B017-522FAB7ED148}"/>
+              </a:ext>
+            </a:extLst>
+          </p:cNvPr>
+          <p:cNvPicPr>
+            <a:picLocks noChangeAspect="1"/>
+          </p:cNvPicPr>
+          <p:nvPr/>
+        </p:nvPicPr>
+        <p:blipFill>
+          <a:blip r:embed="rId3"/>
+          <a:stretch>
+            <a:fillRect/>
+          </a:stretch>
+        </p:blipFill>
+        <p:spPr>
+          <a:xfrm>
+            <a:off x="1143001" y="3200400"/>
+            <a:ext cx="2981325" cy="2990850"/>
+          </a:xfrm>
+          <a:prstGeom prst="rect">
+            <a:avLst/>
+          </a:prstGeom>
+        </p:spPr>
+      </p:pic>
+      <p:pic>
+        <p:nvPicPr>
+          <p:cNvPr id="6" name="Picture 5">
+            <a:extLst>
+              <a:ext uri="{FF2B5EF4-FFF2-40B4-BE49-F238E27FC236}">
+                <a16:creationId xmlns:a16="http://schemas.microsoft.com/office/drawing/2014/main" id="{A8813065-4BDE-41FE-8B94-40FEB7D3039F}"/>
+              </a:ext>
+            </a:extLst>
+          </p:cNvPr>
+          <p:cNvPicPr>
+            <a:picLocks noChangeAspect="1"/>
+          </p:cNvPicPr>
+          <p:nvPr/>
+        </p:nvPicPr>
+        <p:blipFill>
+          <a:blip r:embed="rId4"/>
+          <a:stretch>
+            <a:fillRect/>
+          </a:stretch>
+        </p:blipFill>
+        <p:spPr>
+          <a:xfrm>
+            <a:off x="5410200" y="2923066"/>
+            <a:ext cx="2760501" cy="3545518"/>
+          </a:xfrm>
+          <a:prstGeom prst="rect">
+            <a:avLst/>
+          </a:prstGeom>
+        </p:spPr>
+      </p:pic>
+    </p:spTree>
+    <p:extLst>
+      <p:ext uri="{BB962C8B-B14F-4D97-AF65-F5344CB8AC3E}">
+        <p14:creationId xmlns:p14="http://schemas.microsoft.com/office/powerpoint/2010/main" val="1593618282"/>
+      </p:ext>
+    </p:extLst>
+  </p:cSld>
+  <p:clrMapOvr>
+    <a:masterClrMapping/>
+  </p:clrMapOvr>
+  <p:timing>
+    <p:tnLst>
+      <p:par>
+        <p:cTn id="1" dur="indefinite" restart="never" nodeType="tmRoot">
+          <p:childTnLst>
+            <p:seq concurrent="1" nextAc="seek">
+              <p:cTn id="2" dur="indefinite" nodeType="mainSeq">
+                <p:childTnLst>
+                  <p:par>
+                    <p:cTn id="3" fill="hold">
+                      <p:stCondLst>
+                        <p:cond delay="indefinite"/>
+                      </p:stCondLst>
+                      <p:childTnLst>
+                        <p:par>
+                          <p:cTn id="4" fill="hold">
+                            <p:stCondLst>
+                              <p:cond delay="0"/>
+                            </p:stCondLst>
+                            <p:childTnLst>
+                              <p:par>
+                                <p:cTn id="5" presetID="1" presetClass="entr" presetSubtype="0" fill="hold" nodeType="clickEffect">
+                                  <p:stCondLst>
+                                    <p:cond delay="0"/>
+                                  </p:stCondLst>
+                                  <p:childTnLst>
+                                    <p:set>
+                                      <p:cBhvr>
+                                        <p:cTn id="6" dur="1" fill="hold">
+                                          <p:stCondLst>
+                                            <p:cond delay="0"/>
+                                          </p:stCondLst>
+                                        </p:cTn>
+                                        <p:tgtEl>
+                                          <p:spTgt spid="4"/>
+                                        </p:tgtEl>
+                                        <p:attrNameLst>
+                                          <p:attrName>style.visibility</p:attrName>
+                                        </p:attrNameLst>
+                                      </p:cBhvr>
+                                      <p:to>
+                                        <p:strVal val="visible"/>
+                                      </p:to>
+                                    </p:set>
+                                  </p:childTnLst>
+                                </p:cTn>
+                              </p:par>
+                            </p:childTnLst>
+                          </p:cTn>
+                        </p:par>
+                      </p:childTnLst>
+                    </p:cTn>
+                  </p:par>
+                  <p:par>
+                    <p:cTn id="7" fill="hold">
+                      <p:stCondLst>
+                        <p:cond delay="indefinite"/>
+                      </p:stCondLst>
+                      <p:childTnLst>
+                        <p:par>
+                          <p:cTn id="8" fill="hold">
+                            <p:stCondLst>
+                              <p:cond delay="0"/>
+                            </p:stCondLst>
+                            <p:childTnLst>
+                              <p:par>
+                                <p:cTn id="9" presetID="1" presetClass="entr" presetSubtype="0" fill="hold" nodeType="clickEffect">
+                                  <p:stCondLst>
+                                    <p:cond delay="0"/>
+                                  </p:stCondLst>
+                                  <p:childTnLst>
+                                    <p:set>
+                                      <p:cBhvr>
+                                        <p:cTn id="10" dur="1" fill="hold">
+                                          <p:stCondLst>
+                                            <p:cond delay="0"/>
+                                          </p:stCondLst>
+                                        </p:cTn>
+                                        <p:tgtEl>
+                                          <p:spTgt spid="6"/>
+                                        </p:tgtEl>
+                                        <p:attrNameLst>
+                                          <p:attrName>style.visibility</p:attrName>
+                                        </p:attrNameLst>
+                                      </p:cBhvr>
+                                      <p:to>
+                                        <p:strVal val="visible"/>
+                                      </p:to>
+                                    </p:set>
+                                  </p:childTnLst>
+                                </p:cTn>
+                              </p:par>
+                            </p:childTnLst>
+                          </p:cTn>
+                        </p:par>
+                      </p:childTnLst>
+                    </p:cTn>
+                  </p:par>
+                </p:childTnLst>
+              </p:cTn>
+              <p:prevCondLst>
+                <p:cond evt="onPrev" delay="0">
+                  <p:tgtEl>
+                    <p:sldTgt/>
+                  </p:tgtEl>
+                </p:cond>
+              </p:prevCondLst>
+              <p:nextCondLst>
+                <p:cond evt="onNext" delay="0">
+                  <p:tgtEl>
+                    <p:sldTgt/>
+                  </p:tgtEl>
+                </p:cond>
+              </p:nextCondLst>
+            </p:seq>
+          </p:childTnLst>
+        </p:cTn>
+      </p:par>
+    </p:tnLst>
+  </p:timing>
+</p:sld>
+</file>
+
+<file path=ppt/slides/slide23.xml><?xml version="1.0" encoding="utf-8"?>
+<p:sld xmlns:a="http://schemas.openxmlformats.org/drawingml/2006/main" xmlns:r="http://schemas.openxmlformats.org/officeDocument/2006/relationships" xmlns:p="http://schemas.openxmlformats.org/presentationml/2006/main">
+  <p:cSld>
+    <p:spTree>
+      <p:nvGrpSpPr>
+        <p:cNvPr id="1" name=""/>
+        <p:cNvGrpSpPr/>
+        <p:nvPr/>
+      </p:nvGrpSpPr>
+      <p:grpSpPr>
+        <a:xfrm>
+          <a:off x="0" y="0"/>
+          <a:ext cx="0" cy="0"/>
+          <a:chOff x="0" y="0"/>
+          <a:chExt cx="0" cy="0"/>
+        </a:xfrm>
+      </p:grpSpPr>
+      <p:sp>
+        <p:nvSpPr>
+          <p:cNvPr id="2" name="Title 1">
+            <a:extLst>
+              <a:ext uri="{FF2B5EF4-FFF2-40B4-BE49-F238E27FC236}">
+                <a16:creationId xmlns:a16="http://schemas.microsoft.com/office/drawing/2014/main" id="{849A8102-F727-4D52-A892-DD04187E9251}"/>
+              </a:ext>
+            </a:extLst>
+          </p:cNvPr>
+          <p:cNvSpPr>
+            <a:spLocks noGrp="1"/>
+          </p:cNvSpPr>
+          <p:nvPr>
+            <p:ph type="title"/>
+          </p:nvPr>
+        </p:nvSpPr>
+        <p:spPr/>
+        <p:txBody>
+          <a:bodyPr/>
+          <a:lstStyle/>
+          <a:p>
+            <a:r>
+              <a:rPr lang="en-US" dirty="0"/>
+              <a:t>Using Bookmarks to Capture Data Settings</a:t>
+            </a:r>
+          </a:p>
+        </p:txBody>
+      </p:sp>
+    </p:spTree>
+    <p:extLst>
+      <p:ext uri="{BB962C8B-B14F-4D97-AF65-F5344CB8AC3E}">
+        <p14:creationId xmlns:p14="http://schemas.microsoft.com/office/powerpoint/2010/main" val="2429547016"/>
+      </p:ext>
+    </p:extLst>
+  </p:cSld>
+  <p:clrMapOvr>
+    <a:masterClrMapping/>
+  </p:clrMapOvr>
+</p:sld>
+</file>
+
+<file path=ppt/slides/slide24.xml><?xml version="1.0" encoding="utf-8"?>
+<p:sld xmlns:a="http://schemas.openxmlformats.org/drawingml/2006/main" xmlns:r="http://schemas.openxmlformats.org/officeDocument/2006/relationships" xmlns:p="http://schemas.openxmlformats.org/presentationml/2006/main">
+  <p:cSld>
+    <p:spTree>
+      <p:nvGrpSpPr>
+        <p:cNvPr id="1" name=""/>
+        <p:cNvGrpSpPr/>
+        <p:nvPr/>
+      </p:nvGrpSpPr>
+      <p:grpSpPr>
+        <a:xfrm>
+          <a:off x="0" y="0"/>
+          <a:ext cx="0" cy="0"/>
+          <a:chOff x="0" y="0"/>
+          <a:chExt cx="0" cy="0"/>
+        </a:xfrm>
+      </p:grpSpPr>
+      <p:sp>
+        <p:nvSpPr>
+          <p:cNvPr id="2" name="Title 1">
+            <a:extLst>
+              <a:ext uri="{FF2B5EF4-FFF2-40B4-BE49-F238E27FC236}">
+                <a16:creationId xmlns:a16="http://schemas.microsoft.com/office/drawing/2014/main" id="{BEA8423B-C54A-4F04-B740-0E61DE144F76}"/>
+              </a:ext>
+            </a:extLst>
+          </p:cNvPr>
+          <p:cNvSpPr>
+            <a:spLocks noGrp="1"/>
+          </p:cNvSpPr>
+          <p:nvPr>
+            <p:ph type="title"/>
+          </p:nvPr>
+        </p:nvSpPr>
+        <p:spPr/>
+        <p:txBody>
+          <a:bodyPr/>
+          <a:lstStyle/>
+          <a:p>
+            <a:r>
+              <a:rPr lang="en-US" dirty="0"/>
+              <a:t>Using Bookmarks to Hide and Show Visuals</a:t>
+            </a:r>
+          </a:p>
+        </p:txBody>
+      </p:sp>
+    </p:spTree>
+    <p:extLst>
+      <p:ext uri="{BB962C8B-B14F-4D97-AF65-F5344CB8AC3E}">
+        <p14:creationId xmlns:p14="http://schemas.microsoft.com/office/powerpoint/2010/main" val="4061260559"/>
+      </p:ext>
+    </p:extLst>
+  </p:cSld>
+  <p:clrMapOvr>
+    <a:masterClrMapping/>
+  </p:clrMapOvr>
+</p:sld>
+</file>
+
+<file path=ppt/slides/slide25.xml><?xml version="1.0" encoding="utf-8"?>
+<p:sld xmlns:a="http://schemas.openxmlformats.org/drawingml/2006/main" xmlns:r="http://schemas.openxmlformats.org/officeDocument/2006/relationships" xmlns:p="http://schemas.openxmlformats.org/presentationml/2006/main">
+  <p:cSld>
+    <p:spTree>
+      <p:nvGrpSpPr>
+        <p:cNvPr id="1" name=""/>
+        <p:cNvGrpSpPr/>
+        <p:nvPr/>
+      </p:nvGrpSpPr>
+      <p:grpSpPr>
+        <a:xfrm>
+          <a:off x="0" y="0"/>
+          <a:ext cx="0" cy="0"/>
+          <a:chOff x="0" y="0"/>
+          <a:chExt cx="0" cy="0"/>
+        </a:xfrm>
+      </p:grpSpPr>
+      <p:sp>
+        <p:nvSpPr>
+          <p:cNvPr id="2" name="Title 1">
+            <a:extLst>
+              <a:ext uri="{FF2B5EF4-FFF2-40B4-BE49-F238E27FC236}">
+                <a16:creationId xmlns:a16="http://schemas.microsoft.com/office/drawing/2014/main" id="{6A1669E2-5AD9-419F-998E-BC7D1617B74B}"/>
+              </a:ext>
+            </a:extLst>
+          </p:cNvPr>
+          <p:cNvSpPr>
+            <a:spLocks noGrp="1"/>
+          </p:cNvSpPr>
+          <p:nvPr>
+            <p:ph type="title"/>
+          </p:nvPr>
+        </p:nvSpPr>
+        <p:spPr/>
+        <p:txBody>
+          <a:bodyPr/>
+          <a:lstStyle/>
+          <a:p>
+            <a:r>
+              <a:rPr lang="en-US" dirty="0"/>
+              <a:t>Implementing Drillthrough</a:t>
+            </a:r>
+          </a:p>
+        </p:txBody>
+      </p:sp>
+    </p:spTree>
+    <p:extLst>
+      <p:ext uri="{BB962C8B-B14F-4D97-AF65-F5344CB8AC3E}">
+        <p14:creationId xmlns:p14="http://schemas.microsoft.com/office/powerpoint/2010/main" val="2550039134"/>
+      </p:ext>
+    </p:extLst>
+  </p:cSld>
+  <p:clrMapOvr>
+    <a:masterClrMapping/>
+  </p:clrMapOvr>
+</p:sld>
+</file>
+
+<file path=ppt/slides/slide26.xml><?xml version="1.0" encoding="utf-8"?>
 <p:sld xmlns:a="http://schemas.openxmlformats.org/drawingml/2006/main" xmlns:r="http://schemas.openxmlformats.org/officeDocument/2006/relationships" xmlns:p="http://schemas.openxmlformats.org/presentationml/2006/main">
   <p:cSld>
     <p:spTree>
@@ -4596,7 +7048,7 @@
           <a:p>
             <a:r>
               <a:rPr lang="en-US" dirty="0"/>
-              <a:t>Agenda</a:t>
+              <a:t>Summary</a:t>
             </a:r>
           </a:p>
         </p:txBody>
@@ -4650,7 +7102,7 @@
           <a:p>
             <a:pPr>
               <a:buFont typeface="Wingdings" panose="05000000000000000000" pitchFamily="2" charset="2"/>
-              <a:buChar char="Ø"/>
+              <a:buChar char="ü"/>
             </a:pPr>
             <a:r>
               <a:rPr lang="en-US" dirty="0"/>
@@ -4658,6 +7110,10 @@
             </a:r>
           </a:p>
           <a:p>
+            <a:pPr>
+              <a:buFont typeface="Wingdings" panose="05000000000000000000" pitchFamily="2" charset="2"/>
+              <a:buChar char="ü"/>
+            </a:pPr>
             <a:r>
               <a:rPr lang="en-US" dirty="0"/>
               <a:t>Implementing Drillthrough</a:t>
@@ -4668,7 +7124,7 @@
     </p:spTree>
     <p:extLst>
       <p:ext uri="{BB962C8B-B14F-4D97-AF65-F5344CB8AC3E}">
-        <p14:creationId xmlns:p14="http://schemas.microsoft.com/office/powerpoint/2010/main" val="44431968"/>
+        <p14:creationId xmlns:p14="http://schemas.microsoft.com/office/powerpoint/2010/main" val="873083976"/>
       </p:ext>
     </p:extLst>
   </p:cSld>
@@ -4678,7 +7134,977 @@
 </p:sld>
 </file>
 
-<file path=ppt/slides/slide22.xml><?xml version="1.0" encoding="utf-8"?>
+<file path=ppt/slides/slide27.xml><?xml version="1.0" encoding="utf-8"?>
+<p:sld xmlns:a="http://schemas.openxmlformats.org/drawingml/2006/main" xmlns:r="http://schemas.openxmlformats.org/officeDocument/2006/relationships" xmlns:p="http://schemas.openxmlformats.org/presentationml/2006/main">
+  <p:cSld>
+    <p:spTree>
+      <p:nvGrpSpPr>
+        <p:cNvPr id="1" name=""/>
+        <p:cNvGrpSpPr/>
+        <p:nvPr/>
+      </p:nvGrpSpPr>
+      <p:grpSpPr>
+        <a:xfrm>
+          <a:off x="0" y="0"/>
+          <a:ext cx="0" cy="0"/>
+          <a:chOff x="0" y="0"/>
+          <a:chExt cx="0" cy="0"/>
+        </a:xfrm>
+      </p:grpSpPr>
+      <p:sp>
+        <p:nvSpPr>
+          <p:cNvPr id="2" name="Title 1"/>
+          <p:cNvSpPr>
+            <a:spLocks noGrp="1"/>
+          </p:cNvSpPr>
+          <p:nvPr>
+            <p:ph type="title"/>
+          </p:nvPr>
+        </p:nvSpPr>
+        <p:spPr>
+          <a:xfrm>
+            <a:off x="947651" y="76200"/>
+            <a:ext cx="7815349" cy="838200"/>
+          </a:xfrm>
+        </p:spPr>
+        <p:txBody>
+          <a:bodyPr/>
+          <a:lstStyle/>
+          <a:p>
+            <a:r>
+              <a:rPr lang="en-US" sz="3200" dirty="0"/>
+              <a:t>Critical Path Training</a:t>
+            </a:r>
+            <a:br>
+              <a:rPr lang="en-US" sz="3200" dirty="0"/>
+            </a:br>
+            <a:r>
+              <a:rPr lang="en-US" sz="1600" dirty="0">
+                <a:solidFill>
+                  <a:schemeClr val="accent2">
+                    <a:lumMod val="20000"/>
+                    <a:lumOff val="80000"/>
+                  </a:schemeClr>
+                </a:solidFill>
+              </a:rPr>
+              <a:t>https://www.CriticalPathTrainig.com </a:t>
+            </a:r>
+            <a:endParaRPr lang="en-US" sz="3200" dirty="0">
+              <a:solidFill>
+                <a:schemeClr val="accent2">
+                  <a:lumMod val="20000"/>
+                  <a:lumOff val="80000"/>
+                </a:schemeClr>
+              </a:solidFill>
+            </a:endParaRPr>
+          </a:p>
+        </p:txBody>
+      </p:sp>
+      <p:sp>
+        <p:nvSpPr>
+          <p:cNvPr id="3" name="Content Placeholder 2"/>
+          <p:cNvSpPr>
+            <a:spLocks noGrp="1"/>
+          </p:cNvSpPr>
+          <p:nvPr>
+            <p:ph idx="1"/>
+          </p:nvPr>
+        </p:nvSpPr>
+        <p:spPr/>
+        <p:txBody>
+          <a:bodyPr>
+            <a:normAutofit fontScale="85000" lnSpcReduction="10000"/>
+          </a:bodyPr>
+          <a:lstStyle/>
+          <a:p>
+            <a:pPr>
+              <a:lnSpc>
+                <a:spcPct val="110000"/>
+              </a:lnSpc>
+            </a:pPr>
+            <a:r>
+              <a:rPr lang="en-US" b="1" dirty="0">
+                <a:solidFill>
+                  <a:srgbClr val="002060"/>
+                </a:solidFill>
+              </a:rPr>
+              <a:t>PBI365: Power BI Certification Bootcamp </a:t>
+            </a:r>
+            <a:r>
+              <a:rPr lang="en-US" dirty="0">
+                <a:solidFill>
+                  <a:schemeClr val="tx2"/>
+                </a:solidFill>
+              </a:rPr>
+              <a:t>– 4 Days</a:t>
+            </a:r>
+          </a:p>
+          <a:p>
+            <a:pPr lvl="1">
+              <a:lnSpc>
+                <a:spcPct val="110000"/>
+              </a:lnSpc>
+            </a:pPr>
+            <a:r>
+              <a:rPr lang="en-US" dirty="0"/>
+              <a:t>Audience is Business Users, Analysts and Data Professionals</a:t>
+            </a:r>
+          </a:p>
+          <a:p>
+            <a:pPr lvl="1">
+              <a:lnSpc>
+                <a:spcPct val="110000"/>
+              </a:lnSpc>
+            </a:pPr>
+            <a:r>
+              <a:rPr lang="en-US" dirty="0"/>
+              <a:t>Provides hands-on introduction to the Power BI platform</a:t>
+            </a:r>
+          </a:p>
+          <a:p>
+            <a:pPr lvl="1">
+              <a:lnSpc>
+                <a:spcPct val="110000"/>
+              </a:lnSpc>
+            </a:pPr>
+            <a:r>
+              <a:rPr lang="en-US" dirty="0"/>
+              <a:t>Focuses on build solutions using Power BI Desktop</a:t>
+            </a:r>
+          </a:p>
+          <a:p>
+            <a:pPr lvl="1">
+              <a:lnSpc>
+                <a:spcPct val="110000"/>
+              </a:lnSpc>
+            </a:pPr>
+            <a:r>
+              <a:rPr lang="en-US" dirty="0"/>
+              <a:t>Query design, data modeling and report and dashboard design</a:t>
+            </a:r>
+          </a:p>
+          <a:p>
+            <a:pPr lvl="1">
+              <a:lnSpc>
+                <a:spcPct val="110000"/>
+              </a:lnSpc>
+            </a:pPr>
+            <a:r>
+              <a:rPr lang="en-US" dirty="0"/>
+              <a:t>Apps and App Workspaces</a:t>
+            </a:r>
+          </a:p>
+          <a:p>
+            <a:pPr lvl="1">
+              <a:lnSpc>
+                <a:spcPct val="110000"/>
+              </a:lnSpc>
+            </a:pPr>
+            <a:r>
+              <a:rPr lang="en-US" dirty="0"/>
+              <a:t>Learn about “import” vs “connect to” with Excel workbooks</a:t>
+            </a:r>
+          </a:p>
+          <a:p>
+            <a:pPr>
+              <a:lnSpc>
+                <a:spcPct val="110000"/>
+              </a:lnSpc>
+            </a:pPr>
+            <a:r>
+              <a:rPr lang="en-US" b="1" dirty="0">
+                <a:solidFill>
+                  <a:srgbClr val="002060"/>
+                </a:solidFill>
+              </a:rPr>
+              <a:t>PBD365: Power BI Developer Bootcamp </a:t>
+            </a:r>
+            <a:r>
+              <a:rPr lang="en-US" dirty="0">
+                <a:solidFill>
+                  <a:schemeClr val="tx2"/>
+                </a:solidFill>
+              </a:rPr>
+              <a:t>– 4 Days</a:t>
+            </a:r>
+          </a:p>
+          <a:p>
+            <a:pPr lvl="1">
+              <a:lnSpc>
+                <a:spcPct val="110000"/>
+              </a:lnSpc>
+            </a:pPr>
+            <a:r>
+              <a:rPr lang="en-US" dirty="0"/>
+              <a:t>Audience is Professional Developers</a:t>
+            </a:r>
+          </a:p>
+          <a:p>
+            <a:pPr lvl="1">
+              <a:lnSpc>
+                <a:spcPct val="110000"/>
+              </a:lnSpc>
+            </a:pPr>
+            <a:r>
+              <a:rPr lang="en-US" dirty="0"/>
+              <a:t>Teaches developing custom visuals with TypeScript and D3</a:t>
+            </a:r>
+          </a:p>
+          <a:p>
+            <a:pPr lvl="1">
+              <a:lnSpc>
+                <a:spcPct val="110000"/>
+              </a:lnSpc>
+            </a:pPr>
+            <a:r>
+              <a:rPr lang="en-US" dirty="0"/>
+              <a:t>Teaches R programming and integrating R with Power BI</a:t>
+            </a:r>
+          </a:p>
+          <a:p>
+            <a:pPr lvl="1">
+              <a:lnSpc>
+                <a:spcPct val="110000"/>
+              </a:lnSpc>
+            </a:pPr>
+            <a:r>
+              <a:rPr lang="en-US" dirty="0"/>
+              <a:t>Teaches programming with the Power BI APIs</a:t>
+            </a:r>
+          </a:p>
+          <a:p>
+            <a:pPr lvl="1">
+              <a:lnSpc>
+                <a:spcPct val="110000"/>
+              </a:lnSpc>
+            </a:pPr>
+            <a:r>
+              <a:rPr lang="en-US" dirty="0"/>
+              <a:t>Teaches developing with Power BI Embedded</a:t>
+            </a:r>
+          </a:p>
+        </p:txBody>
+      </p:sp>
+      <p:pic>
+        <p:nvPicPr>
+          <p:cNvPr id="6" name="Picture 5"/>
+          <p:cNvPicPr>
+            <a:picLocks noChangeAspect="1"/>
+          </p:cNvPicPr>
+          <p:nvPr/>
+        </p:nvPicPr>
+        <p:blipFill>
+          <a:blip r:embed="rId2">
+            <a:extLst>
+              <a:ext uri="{28A0092B-C50C-407E-A947-70E740481C1C}">
+                <a14:useLocalDpi xmlns:a14="http://schemas.microsoft.com/office/drawing/2010/main" val="0"/>
+              </a:ext>
+            </a:extLst>
+          </a:blip>
+          <a:stretch>
+            <a:fillRect/>
+          </a:stretch>
+        </p:blipFill>
+        <p:spPr>
+          <a:xfrm>
+            <a:off x="237973" y="152237"/>
+            <a:ext cx="626389" cy="626389"/>
+          </a:xfrm>
+          <a:prstGeom prst="rect">
+            <a:avLst/>
+          </a:prstGeom>
+        </p:spPr>
+      </p:pic>
+    </p:spTree>
+    <p:extLst>
+      <p:ext uri="{BB962C8B-B14F-4D97-AF65-F5344CB8AC3E}">
+        <p14:creationId xmlns:p14="http://schemas.microsoft.com/office/powerpoint/2010/main" val="2521154058"/>
+      </p:ext>
+    </p:extLst>
+  </p:cSld>
+  <p:clrMapOvr>
+    <a:masterClrMapping/>
+  </p:clrMapOvr>
+  <p:timing>
+    <p:tnLst>
+      <p:par>
+        <p:cTn id="1" dur="indefinite" restart="never" nodeType="tmRoot">
+          <p:childTnLst>
+            <p:seq concurrent="1" nextAc="seek">
+              <p:cTn id="2" dur="indefinite" nodeType="mainSeq">
+                <p:childTnLst>
+                  <p:par>
+                    <p:cTn id="3" fill="hold">
+                      <p:stCondLst>
+                        <p:cond delay="indefinite"/>
+                      </p:stCondLst>
+                      <p:childTnLst>
+                        <p:par>
+                          <p:cTn id="4" fill="hold">
+                            <p:stCondLst>
+                              <p:cond delay="0"/>
+                            </p:stCondLst>
+                            <p:childTnLst>
+                              <p:par>
+                                <p:cTn id="5" presetID="1" presetClass="entr" presetSubtype="0" fill="hold" nodeType="clickEffect">
+                                  <p:stCondLst>
+                                    <p:cond delay="0"/>
+                                  </p:stCondLst>
+                                  <p:childTnLst>
+                                    <p:set>
+                                      <p:cBhvr>
+                                        <p:cTn id="6" dur="1" fill="hold">
+                                          <p:stCondLst>
+                                            <p:cond delay="0"/>
+                                          </p:stCondLst>
+                                        </p:cTn>
+                                        <p:tgtEl>
+                                          <p:spTgt spid="3">
+                                            <p:txEl>
+                                              <p:pRg st="0" end="0"/>
+                                            </p:txEl>
+                                          </p:spTgt>
+                                        </p:tgtEl>
+                                        <p:attrNameLst>
+                                          <p:attrName>style.visibility</p:attrName>
+                                        </p:attrNameLst>
+                                      </p:cBhvr>
+                                      <p:to>
+                                        <p:strVal val="visible"/>
+                                      </p:to>
+                                    </p:set>
+                                  </p:childTnLst>
+                                </p:cTn>
+                              </p:par>
+                              <p:par>
+                                <p:cTn id="7" presetID="1" presetClass="entr" presetSubtype="0" fill="hold" nodeType="withEffect">
+                                  <p:stCondLst>
+                                    <p:cond delay="0"/>
+                                  </p:stCondLst>
+                                  <p:childTnLst>
+                                    <p:set>
+                                      <p:cBhvr>
+                                        <p:cTn id="8" dur="1" fill="hold">
+                                          <p:stCondLst>
+                                            <p:cond delay="0"/>
+                                          </p:stCondLst>
+                                        </p:cTn>
+                                        <p:tgtEl>
+                                          <p:spTgt spid="3">
+                                            <p:txEl>
+                                              <p:pRg st="1" end="1"/>
+                                            </p:txEl>
+                                          </p:spTgt>
+                                        </p:tgtEl>
+                                        <p:attrNameLst>
+                                          <p:attrName>style.visibility</p:attrName>
+                                        </p:attrNameLst>
+                                      </p:cBhvr>
+                                      <p:to>
+                                        <p:strVal val="visible"/>
+                                      </p:to>
+                                    </p:set>
+                                  </p:childTnLst>
+                                </p:cTn>
+                              </p:par>
+                              <p:par>
+                                <p:cTn id="9" presetID="1" presetClass="entr" presetSubtype="0" fill="hold" nodeType="withEffect">
+                                  <p:stCondLst>
+                                    <p:cond delay="0"/>
+                                  </p:stCondLst>
+                                  <p:childTnLst>
+                                    <p:set>
+                                      <p:cBhvr>
+                                        <p:cTn id="10" dur="1" fill="hold">
+                                          <p:stCondLst>
+                                            <p:cond delay="0"/>
+                                          </p:stCondLst>
+                                        </p:cTn>
+                                        <p:tgtEl>
+                                          <p:spTgt spid="3">
+                                            <p:txEl>
+                                              <p:pRg st="2" end="2"/>
+                                            </p:txEl>
+                                          </p:spTgt>
+                                        </p:tgtEl>
+                                        <p:attrNameLst>
+                                          <p:attrName>style.visibility</p:attrName>
+                                        </p:attrNameLst>
+                                      </p:cBhvr>
+                                      <p:to>
+                                        <p:strVal val="visible"/>
+                                      </p:to>
+                                    </p:set>
+                                  </p:childTnLst>
+                                </p:cTn>
+                              </p:par>
+                              <p:par>
+                                <p:cTn id="11" presetID="1" presetClass="entr" presetSubtype="0" fill="hold" nodeType="withEffect">
+                                  <p:stCondLst>
+                                    <p:cond delay="0"/>
+                                  </p:stCondLst>
+                                  <p:childTnLst>
+                                    <p:set>
+                                      <p:cBhvr>
+                                        <p:cTn id="12" dur="1" fill="hold">
+                                          <p:stCondLst>
+                                            <p:cond delay="0"/>
+                                          </p:stCondLst>
+                                        </p:cTn>
+                                        <p:tgtEl>
+                                          <p:spTgt spid="3">
+                                            <p:txEl>
+                                              <p:pRg st="3" end="3"/>
+                                            </p:txEl>
+                                          </p:spTgt>
+                                        </p:tgtEl>
+                                        <p:attrNameLst>
+                                          <p:attrName>style.visibility</p:attrName>
+                                        </p:attrNameLst>
+                                      </p:cBhvr>
+                                      <p:to>
+                                        <p:strVal val="visible"/>
+                                      </p:to>
+                                    </p:set>
+                                  </p:childTnLst>
+                                </p:cTn>
+                              </p:par>
+                              <p:par>
+                                <p:cTn id="13" presetID="1" presetClass="entr" presetSubtype="0" fill="hold" nodeType="withEffect">
+                                  <p:stCondLst>
+                                    <p:cond delay="0"/>
+                                  </p:stCondLst>
+                                  <p:childTnLst>
+                                    <p:set>
+                                      <p:cBhvr>
+                                        <p:cTn id="14" dur="1" fill="hold">
+                                          <p:stCondLst>
+                                            <p:cond delay="0"/>
+                                          </p:stCondLst>
+                                        </p:cTn>
+                                        <p:tgtEl>
+                                          <p:spTgt spid="3">
+                                            <p:txEl>
+                                              <p:pRg st="4" end="4"/>
+                                            </p:txEl>
+                                          </p:spTgt>
+                                        </p:tgtEl>
+                                        <p:attrNameLst>
+                                          <p:attrName>style.visibility</p:attrName>
+                                        </p:attrNameLst>
+                                      </p:cBhvr>
+                                      <p:to>
+                                        <p:strVal val="visible"/>
+                                      </p:to>
+                                    </p:set>
+                                  </p:childTnLst>
+                                </p:cTn>
+                              </p:par>
+                              <p:par>
+                                <p:cTn id="15" presetID="1" presetClass="entr" presetSubtype="0" fill="hold" nodeType="withEffect">
+                                  <p:stCondLst>
+                                    <p:cond delay="0"/>
+                                  </p:stCondLst>
+                                  <p:childTnLst>
+                                    <p:set>
+                                      <p:cBhvr>
+                                        <p:cTn id="16" dur="1" fill="hold">
+                                          <p:stCondLst>
+                                            <p:cond delay="0"/>
+                                          </p:stCondLst>
+                                        </p:cTn>
+                                        <p:tgtEl>
+                                          <p:spTgt spid="3">
+                                            <p:txEl>
+                                              <p:pRg st="5" end="5"/>
+                                            </p:txEl>
+                                          </p:spTgt>
+                                        </p:tgtEl>
+                                        <p:attrNameLst>
+                                          <p:attrName>style.visibility</p:attrName>
+                                        </p:attrNameLst>
+                                      </p:cBhvr>
+                                      <p:to>
+                                        <p:strVal val="visible"/>
+                                      </p:to>
+                                    </p:set>
+                                  </p:childTnLst>
+                                </p:cTn>
+                              </p:par>
+                              <p:par>
+                                <p:cTn id="17" presetID="1" presetClass="entr" presetSubtype="0" fill="hold" nodeType="withEffect">
+                                  <p:stCondLst>
+                                    <p:cond delay="0"/>
+                                  </p:stCondLst>
+                                  <p:childTnLst>
+                                    <p:set>
+                                      <p:cBhvr>
+                                        <p:cTn id="18" dur="1" fill="hold">
+                                          <p:stCondLst>
+                                            <p:cond delay="0"/>
+                                          </p:stCondLst>
+                                        </p:cTn>
+                                        <p:tgtEl>
+                                          <p:spTgt spid="3">
+                                            <p:txEl>
+                                              <p:pRg st="6" end="6"/>
+                                            </p:txEl>
+                                          </p:spTgt>
+                                        </p:tgtEl>
+                                        <p:attrNameLst>
+                                          <p:attrName>style.visibility</p:attrName>
+                                        </p:attrNameLst>
+                                      </p:cBhvr>
+                                      <p:to>
+                                        <p:strVal val="visible"/>
+                                      </p:to>
+                                    </p:set>
+                                  </p:childTnLst>
+                                </p:cTn>
+                              </p:par>
+                            </p:childTnLst>
+                          </p:cTn>
+                        </p:par>
+                      </p:childTnLst>
+                    </p:cTn>
+                  </p:par>
+                  <p:par>
+                    <p:cTn id="19" fill="hold">
+                      <p:stCondLst>
+                        <p:cond delay="indefinite"/>
+                      </p:stCondLst>
+                      <p:childTnLst>
+                        <p:par>
+                          <p:cTn id="20" fill="hold">
+                            <p:stCondLst>
+                              <p:cond delay="0"/>
+                            </p:stCondLst>
+                            <p:childTnLst>
+                              <p:par>
+                                <p:cTn id="21" presetID="1" presetClass="entr" presetSubtype="0" fill="hold" nodeType="clickEffect">
+                                  <p:stCondLst>
+                                    <p:cond delay="0"/>
+                                  </p:stCondLst>
+                                  <p:childTnLst>
+                                    <p:set>
+                                      <p:cBhvr>
+                                        <p:cTn id="22" dur="1" fill="hold">
+                                          <p:stCondLst>
+                                            <p:cond delay="0"/>
+                                          </p:stCondLst>
+                                        </p:cTn>
+                                        <p:tgtEl>
+                                          <p:spTgt spid="3">
+                                            <p:txEl>
+                                              <p:pRg st="7" end="7"/>
+                                            </p:txEl>
+                                          </p:spTgt>
+                                        </p:tgtEl>
+                                        <p:attrNameLst>
+                                          <p:attrName>style.visibility</p:attrName>
+                                        </p:attrNameLst>
+                                      </p:cBhvr>
+                                      <p:to>
+                                        <p:strVal val="visible"/>
+                                      </p:to>
+                                    </p:set>
+                                  </p:childTnLst>
+                                </p:cTn>
+                              </p:par>
+                              <p:par>
+                                <p:cTn id="23" presetID="1" presetClass="entr" presetSubtype="0" fill="hold" nodeType="withEffect">
+                                  <p:stCondLst>
+                                    <p:cond delay="0"/>
+                                  </p:stCondLst>
+                                  <p:childTnLst>
+                                    <p:set>
+                                      <p:cBhvr>
+                                        <p:cTn id="24" dur="1" fill="hold">
+                                          <p:stCondLst>
+                                            <p:cond delay="0"/>
+                                          </p:stCondLst>
+                                        </p:cTn>
+                                        <p:tgtEl>
+                                          <p:spTgt spid="3">
+                                            <p:txEl>
+                                              <p:pRg st="8" end="8"/>
+                                            </p:txEl>
+                                          </p:spTgt>
+                                        </p:tgtEl>
+                                        <p:attrNameLst>
+                                          <p:attrName>style.visibility</p:attrName>
+                                        </p:attrNameLst>
+                                      </p:cBhvr>
+                                      <p:to>
+                                        <p:strVal val="visible"/>
+                                      </p:to>
+                                    </p:set>
+                                  </p:childTnLst>
+                                </p:cTn>
+                              </p:par>
+                              <p:par>
+                                <p:cTn id="25" presetID="1" presetClass="entr" presetSubtype="0" fill="hold" nodeType="withEffect">
+                                  <p:stCondLst>
+                                    <p:cond delay="0"/>
+                                  </p:stCondLst>
+                                  <p:childTnLst>
+                                    <p:set>
+                                      <p:cBhvr>
+                                        <p:cTn id="26" dur="1" fill="hold">
+                                          <p:stCondLst>
+                                            <p:cond delay="0"/>
+                                          </p:stCondLst>
+                                        </p:cTn>
+                                        <p:tgtEl>
+                                          <p:spTgt spid="3">
+                                            <p:txEl>
+                                              <p:pRg st="9" end="9"/>
+                                            </p:txEl>
+                                          </p:spTgt>
+                                        </p:tgtEl>
+                                        <p:attrNameLst>
+                                          <p:attrName>style.visibility</p:attrName>
+                                        </p:attrNameLst>
+                                      </p:cBhvr>
+                                      <p:to>
+                                        <p:strVal val="visible"/>
+                                      </p:to>
+                                    </p:set>
+                                  </p:childTnLst>
+                                </p:cTn>
+                              </p:par>
+                              <p:par>
+                                <p:cTn id="27" presetID="1" presetClass="entr" presetSubtype="0" fill="hold" nodeType="withEffect">
+                                  <p:stCondLst>
+                                    <p:cond delay="0"/>
+                                  </p:stCondLst>
+                                  <p:childTnLst>
+                                    <p:set>
+                                      <p:cBhvr>
+                                        <p:cTn id="28" dur="1" fill="hold">
+                                          <p:stCondLst>
+                                            <p:cond delay="0"/>
+                                          </p:stCondLst>
+                                        </p:cTn>
+                                        <p:tgtEl>
+                                          <p:spTgt spid="3">
+                                            <p:txEl>
+                                              <p:pRg st="10" end="10"/>
+                                            </p:txEl>
+                                          </p:spTgt>
+                                        </p:tgtEl>
+                                        <p:attrNameLst>
+                                          <p:attrName>style.visibility</p:attrName>
+                                        </p:attrNameLst>
+                                      </p:cBhvr>
+                                      <p:to>
+                                        <p:strVal val="visible"/>
+                                      </p:to>
+                                    </p:set>
+                                  </p:childTnLst>
+                                </p:cTn>
+                              </p:par>
+                              <p:par>
+                                <p:cTn id="29" presetID="1" presetClass="entr" presetSubtype="0" fill="hold" nodeType="withEffect">
+                                  <p:stCondLst>
+                                    <p:cond delay="0"/>
+                                  </p:stCondLst>
+                                  <p:childTnLst>
+                                    <p:set>
+                                      <p:cBhvr>
+                                        <p:cTn id="30" dur="1" fill="hold">
+                                          <p:stCondLst>
+                                            <p:cond delay="0"/>
+                                          </p:stCondLst>
+                                        </p:cTn>
+                                        <p:tgtEl>
+                                          <p:spTgt spid="3">
+                                            <p:txEl>
+                                              <p:pRg st="11" end="11"/>
+                                            </p:txEl>
+                                          </p:spTgt>
+                                        </p:tgtEl>
+                                        <p:attrNameLst>
+                                          <p:attrName>style.visibility</p:attrName>
+                                        </p:attrNameLst>
+                                      </p:cBhvr>
+                                      <p:to>
+                                        <p:strVal val="visible"/>
+                                      </p:to>
+                                    </p:set>
+                                  </p:childTnLst>
+                                </p:cTn>
+                              </p:par>
+                              <p:par>
+                                <p:cTn id="31" presetID="1" presetClass="entr" presetSubtype="0" fill="hold" nodeType="withEffect">
+                                  <p:stCondLst>
+                                    <p:cond delay="0"/>
+                                  </p:stCondLst>
+                                  <p:childTnLst>
+                                    <p:set>
+                                      <p:cBhvr>
+                                        <p:cTn id="32" dur="1" fill="hold">
+                                          <p:stCondLst>
+                                            <p:cond delay="0"/>
+                                          </p:stCondLst>
+                                        </p:cTn>
+                                        <p:tgtEl>
+                                          <p:spTgt spid="3">
+                                            <p:txEl>
+                                              <p:pRg st="12" end="12"/>
+                                            </p:txEl>
+                                          </p:spTgt>
+                                        </p:tgtEl>
+                                        <p:attrNameLst>
+                                          <p:attrName>style.visibility</p:attrName>
+                                        </p:attrNameLst>
+                                      </p:cBhvr>
+                                      <p:to>
+                                        <p:strVal val="visible"/>
+                                      </p:to>
+                                    </p:set>
+                                  </p:childTnLst>
+                                </p:cTn>
+                              </p:par>
+                            </p:childTnLst>
+                          </p:cTn>
+                        </p:par>
+                      </p:childTnLst>
+                    </p:cTn>
+                  </p:par>
+                </p:childTnLst>
+              </p:cTn>
+              <p:prevCondLst>
+                <p:cond evt="onPrev" delay="0">
+                  <p:tgtEl>
+                    <p:sldTgt/>
+                  </p:tgtEl>
+                </p:cond>
+              </p:prevCondLst>
+              <p:nextCondLst>
+                <p:cond evt="onNext" delay="0">
+                  <p:tgtEl>
+                    <p:sldTgt/>
+                  </p:tgtEl>
+                </p:cond>
+              </p:nextCondLst>
+            </p:seq>
+          </p:childTnLst>
+        </p:cTn>
+      </p:par>
+    </p:tnLst>
+  </p:timing>
+</p:sld>
+</file>
+
+<file path=ppt/slides/slide3.xml><?xml version="1.0" encoding="utf-8"?>
+<p:sld xmlns:a="http://schemas.openxmlformats.org/drawingml/2006/main" xmlns:r="http://schemas.openxmlformats.org/officeDocument/2006/relationships" xmlns:p="http://schemas.openxmlformats.org/presentationml/2006/main">
+  <p:cSld>
+    <p:spTree>
+      <p:nvGrpSpPr>
+        <p:cNvPr id="1" name=""/>
+        <p:cNvGrpSpPr/>
+        <p:nvPr/>
+      </p:nvGrpSpPr>
+      <p:grpSpPr>
+        <a:xfrm>
+          <a:off x="0" y="0"/>
+          <a:ext cx="0" cy="0"/>
+          <a:chOff x="0" y="0"/>
+          <a:chExt cx="0" cy="0"/>
+        </a:xfrm>
+      </p:grpSpPr>
+      <p:sp>
+        <p:nvSpPr>
+          <p:cNvPr id="2" name="Title 1"/>
+          <p:cNvSpPr>
+            <a:spLocks noGrp="1"/>
+          </p:cNvSpPr>
+          <p:nvPr>
+            <p:ph type="title"/>
+          </p:nvPr>
+        </p:nvSpPr>
+        <p:spPr>
+          <a:xfrm>
+            <a:off x="947651" y="76200"/>
+            <a:ext cx="7815349" cy="838200"/>
+          </a:xfrm>
+        </p:spPr>
+        <p:txBody>
+          <a:bodyPr/>
+          <a:lstStyle/>
+          <a:p>
+            <a:r>
+              <a:rPr lang="en-US" sz="3200" dirty="0"/>
+              <a:t>Critical Path Training</a:t>
+            </a:r>
+            <a:br>
+              <a:rPr lang="en-US" sz="3200" dirty="0"/>
+            </a:br>
+            <a:r>
+              <a:rPr lang="en-US" sz="1600" dirty="0">
+                <a:solidFill>
+                  <a:schemeClr val="accent2">
+                    <a:lumMod val="20000"/>
+                    <a:lumOff val="80000"/>
+                  </a:schemeClr>
+                </a:solidFill>
+              </a:rPr>
+              <a:t>https://www.CriticalPathTrainig.com </a:t>
+            </a:r>
+            <a:endParaRPr lang="en-US" sz="3200" dirty="0">
+              <a:solidFill>
+                <a:schemeClr val="accent2">
+                  <a:lumMod val="20000"/>
+                  <a:lumOff val="80000"/>
+                </a:schemeClr>
+              </a:solidFill>
+            </a:endParaRPr>
+          </a:p>
+        </p:txBody>
+      </p:sp>
+      <p:sp>
+        <p:nvSpPr>
+          <p:cNvPr id="3" name="Content Placeholder 2"/>
+          <p:cNvSpPr>
+            <a:spLocks noGrp="1"/>
+          </p:cNvSpPr>
+          <p:nvPr>
+            <p:ph idx="1"/>
+          </p:nvPr>
+        </p:nvSpPr>
+        <p:spPr/>
+        <p:txBody>
+          <a:bodyPr>
+            <a:normAutofit fontScale="85000" lnSpcReduction="10000"/>
+          </a:bodyPr>
+          <a:lstStyle/>
+          <a:p>
+            <a:pPr>
+              <a:lnSpc>
+                <a:spcPct val="110000"/>
+              </a:lnSpc>
+            </a:pPr>
+            <a:r>
+              <a:rPr lang="en-US" b="1" dirty="0">
+                <a:solidFill>
+                  <a:srgbClr val="002060"/>
+                </a:solidFill>
+              </a:rPr>
+              <a:t>PBI365: Power BI Certification Bootcamp </a:t>
+            </a:r>
+            <a:r>
+              <a:rPr lang="en-US" dirty="0">
+                <a:solidFill>
+                  <a:schemeClr val="tx2"/>
+                </a:solidFill>
+              </a:rPr>
+              <a:t>– 4 Days</a:t>
+            </a:r>
+          </a:p>
+          <a:p>
+            <a:pPr lvl="1">
+              <a:lnSpc>
+                <a:spcPct val="110000"/>
+              </a:lnSpc>
+            </a:pPr>
+            <a:r>
+              <a:rPr lang="en-US" dirty="0"/>
+              <a:t>Audience is Business Users, Analysts and Data Professionals</a:t>
+            </a:r>
+          </a:p>
+          <a:p>
+            <a:pPr>
+              <a:lnSpc>
+                <a:spcPct val="110000"/>
+              </a:lnSpc>
+            </a:pPr>
+            <a:endParaRPr lang="en-US" b="1" dirty="0">
+              <a:solidFill>
+                <a:srgbClr val="002060"/>
+              </a:solidFill>
+            </a:endParaRPr>
+          </a:p>
+          <a:p>
+            <a:pPr>
+              <a:lnSpc>
+                <a:spcPct val="110000"/>
+              </a:lnSpc>
+            </a:pPr>
+            <a:r>
+              <a:rPr lang="en-US" b="1" dirty="0">
+                <a:solidFill>
+                  <a:srgbClr val="002060"/>
+                </a:solidFill>
+              </a:rPr>
+              <a:t>PBD365: Power BI Developer Bootcamp </a:t>
+            </a:r>
+            <a:r>
+              <a:rPr lang="en-US" dirty="0">
+                <a:solidFill>
+                  <a:schemeClr val="tx2"/>
+                </a:solidFill>
+              </a:rPr>
+              <a:t>– 4 Days</a:t>
+            </a:r>
+          </a:p>
+          <a:p>
+            <a:pPr lvl="1">
+              <a:lnSpc>
+                <a:spcPct val="110000"/>
+              </a:lnSpc>
+            </a:pPr>
+            <a:r>
+              <a:rPr lang="en-US" dirty="0"/>
+              <a:t>Audience is Professional Developers</a:t>
+            </a:r>
+          </a:p>
+        </p:txBody>
+      </p:sp>
+      <p:pic>
+        <p:nvPicPr>
+          <p:cNvPr id="6" name="Picture 5"/>
+          <p:cNvPicPr>
+            <a:picLocks noChangeAspect="1"/>
+          </p:cNvPicPr>
+          <p:nvPr/>
+        </p:nvPicPr>
+        <p:blipFill>
+          <a:blip r:embed="rId2">
+            <a:extLst>
+              <a:ext uri="{28A0092B-C50C-407E-A947-70E740481C1C}">
+                <a14:useLocalDpi xmlns:a14="http://schemas.microsoft.com/office/drawing/2010/main" val="0"/>
+              </a:ext>
+            </a:extLst>
+          </a:blip>
+          <a:stretch>
+            <a:fillRect/>
+          </a:stretch>
+        </p:blipFill>
+        <p:spPr>
+          <a:xfrm>
+            <a:off x="237973" y="152237"/>
+            <a:ext cx="626389" cy="626389"/>
+          </a:xfrm>
+          <a:prstGeom prst="rect">
+            <a:avLst/>
+          </a:prstGeom>
+        </p:spPr>
+      </p:pic>
+    </p:spTree>
+    <p:extLst>
+      <p:ext uri="{BB962C8B-B14F-4D97-AF65-F5344CB8AC3E}">
+        <p14:creationId xmlns:p14="http://schemas.microsoft.com/office/powerpoint/2010/main" val="1403351258"/>
+      </p:ext>
+    </p:extLst>
+  </p:cSld>
+  <p:clrMapOvr>
+    <a:masterClrMapping/>
+  </p:clrMapOvr>
+</p:sld>
+</file>
+
+<file path=ppt/slides/slide4.xml><?xml version="1.0" encoding="utf-8"?>
 <p:sld xmlns:a="http://schemas.openxmlformats.org/drawingml/2006/main" xmlns:r="http://schemas.openxmlformats.org/officeDocument/2006/relationships" xmlns:p="http://schemas.openxmlformats.org/presentationml/2006/main">
   <p:cSld>
     <p:spTree>
@@ -4734,50 +8160,30 @@
           </a:bodyPr>
           <a:lstStyle/>
           <a:p>
-            <a:pPr>
-              <a:buFont typeface="Wingdings" panose="05000000000000000000" pitchFamily="2" charset="2"/>
-              <a:buChar char="ü"/>
-            </a:pPr>
             <a:r>
               <a:rPr lang="en-US" dirty="0"/>
               <a:t>New Features for Report Design</a:t>
             </a:r>
           </a:p>
           <a:p>
-            <a:pPr>
-              <a:buFont typeface="Wingdings" panose="05000000000000000000" pitchFamily="2" charset="2"/>
-              <a:buChar char="ü"/>
-            </a:pPr>
             <a:r>
               <a:rPr lang="en-US" dirty="0"/>
               <a:t>Creating Page Navigation Bookmarks</a:t>
             </a:r>
           </a:p>
           <a:p>
-            <a:pPr>
-              <a:buFont typeface="Wingdings" panose="05000000000000000000" pitchFamily="2" charset="2"/>
-              <a:buChar char="ü"/>
-            </a:pPr>
             <a:r>
               <a:rPr lang="en-US" dirty="0"/>
               <a:t>Using Bookmarks to Capture Data Settings</a:t>
             </a:r>
           </a:p>
           <a:p>
-            <a:pPr>
-              <a:buFont typeface="Wingdings" panose="05000000000000000000" pitchFamily="2" charset="2"/>
-              <a:buChar char="ü"/>
-            </a:pPr>
             <a:r>
               <a:rPr lang="en-US" dirty="0"/>
               <a:t>Using Bookmarks to Hide and Show Visuals</a:t>
             </a:r>
           </a:p>
           <a:p>
-            <a:pPr>
-              <a:buFont typeface="Wingdings" panose="05000000000000000000" pitchFamily="2" charset="2"/>
-              <a:buChar char="Ø"/>
-            </a:pPr>
             <a:r>
               <a:rPr lang="en-US" dirty="0"/>
               <a:t>Implementing Drillthrough</a:t>
@@ -4788,7 +8194,7 @@
     </p:spTree>
     <p:extLst>
       <p:ext uri="{BB962C8B-B14F-4D97-AF65-F5344CB8AC3E}">
-        <p14:creationId xmlns:p14="http://schemas.microsoft.com/office/powerpoint/2010/main" val="3038767662"/>
+        <p14:creationId xmlns:p14="http://schemas.microsoft.com/office/powerpoint/2010/main" val="1577676335"/>
       </p:ext>
     </p:extLst>
   </p:cSld>
@@ -4798,127 +8204,7 @@
 </p:sld>
 </file>
 
-<file path=ppt/slides/slide23.xml><?xml version="1.0" encoding="utf-8"?>
-<p:sld xmlns:a="http://schemas.openxmlformats.org/drawingml/2006/main" xmlns:r="http://schemas.openxmlformats.org/officeDocument/2006/relationships" xmlns:p="http://schemas.openxmlformats.org/presentationml/2006/main">
-  <p:cSld>
-    <p:spTree>
-      <p:nvGrpSpPr>
-        <p:cNvPr id="1" name=""/>
-        <p:cNvGrpSpPr/>
-        <p:nvPr/>
-      </p:nvGrpSpPr>
-      <p:grpSpPr>
-        <a:xfrm>
-          <a:off x="0" y="0"/>
-          <a:ext cx="0" cy="0"/>
-          <a:chOff x="0" y="0"/>
-          <a:chExt cx="0" cy="0"/>
-        </a:xfrm>
-      </p:grpSpPr>
-      <p:sp>
-        <p:nvSpPr>
-          <p:cNvPr id="2" name="Title 1"/>
-          <p:cNvSpPr>
-            <a:spLocks noGrp="1"/>
-          </p:cNvSpPr>
-          <p:nvPr>
-            <p:ph type="title"/>
-          </p:nvPr>
-        </p:nvSpPr>
-        <p:spPr/>
-        <p:txBody>
-          <a:bodyPr/>
-          <a:lstStyle/>
-          <a:p>
-            <a:r>
-              <a:rPr lang="en-US" dirty="0"/>
-              <a:t>Summary</a:t>
-            </a:r>
-          </a:p>
-        </p:txBody>
-      </p:sp>
-      <p:sp>
-        <p:nvSpPr>
-          <p:cNvPr id="3" name="Content Placeholder 2"/>
-          <p:cNvSpPr>
-            <a:spLocks noGrp="1"/>
-          </p:cNvSpPr>
-          <p:nvPr>
-            <p:ph idx="1"/>
-          </p:nvPr>
-        </p:nvSpPr>
-        <p:spPr/>
-        <p:txBody>
-          <a:bodyPr>
-            <a:normAutofit/>
-          </a:bodyPr>
-          <a:lstStyle/>
-          <a:p>
-            <a:pPr>
-              <a:buFont typeface="Wingdings" panose="05000000000000000000" pitchFamily="2" charset="2"/>
-              <a:buChar char="ü"/>
-            </a:pPr>
-            <a:r>
-              <a:rPr lang="en-US" dirty="0"/>
-              <a:t>New Features for Report Design</a:t>
-            </a:r>
-          </a:p>
-          <a:p>
-            <a:pPr>
-              <a:buFont typeface="Wingdings" panose="05000000000000000000" pitchFamily="2" charset="2"/>
-              <a:buChar char="ü"/>
-            </a:pPr>
-            <a:r>
-              <a:rPr lang="en-US" dirty="0"/>
-              <a:t>Creating Page Navigation Bookmarks</a:t>
-            </a:r>
-          </a:p>
-          <a:p>
-            <a:pPr>
-              <a:buFont typeface="Wingdings" panose="05000000000000000000" pitchFamily="2" charset="2"/>
-              <a:buChar char="ü"/>
-            </a:pPr>
-            <a:r>
-              <a:rPr lang="en-US" dirty="0"/>
-              <a:t>Using Bookmarks to Capture Data Settings</a:t>
-            </a:r>
-          </a:p>
-          <a:p>
-            <a:pPr>
-              <a:buFont typeface="Wingdings" panose="05000000000000000000" pitchFamily="2" charset="2"/>
-              <a:buChar char="ü"/>
-            </a:pPr>
-            <a:r>
-              <a:rPr lang="en-US" dirty="0"/>
-              <a:t>Using Bookmarks to Hide and Show Visuals</a:t>
-            </a:r>
-          </a:p>
-          <a:p>
-            <a:pPr>
-              <a:buFont typeface="Wingdings" panose="05000000000000000000" pitchFamily="2" charset="2"/>
-              <a:buChar char="ü"/>
-            </a:pPr>
-            <a:r>
-              <a:rPr lang="en-US" dirty="0"/>
-              <a:t>Implementing Drillthrough</a:t>
-            </a:r>
-          </a:p>
-        </p:txBody>
-      </p:sp>
-    </p:spTree>
-    <p:extLst>
-      <p:ext uri="{BB962C8B-B14F-4D97-AF65-F5344CB8AC3E}">
-        <p14:creationId xmlns:p14="http://schemas.microsoft.com/office/powerpoint/2010/main" val="873083976"/>
-      </p:ext>
-    </p:extLst>
-  </p:cSld>
-  <p:clrMapOvr>
-    <a:masterClrMapping/>
-  </p:clrMapOvr>
-</p:sld>
-</file>
-
-<file path=ppt/slides/slide3.xml><?xml version="1.0" encoding="utf-8"?>
+<file path=ppt/slides/slide5.xml><?xml version="1.0" encoding="utf-8"?>
 <p:sld xmlns:a="http://schemas.openxmlformats.org/drawingml/2006/main" xmlns:r="http://schemas.openxmlformats.org/officeDocument/2006/relationships" xmlns:p="http://schemas.openxmlformats.org/presentationml/2006/main">
   <p:cSld>
     <p:spTree>
@@ -5006,7 +8292,7 @@
 </p:sld>
 </file>
 
-<file path=ppt/slides/slide4.xml><?xml version="1.0" encoding="utf-8"?>
+<file path=ppt/slides/slide6.xml><?xml version="1.0" encoding="utf-8"?>
 <p:sld xmlns:a="http://schemas.openxmlformats.org/drawingml/2006/main" xmlns:r="http://schemas.openxmlformats.org/officeDocument/2006/relationships" xmlns:p="http://schemas.openxmlformats.org/presentationml/2006/main">
   <p:cSld>
     <p:spTree>
@@ -5075,7 +8361,13 @@
           <a:lstStyle/>
           <a:p>
             <a:r>
-              <a:rPr lang="en-US" sz="2400" dirty="0"/>
+              <a:rPr lang="en-US" sz="2400" dirty="0">
+                <a:solidFill>
+                  <a:schemeClr val="bg1">
+                    <a:lumMod val="50000"/>
+                  </a:schemeClr>
+                </a:solidFill>
+              </a:rPr>
               <a:t>Added in Sept 2017</a:t>
             </a:r>
           </a:p>
@@ -5088,7 +8380,13 @@
           </a:p>
           <a:p>
             <a:r>
-              <a:rPr lang="en-US" sz="2400" dirty="0"/>
+              <a:rPr lang="en-US" sz="2400" dirty="0">
+                <a:solidFill>
+                  <a:schemeClr val="bg1">
+                    <a:lumMod val="50000"/>
+                  </a:schemeClr>
+                </a:solidFill>
+              </a:rPr>
               <a:t>Added in October 2017</a:t>
             </a:r>
           </a:p>
@@ -5115,7 +8413,13 @@
           </a:p>
           <a:p>
             <a:r>
-              <a:rPr lang="en-US" sz="2400" dirty="0"/>
+              <a:rPr lang="en-US" sz="2400" dirty="0">
+                <a:solidFill>
+                  <a:schemeClr val="bg1">
+                    <a:lumMod val="50000"/>
+                  </a:schemeClr>
+                </a:solidFill>
+              </a:rPr>
               <a:t>Added in November 2017</a:t>
             </a:r>
           </a:p>
@@ -5128,7 +8432,13 @@
           </a:p>
           <a:p>
             <a:r>
-              <a:rPr lang="en-US" sz="2400" dirty="0"/>
+              <a:rPr lang="en-US" sz="2400" dirty="0">
+                <a:solidFill>
+                  <a:schemeClr val="bg1">
+                    <a:lumMod val="50000"/>
+                  </a:schemeClr>
+                </a:solidFill>
+              </a:rPr>
               <a:t>Added in December 2017</a:t>
             </a:r>
           </a:p>
@@ -5141,7 +8451,13 @@
           </a:p>
           <a:p>
             <a:r>
-              <a:rPr lang="en-US" sz="2400" dirty="0"/>
+              <a:rPr lang="en-US" sz="2400" dirty="0">
+                <a:solidFill>
+                  <a:schemeClr val="bg1">
+                    <a:lumMod val="50000"/>
+                  </a:schemeClr>
+                </a:solidFill>
+              </a:rPr>
               <a:t>Added in January 2018</a:t>
             </a:r>
           </a:p>
@@ -5585,7 +8901,7 @@
 </p:sld>
 </file>
 
-<file path=ppt/slides/slide5.xml><?xml version="1.0" encoding="utf-8"?>
+<file path=ppt/slides/slide7.xml><?xml version="1.0" encoding="utf-8"?>
 <p:sld xmlns:a="http://schemas.openxmlformats.org/drawingml/2006/main" xmlns:r="http://schemas.openxmlformats.org/officeDocument/2006/relationships" xmlns:p="http://schemas.openxmlformats.org/presentationml/2006/main">
   <p:cSld>
     <p:spTree>
@@ -5975,7 +9291,7 @@
 </p:sld>
 </file>
 
-<file path=ppt/slides/slide6.xml><?xml version="1.0" encoding="utf-8"?>
+<file path=ppt/slides/slide8.xml><?xml version="1.0" encoding="utf-8"?>
 <p:sld xmlns:a="http://schemas.openxmlformats.org/drawingml/2006/main" xmlns:r="http://schemas.openxmlformats.org/officeDocument/2006/relationships" xmlns:p="http://schemas.openxmlformats.org/presentationml/2006/main">
   <p:cSld>
     <p:spTree>
@@ -6022,10 +9338,10 @@
       </p:sp>
       <p:sp>
         <p:nvSpPr>
-          <p:cNvPr id="3" name="Content Placeholder 2">
+          <p:cNvPr id="5" name="Content Placeholder 4">
             <a:extLst>
               <a:ext uri="{FF2B5EF4-FFF2-40B4-BE49-F238E27FC236}">
-                <a16:creationId xmlns:a16="http://schemas.microsoft.com/office/drawing/2014/main" id="{8DD1C000-87FC-4B5B-B6C3-37550B546FA4}"/>
+                <a16:creationId xmlns:a16="http://schemas.microsoft.com/office/drawing/2014/main" id="{22048CE8-6F40-4EC4-AF7E-6776AA157C27}"/>
               </a:ext>
             </a:extLst>
           </p:cNvPr>
@@ -6041,10 +9357,58 @@
           <a:bodyPr/>
           <a:lstStyle/>
           <a:p>
-            <a:endParaRPr lang="en-US"/>
+            <a:r>
+              <a:rPr lang="en-US" dirty="0"/>
+              <a:t>Prevents accident movement of report objects</a:t>
+            </a:r>
+          </a:p>
+          <a:p>
+            <a:pPr lvl="1"/>
+            <a:r>
+              <a:rPr lang="en-US" dirty="0"/>
+              <a:t>Locks Objects setting is not saved at project level</a:t>
+            </a:r>
           </a:p>
         </p:txBody>
       </p:sp>
+      <p:pic>
+        <p:nvPicPr>
+          <p:cNvPr id="4" name="Picture 3">
+            <a:extLst>
+              <a:ext uri="{FF2B5EF4-FFF2-40B4-BE49-F238E27FC236}">
+                <a16:creationId xmlns:a16="http://schemas.microsoft.com/office/drawing/2014/main" id="{281C26FA-8F48-49D3-A726-94B2A2782B06}"/>
+              </a:ext>
+            </a:extLst>
+          </p:cNvPr>
+          <p:cNvPicPr>
+            <a:picLocks noChangeAspect="1"/>
+          </p:cNvPicPr>
+          <p:nvPr/>
+        </p:nvPicPr>
+        <p:blipFill>
+          <a:blip r:embed="rId2"/>
+          <a:stretch>
+            <a:fillRect/>
+          </a:stretch>
+        </p:blipFill>
+        <p:spPr>
+          <a:xfrm>
+            <a:off x="1219200" y="2514600"/>
+            <a:ext cx="6172200" cy="3994186"/>
+          </a:xfrm>
+          <a:prstGeom prst="rect">
+            <a:avLst/>
+          </a:prstGeom>
+          <a:ln>
+            <a:solidFill>
+              <a:schemeClr val="tx1">
+                <a:lumMod val="50000"/>
+                <a:lumOff val="50000"/>
+              </a:schemeClr>
+            </a:solidFill>
+          </a:ln>
+        </p:spPr>
+      </p:pic>
     </p:spTree>
     <p:extLst>
       <p:ext uri="{BB962C8B-B14F-4D97-AF65-F5344CB8AC3E}">
@@ -6058,7 +9422,7 @@
 </p:sld>
 </file>
 
-<file path=ppt/slides/slide7.xml><?xml version="1.0" encoding="utf-8"?>
+<file path=ppt/slides/slide9.xml><?xml version="1.0" encoding="utf-8"?>
 <p:sld xmlns:a="http://schemas.openxmlformats.org/drawingml/2006/main" xmlns:r="http://schemas.openxmlformats.org/officeDocument/2006/relationships" xmlns:p="http://schemas.openxmlformats.org/presentationml/2006/main">
   <p:cSld>
     <p:spTree>
@@ -6097,9 +9461,10 @@
           <a:lstStyle/>
           <a:p>
             <a:r>
-              <a:rPr lang="en-US" dirty="0"/>
-              <a:t>Field Pane</a:t>
-            </a:r>
+              <a:rPr lang="en-US"/>
+              <a:t>Field Proprties Pane</a:t>
+            </a:r>
+            <a:endParaRPr lang="en-US" dirty="0"/>
           </a:p>
         </p:txBody>
       </p:sp>
@@ -6121,13 +9486,159 @@
         </p:nvSpPr>
         <p:spPr/>
         <p:txBody>
-          <a:bodyPr/>
+          <a:bodyPr>
+            <a:normAutofit/>
+          </a:bodyPr>
           <a:lstStyle/>
           <a:p>
-            <a:endParaRPr lang="en-US"/>
+            <a:r>
+              <a:rPr lang="en-US" sz="2000" dirty="0"/>
+              <a:t>Allows data model author to add field description</a:t>
+            </a:r>
+          </a:p>
+          <a:p>
+            <a:endParaRPr lang="en-US" sz="2000" dirty="0"/>
+          </a:p>
+          <a:p>
+            <a:endParaRPr lang="en-US" sz="2000" dirty="0"/>
+          </a:p>
+          <a:p>
+            <a:endParaRPr lang="en-US" sz="2000" dirty="0"/>
+          </a:p>
+          <a:p>
+            <a:pPr lvl="1"/>
+            <a:endParaRPr lang="en-US" sz="1600" dirty="0"/>
+          </a:p>
+          <a:p>
+            <a:pPr lvl="1"/>
+            <a:endParaRPr lang="en-US" sz="1600" dirty="0"/>
+          </a:p>
+          <a:p>
+            <a:pPr lvl="1"/>
+            <a:endParaRPr lang="en-US" sz="1600" dirty="0"/>
+          </a:p>
+          <a:p>
+            <a:r>
+              <a:rPr lang="en-US" sz="2000" dirty="0"/>
+              <a:t>Data model consumer can see description as tooltip in fields list</a:t>
+            </a:r>
           </a:p>
         </p:txBody>
       </p:sp>
+      <p:pic>
+        <p:nvPicPr>
+          <p:cNvPr id="4" name="Picture 3">
+            <a:extLst>
+              <a:ext uri="{FF2B5EF4-FFF2-40B4-BE49-F238E27FC236}">
+                <a16:creationId xmlns:a16="http://schemas.microsoft.com/office/drawing/2014/main" id="{DE94EA54-390E-4806-8310-67328B3BE1EC}"/>
+              </a:ext>
+            </a:extLst>
+          </p:cNvPr>
+          <p:cNvPicPr>
+            <a:picLocks noChangeAspect="1"/>
+          </p:cNvPicPr>
+          <p:nvPr/>
+        </p:nvPicPr>
+        <p:blipFill>
+          <a:blip r:embed="rId2"/>
+          <a:stretch>
+            <a:fillRect/>
+          </a:stretch>
+        </p:blipFill>
+        <p:spPr>
+          <a:xfrm>
+            <a:off x="833270" y="1918600"/>
+            <a:ext cx="3151284" cy="1314981"/>
+          </a:xfrm>
+          <a:prstGeom prst="rect">
+            <a:avLst/>
+          </a:prstGeom>
+          <a:ln>
+            <a:solidFill>
+              <a:schemeClr val="tx1">
+                <a:lumMod val="50000"/>
+                <a:lumOff val="50000"/>
+              </a:schemeClr>
+            </a:solidFill>
+          </a:ln>
+        </p:spPr>
+      </p:pic>
+      <p:pic>
+        <p:nvPicPr>
+          <p:cNvPr id="7" name="Picture 6">
+            <a:extLst>
+              <a:ext uri="{FF2B5EF4-FFF2-40B4-BE49-F238E27FC236}">
+                <a16:creationId xmlns:a16="http://schemas.microsoft.com/office/drawing/2014/main" id="{AF4B9C96-2D2D-430E-8302-7BC6A557C41B}"/>
+              </a:ext>
+            </a:extLst>
+          </p:cNvPr>
+          <p:cNvPicPr>
+            <a:picLocks noChangeAspect="1"/>
+          </p:cNvPicPr>
+          <p:nvPr/>
+        </p:nvPicPr>
+        <p:blipFill>
+          <a:blip r:embed="rId3"/>
+          <a:stretch>
+            <a:fillRect/>
+          </a:stretch>
+        </p:blipFill>
+        <p:spPr>
+          <a:xfrm>
+            <a:off x="4374407" y="1918600"/>
+            <a:ext cx="3178787" cy="1967110"/>
+          </a:xfrm>
+          <a:prstGeom prst="rect">
+            <a:avLst/>
+          </a:prstGeom>
+          <a:ln>
+            <a:solidFill>
+              <a:schemeClr val="tx1">
+                <a:lumMod val="50000"/>
+                <a:lumOff val="50000"/>
+              </a:schemeClr>
+            </a:solidFill>
+          </a:ln>
+        </p:spPr>
+      </p:pic>
+      <p:pic>
+        <p:nvPicPr>
+          <p:cNvPr id="8" name="Picture 7">
+            <a:extLst>
+              <a:ext uri="{FF2B5EF4-FFF2-40B4-BE49-F238E27FC236}">
+                <a16:creationId xmlns:a16="http://schemas.microsoft.com/office/drawing/2014/main" id="{82DB24C9-9296-4443-A94C-64F09166D06F}"/>
+              </a:ext>
+            </a:extLst>
+          </p:cNvPr>
+          <p:cNvPicPr>
+            <a:picLocks noChangeAspect="1"/>
+          </p:cNvPicPr>
+          <p:nvPr/>
+        </p:nvPicPr>
+        <p:blipFill>
+          <a:blip r:embed="rId4"/>
+          <a:stretch>
+            <a:fillRect/>
+          </a:stretch>
+        </p:blipFill>
+        <p:spPr>
+          <a:xfrm>
+            <a:off x="833270" y="4495800"/>
+            <a:ext cx="3283867" cy="2006372"/>
+          </a:xfrm>
+          <a:prstGeom prst="rect">
+            <a:avLst/>
+          </a:prstGeom>
+          <a:ln>
+            <a:solidFill>
+              <a:schemeClr val="tx1">
+                <a:lumMod val="50000"/>
+                <a:lumOff val="50000"/>
+              </a:schemeClr>
+            </a:solidFill>
+          </a:ln>
+        </p:spPr>
+      </p:pic>
     </p:spTree>
     <p:extLst>
       <p:ext uri="{BB962C8B-B14F-4D97-AF65-F5344CB8AC3E}">
@@ -6138,172 +9649,157 @@
   <p:clrMapOvr>
     <a:masterClrMapping/>
   </p:clrMapOvr>
-</p:sld>
-</file>
-
-<file path=ppt/slides/slide8.xml><?xml version="1.0" encoding="utf-8"?>
-<p:sld xmlns:a="http://schemas.openxmlformats.org/drawingml/2006/main" xmlns:r="http://schemas.openxmlformats.org/officeDocument/2006/relationships" xmlns:p="http://schemas.openxmlformats.org/presentationml/2006/main">
-  <p:cSld>
-    <p:spTree>
-      <p:nvGrpSpPr>
-        <p:cNvPr id="1" name=""/>
-        <p:cNvGrpSpPr/>
-        <p:nvPr/>
-      </p:nvGrpSpPr>
-      <p:grpSpPr>
-        <a:xfrm>
-          <a:off x="0" y="0"/>
-          <a:ext cx="0" cy="0"/>
-          <a:chOff x="0" y="0"/>
-          <a:chExt cx="0" cy="0"/>
-        </a:xfrm>
-      </p:grpSpPr>
-      <p:sp>
-        <p:nvSpPr>
-          <p:cNvPr id="2" name="Title 1">
-            <a:extLst>
-              <a:ext uri="{FF2B5EF4-FFF2-40B4-BE49-F238E27FC236}">
-                <a16:creationId xmlns:a16="http://schemas.microsoft.com/office/drawing/2014/main" id="{A9E70CFD-64F6-4162-AE61-7358F806E1B1}"/>
-              </a:ext>
-            </a:extLst>
-          </p:cNvPr>
-          <p:cNvSpPr>
-            <a:spLocks noGrp="1"/>
-          </p:cNvSpPr>
-          <p:nvPr>
-            <p:ph type="title"/>
-          </p:nvPr>
-        </p:nvSpPr>
-        <p:spPr/>
-        <p:txBody>
-          <a:bodyPr/>
-          <a:lstStyle/>
-          <a:p>
-            <a:r>
-              <a:rPr lang="en-US" dirty="0"/>
-              <a:t>Selection Pane</a:t>
-            </a:r>
-          </a:p>
-        </p:txBody>
-      </p:sp>
-      <p:sp>
-        <p:nvSpPr>
-          <p:cNvPr id="3" name="Content Placeholder 2">
-            <a:extLst>
-              <a:ext uri="{FF2B5EF4-FFF2-40B4-BE49-F238E27FC236}">
-                <a16:creationId xmlns:a16="http://schemas.microsoft.com/office/drawing/2014/main" id="{74DAD658-A5ED-41EE-84C2-0D2B8C012930}"/>
-              </a:ext>
-            </a:extLst>
-          </p:cNvPr>
-          <p:cNvSpPr>
-            <a:spLocks noGrp="1"/>
-          </p:cNvSpPr>
-          <p:nvPr>
-            <p:ph idx="1"/>
-          </p:nvPr>
-        </p:nvSpPr>
-        <p:spPr/>
-        <p:txBody>
-          <a:bodyPr/>
-          <a:lstStyle/>
-          <a:p>
-            <a:endParaRPr lang="en-US"/>
-          </a:p>
-        </p:txBody>
-      </p:sp>
-    </p:spTree>
-    <p:extLst>
-      <p:ext uri="{BB962C8B-B14F-4D97-AF65-F5344CB8AC3E}">
-        <p14:creationId xmlns:p14="http://schemas.microsoft.com/office/powerpoint/2010/main" val="1705469751"/>
-      </p:ext>
-    </p:extLst>
-  </p:cSld>
-  <p:clrMapOvr>
-    <a:masterClrMapping/>
-  </p:clrMapOvr>
-</p:sld>
-</file>
-
-<file path=ppt/slides/slide9.xml><?xml version="1.0" encoding="utf-8"?>
-<p:sld xmlns:a="http://schemas.openxmlformats.org/drawingml/2006/main" xmlns:r="http://schemas.openxmlformats.org/officeDocument/2006/relationships" xmlns:p="http://schemas.openxmlformats.org/presentationml/2006/main">
-  <p:cSld>
-    <p:spTree>
-      <p:nvGrpSpPr>
-        <p:cNvPr id="1" name=""/>
-        <p:cNvGrpSpPr/>
-        <p:nvPr/>
-      </p:nvGrpSpPr>
-      <p:grpSpPr>
-        <a:xfrm>
-          <a:off x="0" y="0"/>
-          <a:ext cx="0" cy="0"/>
-          <a:chOff x="0" y="0"/>
-          <a:chExt cx="0" cy="0"/>
-        </a:xfrm>
-      </p:grpSpPr>
-      <p:sp>
-        <p:nvSpPr>
-          <p:cNvPr id="2" name="Title 1">
-            <a:extLst>
-              <a:ext uri="{FF2B5EF4-FFF2-40B4-BE49-F238E27FC236}">
-                <a16:creationId xmlns:a16="http://schemas.microsoft.com/office/drawing/2014/main" id="{7C695293-0365-4B86-AEB9-8EB728D4AEA5}"/>
-              </a:ext>
-            </a:extLst>
-          </p:cNvPr>
-          <p:cNvSpPr>
-            <a:spLocks noGrp="1"/>
-          </p:cNvSpPr>
-          <p:nvPr>
-            <p:ph type="title"/>
-          </p:nvPr>
-        </p:nvSpPr>
-        <p:spPr/>
-        <p:txBody>
-          <a:bodyPr/>
-          <a:lstStyle/>
-          <a:p>
-            <a:r>
-              <a:rPr lang="en-US" dirty="0"/>
-              <a:t>Bookmarks Pane</a:t>
-            </a:r>
-          </a:p>
-        </p:txBody>
-      </p:sp>
-      <p:sp>
-        <p:nvSpPr>
-          <p:cNvPr id="3" name="Content Placeholder 2">
-            <a:extLst>
-              <a:ext uri="{FF2B5EF4-FFF2-40B4-BE49-F238E27FC236}">
-                <a16:creationId xmlns:a16="http://schemas.microsoft.com/office/drawing/2014/main" id="{D01AEA7E-7F80-4450-B0A3-FB386709FE38}"/>
-              </a:ext>
-            </a:extLst>
-          </p:cNvPr>
-          <p:cNvSpPr>
-            <a:spLocks noGrp="1"/>
-          </p:cNvSpPr>
-          <p:nvPr>
-            <p:ph idx="1"/>
-          </p:nvPr>
-        </p:nvSpPr>
-        <p:spPr/>
-        <p:txBody>
-          <a:bodyPr/>
-          <a:lstStyle/>
-          <a:p>
-            <a:endParaRPr lang="en-US"/>
-          </a:p>
-        </p:txBody>
-      </p:sp>
-    </p:spTree>
-    <p:extLst>
-      <p:ext uri="{BB962C8B-B14F-4D97-AF65-F5344CB8AC3E}">
-        <p14:creationId xmlns:p14="http://schemas.microsoft.com/office/powerpoint/2010/main" val="566907171"/>
-      </p:ext>
-    </p:extLst>
-  </p:cSld>
-  <p:clrMapOvr>
-    <a:masterClrMapping/>
-  </p:clrMapOvr>
+  <p:timing>
+    <p:tnLst>
+      <p:par>
+        <p:cTn id="1" dur="indefinite" restart="never" nodeType="tmRoot">
+          <p:childTnLst>
+            <p:seq concurrent="1" nextAc="seek">
+              <p:cTn id="2" dur="indefinite" nodeType="mainSeq">
+                <p:childTnLst>
+                  <p:par>
+                    <p:cTn id="3" fill="hold">
+                      <p:stCondLst>
+                        <p:cond delay="indefinite"/>
+                      </p:stCondLst>
+                      <p:childTnLst>
+                        <p:par>
+                          <p:cTn id="4" fill="hold">
+                            <p:stCondLst>
+                              <p:cond delay="0"/>
+                            </p:stCondLst>
+                            <p:childTnLst>
+                              <p:par>
+                                <p:cTn id="5" presetID="1" presetClass="entr" presetSubtype="0" fill="hold" nodeType="clickEffect">
+                                  <p:stCondLst>
+                                    <p:cond delay="0"/>
+                                  </p:stCondLst>
+                                  <p:childTnLst>
+                                    <p:set>
+                                      <p:cBhvr>
+                                        <p:cTn id="6" dur="1" fill="hold">
+                                          <p:stCondLst>
+                                            <p:cond delay="0"/>
+                                          </p:stCondLst>
+                                        </p:cTn>
+                                        <p:tgtEl>
+                                          <p:spTgt spid="7"/>
+                                        </p:tgtEl>
+                                        <p:attrNameLst>
+                                          <p:attrName>style.visibility</p:attrName>
+                                        </p:attrNameLst>
+                                      </p:cBhvr>
+                                      <p:to>
+                                        <p:strVal val="visible"/>
+                                      </p:to>
+                                    </p:set>
+                                  </p:childTnLst>
+                                </p:cTn>
+                              </p:par>
+                            </p:childTnLst>
+                          </p:cTn>
+                        </p:par>
+                      </p:childTnLst>
+                    </p:cTn>
+                  </p:par>
+                  <p:par>
+                    <p:cTn id="7" fill="hold">
+                      <p:stCondLst>
+                        <p:cond delay="indefinite"/>
+                      </p:stCondLst>
+                      <p:childTnLst>
+                        <p:par>
+                          <p:cTn id="8" fill="hold">
+                            <p:stCondLst>
+                              <p:cond delay="0"/>
+                            </p:stCondLst>
+                            <p:childTnLst>
+                              <p:par>
+                                <p:cTn id="9" presetID="1" presetClass="entr" presetSubtype="0" fill="hold" nodeType="clickEffect">
+                                  <p:stCondLst>
+                                    <p:cond delay="0"/>
+                                  </p:stCondLst>
+                                  <p:childTnLst>
+                                    <p:set>
+                                      <p:cBhvr>
+                                        <p:cTn id="10" dur="1" fill="hold">
+                                          <p:stCondLst>
+                                            <p:cond delay="0"/>
+                                          </p:stCondLst>
+                                        </p:cTn>
+                                        <p:tgtEl>
+                                          <p:spTgt spid="3">
+                                            <p:txEl>
+                                              <p:pRg st="7" end="7"/>
+                                            </p:txEl>
+                                          </p:spTgt>
+                                        </p:tgtEl>
+                                        <p:attrNameLst>
+                                          <p:attrName>style.visibility</p:attrName>
+                                        </p:attrNameLst>
+                                      </p:cBhvr>
+                                      <p:to>
+                                        <p:strVal val="visible"/>
+                                      </p:to>
+                                    </p:set>
+                                  </p:childTnLst>
+                                </p:cTn>
+                              </p:par>
+                              <p:par>
+                                <p:cTn id="11" presetID="1" presetClass="entr" presetSubtype="0" fill="hold" nodeType="withEffect">
+                                  <p:stCondLst>
+                                    <p:cond delay="0"/>
+                                  </p:stCondLst>
+                                  <p:childTnLst>
+                                    <p:set>
+                                      <p:cBhvr>
+                                        <p:cTn id="12" dur="1" fill="hold">
+                                          <p:stCondLst>
+                                            <p:cond delay="0"/>
+                                          </p:stCondLst>
+                                        </p:cTn>
+                                        <p:tgtEl>
+                                          <p:spTgt spid="8"/>
+                                        </p:tgtEl>
+                                        <p:attrNameLst>
+                                          <p:attrName>style.visibility</p:attrName>
+                                        </p:attrNameLst>
+                                      </p:cBhvr>
+                                      <p:to>
+                                        <p:strVal val="visible"/>
+                                      </p:to>
+                                    </p:set>
+                                  </p:childTnLst>
+                                </p:cTn>
+                              </p:par>
+                            </p:childTnLst>
+                          </p:cTn>
+                        </p:par>
+                      </p:childTnLst>
+                    </p:cTn>
+                  </p:par>
+                </p:childTnLst>
+              </p:cTn>
+              <p:prevCondLst>
+                <p:cond evt="onPrev" delay="0">
+                  <p:tgtEl>
+                    <p:sldTgt/>
+                  </p:tgtEl>
+                </p:cond>
+              </p:prevCondLst>
+              <p:nextCondLst>
+                <p:cond evt="onNext" delay="0">
+                  <p:tgtEl>
+                    <p:sldTgt/>
+                  </p:tgtEl>
+                </p:cond>
+              </p:nextCondLst>
+            </p:seq>
+          </p:childTnLst>
+        </p:cTn>
+      </p:par>
+    </p:tnLst>
+  </p:timing>
 </p:sld>
 </file>
 
@@ -7419,13 +10915,13 @@
 <ds:datastoreItem xmlns:ds="http://schemas.openxmlformats.org/officeDocument/2006/customXml" ds:itemID="{A5547237-B119-45CA-BEFC-A2DA2BDB03E7}">
   <ds:schemaRefs>
     <ds:schemaRef ds:uri="http://purl.org/dc/dcmitype/"/>
+    <ds:schemaRef ds:uri="http://schemas.microsoft.com/office/infopath/2007/PartnerControls"/>
+    <ds:schemaRef ds:uri="http://purl.org/dc/elements/1.1/"/>
+    <ds:schemaRef ds:uri="http://schemas.microsoft.com/office/2006/documentManagement/types"/>
+    <ds:schemaRef ds:uri="http://schemas.openxmlformats.org/package/2006/metadata/core-properties"/>
+    <ds:schemaRef ds:uri="http://schemas.microsoft.com/office/2006/metadata/properties"/>
     <ds:schemaRef ds:uri="http://www.w3.org/XML/1998/namespace"/>
     <ds:schemaRef ds:uri="http://purl.org/dc/terms/"/>
-    <ds:schemaRef ds:uri="http://schemas.microsoft.com/office/infopath/2007/PartnerControls"/>
-    <ds:schemaRef ds:uri="http://schemas.microsoft.com/office/2006/documentManagement/types"/>
-    <ds:schemaRef ds:uri="http://purl.org/dc/elements/1.1/"/>
-    <ds:schemaRef ds:uri="http://schemas.openxmlformats.org/package/2006/metadata/core-properties"/>
-    <ds:schemaRef ds:uri="http://schemas.microsoft.com/office/2006/metadata/properties"/>
   </ds:schemaRefs>
 </ds:datastoreItem>
 </file>
